--- a/Learning-Defensive-programming.pptx
+++ b/Learning-Defensive-programming.pptx
@@ -5,29 +5,33 @@
     <p:sldMasterId id="2147483660" r:id="rId1"/>
   </p:sldMasterIdLst>
   <p:handoutMasterIdLst>
-    <p:handoutMasterId r:id="rId22"/>
+    <p:handoutMasterId r:id="rId26"/>
   </p:handoutMasterIdLst>
   <p:sldIdLst>
     <p:sldId id="257" r:id="rId2"/>
-    <p:sldId id="279" r:id="rId3"/>
-    <p:sldId id="281" r:id="rId4"/>
-    <p:sldId id="286" r:id="rId5"/>
-    <p:sldId id="284" r:id="rId6"/>
-    <p:sldId id="276" r:id="rId7"/>
-    <p:sldId id="287" r:id="rId8"/>
-    <p:sldId id="288" r:id="rId9"/>
-    <p:sldId id="291" r:id="rId10"/>
-    <p:sldId id="289" r:id="rId11"/>
-    <p:sldId id="290" r:id="rId12"/>
-    <p:sldId id="292" r:id="rId13"/>
-    <p:sldId id="293" r:id="rId14"/>
-    <p:sldId id="297" r:id="rId15"/>
-    <p:sldId id="296" r:id="rId16"/>
-    <p:sldId id="299" r:id="rId17"/>
-    <p:sldId id="304" r:id="rId18"/>
-    <p:sldId id="305" r:id="rId19"/>
-    <p:sldId id="306" r:id="rId20"/>
-    <p:sldId id="301" r:id="rId21"/>
+    <p:sldId id="308" r:id="rId3"/>
+    <p:sldId id="276" r:id="rId4"/>
+    <p:sldId id="279" r:id="rId5"/>
+    <p:sldId id="281" r:id="rId6"/>
+    <p:sldId id="286" r:id="rId7"/>
+    <p:sldId id="284" r:id="rId8"/>
+    <p:sldId id="309" r:id="rId9"/>
+    <p:sldId id="287" r:id="rId10"/>
+    <p:sldId id="288" r:id="rId11"/>
+    <p:sldId id="291" r:id="rId12"/>
+    <p:sldId id="289" r:id="rId13"/>
+    <p:sldId id="290" r:id="rId14"/>
+    <p:sldId id="292" r:id="rId15"/>
+    <p:sldId id="310" r:id="rId16"/>
+    <p:sldId id="293" r:id="rId17"/>
+    <p:sldId id="297" r:id="rId18"/>
+    <p:sldId id="296" r:id="rId19"/>
+    <p:sldId id="299" r:id="rId20"/>
+    <p:sldId id="304" r:id="rId21"/>
+    <p:sldId id="305" r:id="rId22"/>
+    <p:sldId id="307" r:id="rId23"/>
+    <p:sldId id="306" r:id="rId24"/>
+    <p:sldId id="301" r:id="rId25"/>
   </p:sldIdLst>
   <p:sldSz cx="12192000" cy="6858000"/>
   <p:notesSz cx="6811963" cy="9945688"/>
@@ -128,7 +132,7 @@
   </p:defaultTextStyle>
   <p:extLst>
     <p:ext uri="{EFAFB233-063F-42B5-8137-9DF3F51BA10A}">
-      <p15:sldGuideLst xmlns="" xmlns:p15="http://schemas.microsoft.com/office/powerpoint/2012/main"/>
+      <p15:sldGuideLst xmlns:p15="http://schemas.microsoft.com/office/powerpoint/2012/main" xmlns=""/>
     </p:ext>
   </p:extLst>
 </p:presentation>
@@ -216,7 +220,7 @@
           <a:p>
             <a:fld id="{D4376040-799A-4FA2-A0BF-8E437710B195}" type="datetimeFigureOut">
               <a:rPr lang="zh-TW" altLang="en-US" smtClean="0"/>
-              <a:t>2016/8/18</a:t>
+              <a:t>2016/8/19</a:t>
             </a:fld>
             <a:endParaRPr lang="zh-TW" altLang="en-US"/>
           </a:p>
@@ -525,7 +529,7 @@
           <a:p>
             <a:fld id="{2C67A078-49DE-404D-8247-3AE1D367548A}" type="datetimeFigureOut">
               <a:rPr lang="zh-TW" altLang="en-US" smtClean="0"/>
-              <a:t>2016/8/18</a:t>
+              <a:t>2016/8/19</a:t>
             </a:fld>
             <a:endParaRPr lang="zh-TW" altLang="en-US"/>
           </a:p>
@@ -733,7 +737,7 @@
           <a:p>
             <a:fld id="{2C67A078-49DE-404D-8247-3AE1D367548A}" type="datetimeFigureOut">
               <a:rPr lang="zh-TW" altLang="en-US" smtClean="0"/>
-              <a:t>2016/8/18</a:t>
+              <a:t>2016/8/19</a:t>
             </a:fld>
             <a:endParaRPr lang="zh-TW" altLang="en-US"/>
           </a:p>
@@ -989,7 +993,7 @@
           <a:p>
             <a:fld id="{2C67A078-49DE-404D-8247-3AE1D367548A}" type="datetimeFigureOut">
               <a:rPr lang="zh-TW" altLang="en-US" smtClean="0"/>
-              <a:t>2016/8/18</a:t>
+              <a:t>2016/8/19</a:t>
             </a:fld>
             <a:endParaRPr lang="zh-TW" altLang="en-US"/>
           </a:p>
@@ -1163,7 +1167,7 @@
           <a:p>
             <a:fld id="{2C67A078-49DE-404D-8247-3AE1D367548A}" type="datetimeFigureOut">
               <a:rPr lang="zh-TW" altLang="en-US" smtClean="0"/>
-              <a:t>2016/8/18</a:t>
+              <a:t>2016/8/19</a:t>
             </a:fld>
             <a:endParaRPr lang="zh-TW" altLang="en-US"/>
           </a:p>
@@ -1506,7 +1510,7 @@
           <a:p>
             <a:fld id="{2C67A078-49DE-404D-8247-3AE1D367548A}" type="datetimeFigureOut">
               <a:rPr lang="zh-TW" altLang="en-US" smtClean="0"/>
-              <a:t>2016/8/18</a:t>
+              <a:t>2016/8/19</a:t>
             </a:fld>
             <a:endParaRPr lang="zh-TW" altLang="en-US"/>
           </a:p>
@@ -1781,7 +1785,7 @@
           <a:p>
             <a:fld id="{2C67A078-49DE-404D-8247-3AE1D367548A}" type="datetimeFigureOut">
               <a:rPr lang="zh-TW" altLang="en-US" smtClean="0"/>
-              <a:t>2016/8/18</a:t>
+              <a:t>2016/8/19</a:t>
             </a:fld>
             <a:endParaRPr lang="zh-TW" altLang="en-US"/>
           </a:p>
@@ -2160,7 +2164,7 @@
           <a:p>
             <a:fld id="{2C67A078-49DE-404D-8247-3AE1D367548A}" type="datetimeFigureOut">
               <a:rPr lang="zh-TW" altLang="en-US" smtClean="0"/>
-              <a:t>2016/8/18</a:t>
+              <a:t>2016/8/19</a:t>
             </a:fld>
             <a:endParaRPr lang="zh-TW" altLang="en-US"/>
           </a:p>
@@ -2278,7 +2282,7 @@
           <a:p>
             <a:fld id="{2C67A078-49DE-404D-8247-3AE1D367548A}" type="datetimeFigureOut">
               <a:rPr lang="zh-TW" altLang="en-US" smtClean="0"/>
-              <a:t>2016/8/18</a:t>
+              <a:t>2016/8/19</a:t>
             </a:fld>
             <a:endParaRPr lang="zh-TW" altLang="en-US"/>
           </a:p>
@@ -2449,7 +2453,7 @@
           <a:p>
             <a:fld id="{2C67A078-49DE-404D-8247-3AE1D367548A}" type="datetimeFigureOut">
               <a:rPr lang="zh-TW" altLang="en-US" smtClean="0"/>
-              <a:t>2016/8/18</a:t>
+              <a:t>2016/8/19</a:t>
             </a:fld>
             <a:endParaRPr lang="zh-TW" altLang="en-US"/>
           </a:p>
@@ -2803,7 +2807,7 @@
           <a:p>
             <a:fld id="{2C67A078-49DE-404D-8247-3AE1D367548A}" type="datetimeFigureOut">
               <a:rPr lang="zh-TW" altLang="en-US" smtClean="0"/>
-              <a:t>2016/8/18</a:t>
+              <a:t>2016/8/19</a:t>
             </a:fld>
             <a:endParaRPr lang="zh-TW" altLang="en-US"/>
           </a:p>
@@ -3185,7 +3189,7 @@
           <a:p>
             <a:fld id="{2C67A078-49DE-404D-8247-3AE1D367548A}" type="datetimeFigureOut">
               <a:rPr lang="zh-TW" altLang="en-US" smtClean="0"/>
-              <a:t>2016/8/18</a:t>
+              <a:t>2016/8/19</a:t>
             </a:fld>
             <a:endParaRPr lang="zh-TW" altLang="en-US"/>
           </a:p>
@@ -3472,7 +3476,7 @@
           <a:p>
             <a:fld id="{2C67A078-49DE-404D-8247-3AE1D367548A}" type="datetimeFigureOut">
               <a:rPr lang="zh-TW" altLang="en-US" smtClean="0"/>
-              <a:t>2016/8/18</a:t>
+              <a:t>2016/8/19</a:t>
             </a:fld>
             <a:endParaRPr lang="zh-TW" altLang="en-US"/>
           </a:p>
@@ -4155,10 +4159,237 @@
   <p:clrMapOvr>
     <a:masterClrMapping/>
   </p:clrMapOvr>
+  <p:timing>
+    <p:tnLst>
+      <p:par>
+        <p:cTn id="1" dur="indefinite" restart="never" nodeType="tmRoot"/>
+      </p:par>
+    </p:tnLst>
+  </p:timing>
 </p:sld>
 </file>
 
 <file path=ppt/slides/slide10.xml><?xml version="1.0" encoding="utf-8"?>
+<p:sld xmlns:a="http://schemas.openxmlformats.org/drawingml/2006/main" xmlns:r="http://schemas.openxmlformats.org/officeDocument/2006/relationships" xmlns:p="http://schemas.openxmlformats.org/presentationml/2006/main">
+  <p:cSld>
+    <p:bg>
+      <p:bgRef idx="1001">
+        <a:schemeClr val="bg1"/>
+      </p:bgRef>
+    </p:bg>
+    <p:spTree>
+      <p:nvGrpSpPr>
+        <p:cNvPr id="1" name=""/>
+        <p:cNvGrpSpPr/>
+        <p:nvPr/>
+      </p:nvGrpSpPr>
+      <p:grpSpPr>
+        <a:xfrm>
+          <a:off x="0" y="0"/>
+          <a:ext cx="0" cy="0"/>
+          <a:chOff x="0" y="0"/>
+          <a:chExt cx="0" cy="0"/>
+        </a:xfrm>
+      </p:grpSpPr>
+      <p:sp>
+        <p:nvSpPr>
+          <p:cNvPr id="2" name="標題 1"/>
+          <p:cNvSpPr>
+            <a:spLocks noGrp="1"/>
+          </p:cNvSpPr>
+          <p:nvPr>
+            <p:ph type="title"/>
+          </p:nvPr>
+        </p:nvSpPr>
+        <p:spPr/>
+        <p:txBody>
+          <a:bodyPr>
+            <a:normAutofit/>
+          </a:bodyPr>
+          <a:lstStyle/>
+          <a:p>
+            <a:pPr algn="ctr"/>
+            <a:r>
+              <a:rPr lang="zh-TW" altLang="en-US" dirty="0">
+                <a:latin typeface="標楷體" pitchFamily="65" charset="-120"/>
+                <a:ea typeface="標楷體" pitchFamily="65" charset="-120"/>
+              </a:rPr>
+              <a:t>可能會遭受</a:t>
+            </a:r>
+          </a:p>
+        </p:txBody>
+      </p:sp>
+      <p:sp>
+        <p:nvSpPr>
+          <p:cNvPr id="3" name="內容版面配置區 2"/>
+          <p:cNvSpPr>
+            <a:spLocks noGrp="1"/>
+          </p:cNvSpPr>
+          <p:nvPr>
+            <p:ph idx="1"/>
+          </p:nvPr>
+        </p:nvSpPr>
+        <p:spPr/>
+        <p:txBody>
+          <a:bodyPr>
+            <a:normAutofit/>
+          </a:bodyPr>
+          <a:lstStyle/>
+          <a:p>
+            <a:pPr>
+              <a:buFont typeface="Wingdings" pitchFamily="2" charset="2"/>
+              <a:buChar char="Ø"/>
+            </a:pPr>
+            <a:r>
+              <a:rPr lang="en-US" altLang="zh-TW" sz="3200" dirty="0">
+                <a:latin typeface="Times New Roman" pitchFamily="18" charset="0"/>
+                <a:ea typeface="標楷體" pitchFamily="65" charset="-120"/>
+                <a:cs typeface="Times New Roman" pitchFamily="18" charset="0"/>
+              </a:rPr>
+              <a:t>SQL</a:t>
+            </a:r>
+            <a:r>
+              <a:rPr lang="zh-TW" altLang="en-US" sz="3200" dirty="0">
+                <a:latin typeface="Times New Roman" pitchFamily="18" charset="0"/>
+                <a:ea typeface="標楷體" pitchFamily="65" charset="-120"/>
+                <a:cs typeface="Times New Roman" pitchFamily="18" charset="0"/>
+              </a:rPr>
+              <a:t>注入攻擊</a:t>
+            </a:r>
+            <a:r>
+              <a:rPr lang="en-US" altLang="zh-TW" sz="3200" dirty="0">
+                <a:latin typeface="Times New Roman" pitchFamily="18" charset="0"/>
+                <a:ea typeface="標楷體" pitchFamily="65" charset="-120"/>
+                <a:cs typeface="Times New Roman" pitchFamily="18" charset="0"/>
+              </a:rPr>
+              <a:t>(SQL injection attack</a:t>
+            </a:r>
+            <a:r>
+              <a:rPr lang="en-US" altLang="zh-TW" sz="3200" dirty="0" smtClean="0">
+                <a:latin typeface="Times New Roman" pitchFamily="18" charset="0"/>
+                <a:ea typeface="標楷體" pitchFamily="65" charset="-120"/>
+                <a:cs typeface="Times New Roman" pitchFamily="18" charset="0"/>
+              </a:rPr>
+              <a:t>)</a:t>
+            </a:r>
+          </a:p>
+          <a:p>
+            <a:pPr marL="0" indent="0">
+              <a:buNone/>
+            </a:pPr>
+            <a:endParaRPr lang="en-US" altLang="zh-TW" sz="3200" dirty="0" smtClean="0">
+              <a:latin typeface="Times New Roman" pitchFamily="18" charset="0"/>
+              <a:ea typeface="標楷體" pitchFamily="65" charset="-120"/>
+              <a:cs typeface="Times New Roman" pitchFamily="18" charset="0"/>
+            </a:endParaRPr>
+          </a:p>
+          <a:p>
+            <a:pPr>
+              <a:buFont typeface="Wingdings" pitchFamily="2" charset="2"/>
+              <a:buChar char="Ø"/>
+            </a:pPr>
+            <a:r>
+              <a:rPr lang="zh-TW" altLang="en-US" sz="3200" dirty="0" smtClean="0">
+                <a:latin typeface="Times New Roman" pitchFamily="18" charset="0"/>
+                <a:ea typeface="標楷體" pitchFamily="65" charset="-120"/>
+                <a:cs typeface="Times New Roman" pitchFamily="18" charset="0"/>
+              </a:rPr>
+              <a:t>跨</a:t>
+            </a:r>
+            <a:r>
+              <a:rPr lang="zh-TW" altLang="en-US" sz="3200" dirty="0">
+                <a:latin typeface="Times New Roman" pitchFamily="18" charset="0"/>
+                <a:ea typeface="標楷體" pitchFamily="65" charset="-120"/>
+                <a:cs typeface="Times New Roman" pitchFamily="18" charset="0"/>
+              </a:rPr>
+              <a:t>站腳本攻擊</a:t>
+            </a:r>
+            <a:r>
+              <a:rPr lang="en-US" altLang="zh-TW" sz="3200" dirty="0">
+                <a:latin typeface="Times New Roman" pitchFamily="18" charset="0"/>
+                <a:ea typeface="標楷體" pitchFamily="65" charset="-120"/>
+                <a:cs typeface="Times New Roman" pitchFamily="18" charset="0"/>
+              </a:rPr>
+              <a:t>(cross-site scripting</a:t>
+            </a:r>
+            <a:r>
+              <a:rPr lang="en-US" altLang="zh-TW" sz="3200" dirty="0" smtClean="0">
+                <a:latin typeface="Times New Roman" pitchFamily="18" charset="0"/>
+                <a:ea typeface="標楷體" pitchFamily="65" charset="-120"/>
+                <a:cs typeface="Times New Roman" pitchFamily="18" charset="0"/>
+              </a:rPr>
+              <a:t>)</a:t>
+            </a:r>
+          </a:p>
+          <a:p>
+            <a:pPr marL="0" indent="0">
+              <a:buNone/>
+            </a:pPr>
+            <a:endParaRPr lang="en-US" altLang="zh-TW" sz="3200" dirty="0" smtClean="0">
+              <a:latin typeface="Times New Roman" pitchFamily="18" charset="0"/>
+              <a:ea typeface="標楷體" pitchFamily="65" charset="-120"/>
+              <a:cs typeface="Times New Roman" pitchFamily="18" charset="0"/>
+            </a:endParaRPr>
+          </a:p>
+          <a:p>
+            <a:pPr>
+              <a:buFont typeface="Wingdings" pitchFamily="2" charset="2"/>
+              <a:buChar char="Ø"/>
+            </a:pPr>
+            <a:r>
+              <a:rPr lang="zh-TW" altLang="en-US" sz="3200" dirty="0" smtClean="0">
+                <a:latin typeface="Times New Roman" pitchFamily="18" charset="0"/>
+                <a:ea typeface="標楷體" pitchFamily="65" charset="-120"/>
+                <a:cs typeface="Times New Roman" pitchFamily="18" charset="0"/>
+              </a:rPr>
+              <a:t>緩衝器</a:t>
+            </a:r>
+            <a:r>
+              <a:rPr lang="zh-TW" altLang="en-US" sz="3200" dirty="0">
+                <a:latin typeface="Times New Roman" pitchFamily="18" charset="0"/>
+                <a:ea typeface="標楷體" pitchFamily="65" charset="-120"/>
+                <a:cs typeface="Times New Roman" pitchFamily="18" charset="0"/>
+              </a:rPr>
+              <a:t>溢位攻擊</a:t>
+            </a:r>
+            <a:r>
+              <a:rPr lang="en-US" altLang="zh-TW" sz="3200" dirty="0">
+                <a:latin typeface="Times New Roman" pitchFamily="18" charset="0"/>
+                <a:ea typeface="標楷體" pitchFamily="65" charset="-120"/>
+                <a:cs typeface="Times New Roman" pitchFamily="18" charset="0"/>
+              </a:rPr>
+              <a:t>(buffer overflow attack</a:t>
+            </a:r>
+            <a:r>
+              <a:rPr lang="en-US" altLang="zh-TW" sz="3200" dirty="0" smtClean="0">
+                <a:latin typeface="Times New Roman" pitchFamily="18" charset="0"/>
+                <a:ea typeface="標楷體" pitchFamily="65" charset="-120"/>
+                <a:cs typeface="Times New Roman" pitchFamily="18" charset="0"/>
+              </a:rPr>
+              <a:t>)……</a:t>
+            </a:r>
+            <a:endParaRPr lang="zh-TW" altLang="en-US" sz="3200" dirty="0">
+              <a:latin typeface="Times New Roman" pitchFamily="18" charset="0"/>
+              <a:ea typeface="標楷體" pitchFamily="65" charset="-120"/>
+              <a:cs typeface="Times New Roman" pitchFamily="18" charset="0"/>
+            </a:endParaRPr>
+          </a:p>
+        </p:txBody>
+      </p:sp>
+    </p:spTree>
+    <p:extLst>
+      <p:ext uri="{BB962C8B-B14F-4D97-AF65-F5344CB8AC3E}">
+        <p14:creationId xmlns:p14="http://schemas.microsoft.com/office/powerpoint/2010/main" val="1212920055"/>
+      </p:ext>
+    </p:extLst>
+  </p:cSld>
+  <p:clrMapOvr>
+    <a:overrideClrMapping bg1="lt1" tx1="dk1" bg2="lt2" tx2="dk2" accent1="accent1" accent2="accent2" accent3="accent3" accent4="accent4" accent5="accent5" accent6="accent6" hlink="hlink" folHlink="folHlink"/>
+  </p:clrMapOvr>
+</p:sld>
+</file>
+
+<file path=ppt/slides/slide11.xml><?xml version="1.0" encoding="utf-8"?>
 <p:sld xmlns:a="http://schemas.openxmlformats.org/drawingml/2006/main" xmlns:r="http://schemas.openxmlformats.org/officeDocument/2006/relationships" xmlns:p="http://schemas.openxmlformats.org/presentationml/2006/main">
   <p:cSld>
     <p:spTree>
@@ -4191,6 +4422,298 @@
           <a:lstStyle/>
           <a:p>
             <a:endParaRPr lang="zh-TW" altLang="en-US"/>
+          </a:p>
+        </p:txBody>
+      </p:sp>
+      <p:sp>
+        <p:nvSpPr>
+          <p:cNvPr id="3" name="內容版面配置區 2"/>
+          <p:cNvSpPr>
+            <a:spLocks noGrp="1"/>
+          </p:cNvSpPr>
+          <p:nvPr>
+            <p:ph idx="1"/>
+          </p:nvPr>
+        </p:nvSpPr>
+        <p:spPr/>
+        <p:txBody>
+          <a:bodyPr/>
+          <a:lstStyle/>
+          <a:p>
+            <a:endParaRPr lang="zh-TW" altLang="en-US"/>
+          </a:p>
+        </p:txBody>
+      </p:sp>
+      <p:pic>
+        <p:nvPicPr>
+          <p:cNvPr id="4098" name="Picture 2"/>
+          <p:cNvPicPr>
+            <a:picLocks noChangeAspect="1" noChangeArrowheads="1"/>
+          </p:cNvPicPr>
+          <p:nvPr/>
+        </p:nvPicPr>
+        <p:blipFill>
+          <a:blip r:embed="rId2">
+            <a:extLst>
+              <a:ext uri="{28A0092B-C50C-407E-A947-70E740481C1C}">
+                <a14:useLocalDpi xmlns:a14="http://schemas.microsoft.com/office/drawing/2010/main" val="0"/>
+              </a:ext>
+            </a:extLst>
+          </a:blip>
+          <a:srcRect/>
+          <a:stretch>
+            <a:fillRect/>
+          </a:stretch>
+        </p:blipFill>
+        <p:spPr bwMode="auto">
+          <a:xfrm>
+            <a:off x="373145" y="478909"/>
+            <a:ext cx="11588349" cy="5363750"/>
+          </a:xfrm>
+          <a:prstGeom prst="rect">
+            <a:avLst/>
+          </a:prstGeom>
+          <a:noFill/>
+          <a:ln>
+            <a:noFill/>
+          </a:ln>
+          <a:effectLst/>
+          <a:extLst>
+            <a:ext uri="{909E8E84-426E-40DD-AFC4-6F175D3DCCD1}">
+              <a14:hiddenFill xmlns:a14="http://schemas.microsoft.com/office/drawing/2010/main">
+                <a:solidFill>
+                  <a:schemeClr val="accent1"/>
+                </a:solidFill>
+              </a14:hiddenFill>
+            </a:ext>
+            <a:ext uri="{91240B29-F687-4F45-9708-019B960494DF}">
+              <a14:hiddenLine xmlns:a14="http://schemas.microsoft.com/office/drawing/2010/main" w="9525">
+                <a:solidFill>
+                  <a:schemeClr val="tx1"/>
+                </a:solidFill>
+                <a:miter lim="800000"/>
+                <a:headEnd/>
+                <a:tailEnd/>
+              </a14:hiddenLine>
+            </a:ext>
+            <a:ext uri="{AF507438-7753-43E0-B8FC-AC1667EBCBE1}">
+              <a14:hiddenEffects xmlns:a14="http://schemas.microsoft.com/office/drawing/2010/main">
+                <a:effectLst>
+                  <a:outerShdw dist="35921" dir="2700000" algn="ctr" rotWithShape="0">
+                    <a:schemeClr val="bg2"/>
+                  </a:outerShdw>
+                </a:effectLst>
+              </a14:hiddenEffects>
+            </a:ext>
+          </a:extLst>
+        </p:spPr>
+      </p:pic>
+      <p:sp>
+        <p:nvSpPr>
+          <p:cNvPr id="5" name="矩形 4"/>
+          <p:cNvSpPr/>
+          <p:nvPr/>
+        </p:nvSpPr>
+        <p:spPr>
+          <a:xfrm>
+            <a:off x="8446396" y="1033153"/>
+            <a:ext cx="3396343" cy="1888176"/>
+          </a:xfrm>
+          <a:prstGeom prst="rect">
+            <a:avLst/>
+          </a:prstGeom>
+        </p:spPr>
+        <p:style>
+          <a:lnRef idx="2">
+            <a:schemeClr val="accent6"/>
+          </a:lnRef>
+          <a:fillRef idx="1">
+            <a:schemeClr val="lt1"/>
+          </a:fillRef>
+          <a:effectRef idx="0">
+            <a:schemeClr val="accent6"/>
+          </a:effectRef>
+          <a:fontRef idx="minor">
+            <a:schemeClr val="dk1"/>
+          </a:fontRef>
+        </p:style>
+        <p:txBody>
+          <a:bodyPr rtlCol="0" anchor="ctr"/>
+          <a:lstStyle/>
+          <a:p>
+            <a:r>
+              <a:rPr lang="zh-TW" altLang="en-US" sz="2800" b="1" dirty="0" smtClean="0">
+                <a:solidFill>
+                  <a:srgbClr val="0000FF"/>
+                </a:solidFill>
+                <a:latin typeface="標楷體" pitchFamily="65" charset="-120"/>
+                <a:ea typeface="標楷體" pitchFamily="65" charset="-120"/>
+              </a:rPr>
+              <a:t>修改</a:t>
+            </a:r>
+            <a:r>
+              <a:rPr lang="zh-TW" altLang="en-US" sz="2800" b="1" dirty="0">
+                <a:solidFill>
+                  <a:srgbClr val="0000FF"/>
+                </a:solidFill>
+                <a:latin typeface="標楷體" pitchFamily="65" charset="-120"/>
+                <a:ea typeface="標楷體" pitchFamily="65" charset="-120"/>
+              </a:rPr>
+              <a:t>後</a:t>
+            </a:r>
+            <a:r>
+              <a:rPr lang="en-US" altLang="zh-TW" sz="2800" b="1" dirty="0" err="1" smtClean="0">
+                <a:solidFill>
+                  <a:srgbClr val="0000FF"/>
+                </a:solidFill>
+                <a:latin typeface="標楷體" pitchFamily="65" charset="-120"/>
+                <a:ea typeface="標楷體" pitchFamily="65" charset="-120"/>
+              </a:rPr>
+              <a:t>Check.php</a:t>
+            </a:r>
+            <a:endParaRPr lang="en-US" altLang="zh-TW" sz="2800" b="1" dirty="0" smtClean="0">
+              <a:solidFill>
+                <a:srgbClr val="0000FF"/>
+              </a:solidFill>
+              <a:latin typeface="標楷體" pitchFamily="65" charset="-120"/>
+              <a:ea typeface="標楷體" pitchFamily="65" charset="-120"/>
+            </a:endParaRPr>
+          </a:p>
+          <a:p>
+            <a:pPr algn="just"/>
+            <a:r>
+              <a:rPr lang="zh-TW" altLang="en-US" sz="2800" b="1" dirty="0" smtClean="0">
+                <a:solidFill>
+                  <a:srgbClr val="0000FF"/>
+                </a:solidFill>
+                <a:latin typeface="標楷體" pitchFamily="65" charset="-120"/>
+                <a:ea typeface="標楷體" pitchFamily="65" charset="-120"/>
+              </a:rPr>
+              <a:t>將</a:t>
+            </a:r>
+            <a:r>
+              <a:rPr lang="en-US" altLang="zh-TW" sz="2800" b="1" dirty="0" smtClean="0">
+                <a:solidFill>
+                  <a:srgbClr val="0000FF"/>
+                </a:solidFill>
+                <a:latin typeface="標楷體" pitchFamily="65" charset="-120"/>
+                <a:ea typeface="標楷體" pitchFamily="65" charset="-120"/>
+              </a:rPr>
+              <a:t>POST</a:t>
+            </a:r>
+            <a:r>
+              <a:rPr lang="zh-TW" altLang="en-US" sz="2800" b="1" dirty="0" smtClean="0">
+                <a:solidFill>
+                  <a:srgbClr val="0000FF"/>
+                </a:solidFill>
+                <a:latin typeface="標楷體" pitchFamily="65" charset="-120"/>
+                <a:ea typeface="標楷體" pitchFamily="65" charset="-120"/>
+              </a:rPr>
+              <a:t>中</a:t>
+            </a:r>
+            <a:r>
+              <a:rPr lang="en-US" altLang="zh-TW" sz="2800" b="1" dirty="0" smtClean="0">
+                <a:solidFill>
+                  <a:srgbClr val="0000FF"/>
+                </a:solidFill>
+                <a:latin typeface="標楷體" pitchFamily="65" charset="-120"/>
+                <a:ea typeface="標楷體" pitchFamily="65" charset="-120"/>
+              </a:rPr>
+              <a:t>$id</a:t>
+            </a:r>
+            <a:r>
+              <a:rPr lang="zh-TW" altLang="en-US" sz="2800" b="1" dirty="0" smtClean="0">
+                <a:solidFill>
+                  <a:srgbClr val="0000FF"/>
+                </a:solidFill>
+                <a:latin typeface="標楷體" pitchFamily="65" charset="-120"/>
+                <a:ea typeface="標楷體" pitchFamily="65" charset="-120"/>
+              </a:rPr>
+              <a:t>、</a:t>
+            </a:r>
+            <a:r>
+              <a:rPr lang="en-US" altLang="zh-TW" sz="2800" b="1" dirty="0" smtClean="0">
+                <a:solidFill>
+                  <a:srgbClr val="0000FF"/>
+                </a:solidFill>
+                <a:latin typeface="標楷體" pitchFamily="65" charset="-120"/>
+                <a:ea typeface="標楷體" pitchFamily="65" charset="-120"/>
+              </a:rPr>
+              <a:t>$pw</a:t>
+            </a:r>
+            <a:r>
+              <a:rPr lang="zh-TW" altLang="en-US" sz="2800" b="1" dirty="0" smtClean="0">
+                <a:solidFill>
+                  <a:srgbClr val="0000FF"/>
+                </a:solidFill>
+                <a:latin typeface="標楷體" pitchFamily="65" charset="-120"/>
+                <a:ea typeface="標楷體" pitchFamily="65" charset="-120"/>
+              </a:rPr>
+              <a:t>，進行多層的把關</a:t>
+            </a:r>
+            <a:endParaRPr lang="en-US" altLang="zh-TW" sz="2800" b="1" dirty="0" smtClean="0">
+              <a:solidFill>
+                <a:srgbClr val="0000FF"/>
+              </a:solidFill>
+              <a:latin typeface="標楷體" pitchFamily="65" charset="-120"/>
+              <a:ea typeface="標楷體" pitchFamily="65" charset="-120"/>
+            </a:endParaRPr>
+          </a:p>
+        </p:txBody>
+      </p:sp>
+    </p:spTree>
+    <p:extLst>
+      <p:ext uri="{BB962C8B-B14F-4D97-AF65-F5344CB8AC3E}">
+        <p14:creationId xmlns:p14="http://schemas.microsoft.com/office/powerpoint/2010/main" val="971320103"/>
+      </p:ext>
+    </p:extLst>
+  </p:cSld>
+  <p:clrMapOvr>
+    <a:masterClrMapping/>
+  </p:clrMapOvr>
+  <p:timing>
+    <p:tnLst>
+      <p:par>
+        <p:cTn id="1" dur="indefinite" restart="never" nodeType="tmRoot"/>
+      </p:par>
+    </p:tnLst>
+  </p:timing>
+</p:sld>
+</file>
+
+<file path=ppt/slides/slide12.xml><?xml version="1.0" encoding="utf-8"?>
+<p:sld xmlns:a="http://schemas.openxmlformats.org/drawingml/2006/main" xmlns:r="http://schemas.openxmlformats.org/officeDocument/2006/relationships" xmlns:p="http://schemas.openxmlformats.org/presentationml/2006/main">
+  <p:cSld>
+    <p:spTree>
+      <p:nvGrpSpPr>
+        <p:cNvPr id="1" name=""/>
+        <p:cNvGrpSpPr/>
+        <p:nvPr/>
+      </p:nvGrpSpPr>
+      <p:grpSpPr>
+        <a:xfrm>
+          <a:off x="0" y="0"/>
+          <a:ext cx="0" cy="0"/>
+          <a:chOff x="0" y="0"/>
+          <a:chExt cx="0" cy="0"/>
+        </a:xfrm>
+      </p:grpSpPr>
+      <p:sp>
+        <p:nvSpPr>
+          <p:cNvPr id="2" name="標題 1"/>
+          <p:cNvSpPr>
+            <a:spLocks noGrp="1"/>
+          </p:cNvSpPr>
+          <p:nvPr>
+            <p:ph type="title"/>
+          </p:nvPr>
+        </p:nvSpPr>
+        <p:spPr/>
+        <p:txBody>
+          <a:bodyPr/>
+          <a:lstStyle/>
+          <a:p>
+            <a:endParaRPr lang="zh-TW" altLang="en-US" dirty="0"/>
           </a:p>
         </p:txBody>
       </p:sp>
@@ -4282,9 +4805,9 @@
               <a:buNone/>
             </a:pPr>
             <a:r>
-              <a:rPr lang="zh-TW" altLang="en-US" sz="2800" dirty="0" smtClean="0">
+              <a:rPr lang="zh-TW" altLang="en-US" sz="2800" b="1" dirty="0" smtClean="0">
                 <a:solidFill>
-                  <a:srgbClr val="0000FF"/>
+                  <a:srgbClr val="FF0000"/>
                 </a:solidFill>
                 <a:latin typeface="標楷體" pitchFamily="65" charset="-120"/>
                 <a:ea typeface="標楷體" pitchFamily="65" charset="-120"/>
@@ -4292,9 +4815,9 @@
               <a:t>防止</a:t>
             </a:r>
             <a:r>
-              <a:rPr lang="zh-TW" altLang="en-US" sz="2800" dirty="0">
+              <a:rPr lang="zh-TW" altLang="en-US" sz="2800" b="1" dirty="0">
                 <a:solidFill>
-                  <a:srgbClr val="0000FF"/>
+                  <a:srgbClr val="FF0000"/>
                 </a:solidFill>
                 <a:latin typeface="標楷體" pitchFamily="65" charset="-120"/>
                 <a:ea typeface="標楷體" pitchFamily="65" charset="-120"/>
@@ -4302,9 +4825,9 @@
               <a:t>緩衝器溢位</a:t>
             </a:r>
             <a:r>
-              <a:rPr lang="zh-TW" altLang="en-US" sz="2800" dirty="0" smtClean="0">
+              <a:rPr lang="zh-TW" altLang="en-US" sz="2800" b="1" dirty="0" smtClean="0">
                 <a:solidFill>
-                  <a:srgbClr val="0000FF"/>
+                  <a:srgbClr val="FF0000"/>
                 </a:solidFill>
                 <a:latin typeface="標楷體" pitchFamily="65" charset="-120"/>
                 <a:ea typeface="標楷體" pitchFamily="65" charset="-120"/>
@@ -4312,18 +4835,18 @@
               <a:t>攻擊、</a:t>
             </a:r>
             <a:r>
-              <a:rPr lang="zh-TW" altLang="en-US" sz="2800" dirty="0">
+              <a:rPr lang="zh-TW" altLang="en-US" sz="2800" b="1" dirty="0">
                 <a:solidFill>
-                  <a:srgbClr val="0000FF"/>
+                  <a:srgbClr val="FF0000"/>
                 </a:solidFill>
                 <a:latin typeface="標楷體" pitchFamily="65" charset="-120"/>
                 <a:ea typeface="標楷體" pitchFamily="65" charset="-120"/>
               </a:rPr>
               <a:t>跨站腳本攻擊</a:t>
             </a:r>
-            <a:endParaRPr lang="en-US" altLang="zh-TW" sz="2800" dirty="0" smtClean="0">
+            <a:endParaRPr lang="en-US" altLang="zh-TW" sz="2800" b="1" dirty="0" smtClean="0">
               <a:solidFill>
-                <a:srgbClr val="0000FF"/>
+                <a:srgbClr val="FF0000"/>
               </a:solidFill>
               <a:latin typeface="標楷體" pitchFamily="65" charset="-120"/>
               <a:ea typeface="標楷體" pitchFamily="65" charset="-120"/>
@@ -4471,9 +4994,9 @@
               <a:buNone/>
             </a:pPr>
             <a:r>
-              <a:rPr lang="en-US" altLang="zh-TW" sz="2800" dirty="0">
+              <a:rPr lang="en-US" altLang="zh-TW" sz="2800" b="1" dirty="0">
                 <a:solidFill>
-                  <a:srgbClr val="0000FF"/>
+                  <a:srgbClr val="FF0000"/>
                 </a:solidFill>
                 <a:latin typeface="標楷體" pitchFamily="65" charset="-120"/>
                 <a:ea typeface="標楷體" pitchFamily="65" charset="-120"/>
@@ -4481,9 +5004,9 @@
               <a:t>SQL</a:t>
             </a:r>
             <a:r>
-              <a:rPr lang="zh-TW" altLang="en-US" sz="2800" dirty="0">
+              <a:rPr lang="zh-TW" altLang="en-US" sz="2800" b="1" dirty="0">
                 <a:solidFill>
-                  <a:srgbClr val="0000FF"/>
+                  <a:srgbClr val="FF0000"/>
                 </a:solidFill>
                 <a:latin typeface="標楷體" pitchFamily="65" charset="-120"/>
                 <a:ea typeface="標楷體" pitchFamily="65" charset="-120"/>
@@ -4491,18 +5014,18 @@
               <a:t>注入</a:t>
             </a:r>
             <a:r>
-              <a:rPr lang="zh-TW" altLang="en-US" sz="2800" dirty="0" smtClean="0">
+              <a:rPr lang="zh-TW" altLang="en-US" sz="2800" b="1" dirty="0" smtClean="0">
                 <a:solidFill>
-                  <a:srgbClr val="0000FF"/>
+                  <a:srgbClr val="FF0000"/>
                 </a:solidFill>
                 <a:latin typeface="標楷體" pitchFamily="65" charset="-120"/>
                 <a:ea typeface="標楷體" pitchFamily="65" charset="-120"/>
               </a:rPr>
               <a:t>攻擊</a:t>
             </a:r>
-            <a:endParaRPr lang="en-US" altLang="zh-TW" sz="2800" dirty="0" smtClean="0">
+            <a:endParaRPr lang="en-US" altLang="zh-TW" sz="2800" b="1" dirty="0" smtClean="0">
               <a:solidFill>
-                <a:srgbClr val="0000FF"/>
+                <a:srgbClr val="FF0000"/>
               </a:solidFill>
               <a:latin typeface="標楷體" pitchFamily="65" charset="-120"/>
               <a:ea typeface="標楷體" pitchFamily="65" charset="-120"/>
@@ -4595,7 +5118,7 @@
           <a:noFill/>
           <a:ln w="76200">
             <a:solidFill>
-              <a:srgbClr val="0000FF"/>
+              <a:srgbClr val="66FF66"/>
             </a:solidFill>
           </a:ln>
         </p:spPr>
@@ -4624,6 +5147,70 @@
           </a:p>
         </p:txBody>
       </p:sp>
+      <p:sp>
+        <p:nvSpPr>
+          <p:cNvPr id="6" name="矩形 5"/>
+          <p:cNvSpPr/>
+          <p:nvPr/>
+        </p:nvSpPr>
+        <p:spPr>
+          <a:xfrm>
+            <a:off x="8076907" y="845963"/>
+            <a:ext cx="3580506" cy="527898"/>
+          </a:xfrm>
+          <a:prstGeom prst="rect">
+            <a:avLst/>
+          </a:prstGeom>
+        </p:spPr>
+        <p:style>
+          <a:lnRef idx="2">
+            <a:schemeClr val="accent6"/>
+          </a:lnRef>
+          <a:fillRef idx="1">
+            <a:schemeClr val="lt1"/>
+          </a:fillRef>
+          <a:effectRef idx="0">
+            <a:schemeClr val="accent6"/>
+          </a:effectRef>
+          <a:fontRef idx="minor">
+            <a:schemeClr val="dk1"/>
+          </a:fontRef>
+        </p:style>
+        <p:txBody>
+          <a:bodyPr rtlCol="0" anchor="ctr"/>
+          <a:lstStyle/>
+          <a:p>
+            <a:pPr algn="ctr"/>
+            <a:r>
+              <a:rPr lang="en-US" altLang="zh-TW" sz="2800" b="1" dirty="0" smtClean="0">
+                <a:solidFill>
+                  <a:srgbClr val="0000FF"/>
+                </a:solidFill>
+                <a:latin typeface="標楷體" pitchFamily="65" charset="-120"/>
+                <a:ea typeface="標楷體" pitchFamily="65" charset="-120"/>
+              </a:rPr>
+              <a:t>$id</a:t>
+            </a:r>
+            <a:r>
+              <a:rPr lang="zh-TW" altLang="en-US" sz="2800" b="1" dirty="0" smtClean="0">
+                <a:solidFill>
+                  <a:srgbClr val="0000FF"/>
+                </a:solidFill>
+                <a:latin typeface="標楷體" pitchFamily="65" charset="-120"/>
+                <a:ea typeface="標楷體" pitchFamily="65" charset="-120"/>
+              </a:rPr>
+              <a:t>的部分</a:t>
+            </a:r>
+            <a:endParaRPr lang="zh-TW" altLang="en-US" sz="2800" b="1" dirty="0">
+              <a:solidFill>
+                <a:srgbClr val="0000FF"/>
+              </a:solidFill>
+              <a:latin typeface="標楷體" pitchFamily="65" charset="-120"/>
+              <a:ea typeface="標楷體" pitchFamily="65" charset="-120"/>
+            </a:endParaRPr>
+          </a:p>
+        </p:txBody>
+      </p:sp>
     </p:spTree>
     <p:extLst>
       <p:ext uri="{BB962C8B-B14F-4D97-AF65-F5344CB8AC3E}">
@@ -4634,10 +5221,17 @@
   <p:clrMapOvr>
     <a:masterClrMapping/>
   </p:clrMapOvr>
+  <p:timing>
+    <p:tnLst>
+      <p:par>
+        <p:cTn id="1" dur="indefinite" restart="never" nodeType="tmRoot"/>
+      </p:par>
+    </p:tnLst>
+  </p:timing>
 </p:sld>
 </file>
 
-<file path=ppt/slides/slide11.xml><?xml version="1.0" encoding="utf-8"?>
+<file path=ppt/slides/slide13.xml><?xml version="1.0" encoding="utf-8"?>
 <p:sld xmlns:a="http://schemas.openxmlformats.org/drawingml/2006/main" xmlns:r="http://schemas.openxmlformats.org/officeDocument/2006/relationships" xmlns:p="http://schemas.openxmlformats.org/presentationml/2006/main">
   <p:cSld>
     <p:spTree>
@@ -4705,8 +5299,13 @@
             <a:avLst/>
           </a:prstGeom>
           <a:noFill/>
-          <a:ln>
-            <a:noFill/>
+          <a:ln w="9525">
+            <a:solidFill>
+              <a:schemeClr val="tx1"/>
+            </a:solidFill>
+            <a:miter lim="800000"/>
+            <a:headEnd/>
+            <a:tailEnd/>
           </a:ln>
           <a:effectLst/>
           <a:extLst>
@@ -4716,16 +5315,6 @@
                   <a:schemeClr val="accent1"/>
                 </a:solidFill>
               </a14:hiddenFill>
-            </a:ext>
-            <a:ext uri="{91240B29-F687-4F45-9708-019B960494DF}">
-              <a14:hiddenLine xmlns:a14="http://schemas.microsoft.com/office/drawing/2010/main" w="9525">
-                <a:solidFill>
-                  <a:schemeClr val="tx1"/>
-                </a:solidFill>
-                <a:miter lim="800000"/>
-                <a:headEnd/>
-                <a:tailEnd/>
-              </a14:hiddenLine>
             </a:ext>
             <a:ext uri="{AF507438-7753-43E0-B8FC-AC1667EBCBE1}">
               <a14:hiddenEffects xmlns:a14="http://schemas.microsoft.com/office/drawing/2010/main">
@@ -4756,7 +5345,7 @@
           <a:noFill/>
           <a:ln w="76200">
             <a:solidFill>
-              <a:srgbClr val="0000FF"/>
+              <a:srgbClr val="66FF66"/>
             </a:solidFill>
           </a:ln>
         </p:spPr>
@@ -5184,6 +5773,70 @@
           </a:p>
         </p:txBody>
       </p:sp>
+      <p:sp>
+        <p:nvSpPr>
+          <p:cNvPr id="8" name="矩形 7"/>
+          <p:cNvSpPr/>
+          <p:nvPr/>
+        </p:nvSpPr>
+        <p:spPr>
+          <a:xfrm>
+            <a:off x="5599120" y="739085"/>
+            <a:ext cx="3580506" cy="527898"/>
+          </a:xfrm>
+          <a:prstGeom prst="rect">
+            <a:avLst/>
+          </a:prstGeom>
+        </p:spPr>
+        <p:style>
+          <a:lnRef idx="2">
+            <a:schemeClr val="accent6"/>
+          </a:lnRef>
+          <a:fillRef idx="1">
+            <a:schemeClr val="lt1"/>
+          </a:fillRef>
+          <a:effectRef idx="0">
+            <a:schemeClr val="accent6"/>
+          </a:effectRef>
+          <a:fontRef idx="minor">
+            <a:schemeClr val="dk1"/>
+          </a:fontRef>
+        </p:style>
+        <p:txBody>
+          <a:bodyPr rtlCol="0" anchor="ctr"/>
+          <a:lstStyle/>
+          <a:p>
+            <a:pPr algn="ctr"/>
+            <a:r>
+              <a:rPr lang="en-US" altLang="zh-TW" sz="2800" b="1" dirty="0" smtClean="0">
+                <a:solidFill>
+                  <a:srgbClr val="0000FF"/>
+                </a:solidFill>
+                <a:latin typeface="標楷體" pitchFamily="65" charset="-120"/>
+                <a:ea typeface="標楷體" pitchFamily="65" charset="-120"/>
+              </a:rPr>
+              <a:t>$pw</a:t>
+            </a:r>
+            <a:r>
+              <a:rPr lang="zh-TW" altLang="en-US" sz="2800" b="1" dirty="0" smtClean="0">
+                <a:solidFill>
+                  <a:srgbClr val="0000FF"/>
+                </a:solidFill>
+                <a:latin typeface="標楷體" pitchFamily="65" charset="-120"/>
+                <a:ea typeface="標楷體" pitchFamily="65" charset="-120"/>
+              </a:rPr>
+              <a:t>的部分</a:t>
+            </a:r>
+            <a:endParaRPr lang="zh-TW" altLang="en-US" sz="2800" b="1" dirty="0">
+              <a:solidFill>
+                <a:srgbClr val="0000FF"/>
+              </a:solidFill>
+              <a:latin typeface="標楷體" pitchFamily="65" charset="-120"/>
+              <a:ea typeface="標楷體" pitchFamily="65" charset="-120"/>
+            </a:endParaRPr>
+          </a:p>
+        </p:txBody>
+      </p:sp>
     </p:spTree>
     <p:extLst>
       <p:ext uri="{BB962C8B-B14F-4D97-AF65-F5344CB8AC3E}">
@@ -5194,10 +5847,17 @@
   <p:clrMapOvr>
     <a:masterClrMapping/>
   </p:clrMapOvr>
+  <p:timing>
+    <p:tnLst>
+      <p:par>
+        <p:cTn id="1" dur="indefinite" restart="never" nodeType="tmRoot"/>
+      </p:par>
+    </p:tnLst>
+  </p:timing>
 </p:sld>
 </file>
 
-<file path=ppt/slides/slide12.xml><?xml version="1.0" encoding="utf-8"?>
+<file path=ppt/slides/slide14.xml><?xml version="1.0" encoding="utf-8"?>
 <p:sld xmlns:a="http://schemas.openxmlformats.org/drawingml/2006/main" xmlns:r="http://schemas.openxmlformats.org/officeDocument/2006/relationships" xmlns:p="http://schemas.openxmlformats.org/presentationml/2006/main">
   <p:cSld>
     <p:spTree>
@@ -5229,7 +5889,7 @@
           <a:bodyPr/>
           <a:lstStyle/>
           <a:p>
-            <a:endParaRPr lang="zh-TW" altLang="en-US"/>
+            <a:endParaRPr lang="zh-TW" altLang="en-US" dirty="0"/>
           </a:p>
         </p:txBody>
       </p:sp>
@@ -5307,7 +5967,7 @@
         </p:nvSpPr>
         <p:spPr>
           <a:xfrm>
-            <a:off x="2206769" y="4726379"/>
+            <a:off x="4676837" y="4726379"/>
             <a:ext cx="7293491" cy="1579418"/>
           </a:xfrm>
           <a:prstGeom prst="rect">
@@ -5702,6 +6362,70 @@
           </a:p>
         </p:txBody>
       </p:sp>
+      <p:sp>
+        <p:nvSpPr>
+          <p:cNvPr id="6" name="矩形 5"/>
+          <p:cNvSpPr/>
+          <p:nvPr/>
+        </p:nvSpPr>
+        <p:spPr>
+          <a:xfrm>
+            <a:off x="4144810" y="145442"/>
+            <a:ext cx="3580506" cy="527898"/>
+          </a:xfrm>
+          <a:prstGeom prst="rect">
+            <a:avLst/>
+          </a:prstGeom>
+        </p:spPr>
+        <p:style>
+          <a:lnRef idx="2">
+            <a:schemeClr val="accent6"/>
+          </a:lnRef>
+          <a:fillRef idx="1">
+            <a:schemeClr val="lt1"/>
+          </a:fillRef>
+          <a:effectRef idx="0">
+            <a:schemeClr val="accent6"/>
+          </a:effectRef>
+          <a:fontRef idx="minor">
+            <a:schemeClr val="dk1"/>
+          </a:fontRef>
+        </p:style>
+        <p:txBody>
+          <a:bodyPr rtlCol="0" anchor="ctr"/>
+          <a:lstStyle/>
+          <a:p>
+            <a:pPr algn="ctr"/>
+            <a:r>
+              <a:rPr lang="en-US" altLang="zh-TW" sz="2800" b="1" dirty="0" smtClean="0">
+                <a:solidFill>
+                  <a:srgbClr val="0000FF"/>
+                </a:solidFill>
+                <a:latin typeface="標楷體" pitchFamily="65" charset="-120"/>
+                <a:ea typeface="標楷體" pitchFamily="65" charset="-120"/>
+              </a:rPr>
+              <a:t>SQL</a:t>
+            </a:r>
+            <a:r>
+              <a:rPr lang="zh-TW" altLang="en-US" sz="2800" b="1" dirty="0" smtClean="0">
+                <a:solidFill>
+                  <a:srgbClr val="0000FF"/>
+                </a:solidFill>
+                <a:latin typeface="標楷體" pitchFamily="65" charset="-120"/>
+                <a:ea typeface="標楷體" pitchFamily="65" charset="-120"/>
+              </a:rPr>
+              <a:t>部分</a:t>
+            </a:r>
+            <a:endParaRPr lang="zh-TW" altLang="en-US" sz="2800" b="1" dirty="0">
+              <a:solidFill>
+                <a:srgbClr val="0000FF"/>
+              </a:solidFill>
+              <a:latin typeface="標楷體" pitchFamily="65" charset="-120"/>
+              <a:ea typeface="標楷體" pitchFamily="65" charset="-120"/>
+            </a:endParaRPr>
+          </a:p>
+        </p:txBody>
+      </p:sp>
     </p:spTree>
     <p:extLst>
       <p:ext uri="{BB962C8B-B14F-4D97-AF65-F5344CB8AC3E}">
@@ -5711,621 +6435,6 @@
   </p:cSld>
   <p:clrMapOvr>
     <a:masterClrMapping/>
-  </p:clrMapOvr>
-</p:sld>
-</file>
-
-<file path=ppt/slides/slide13.xml><?xml version="1.0" encoding="utf-8"?>
-<p:sld xmlns:a="http://schemas.openxmlformats.org/drawingml/2006/main" xmlns:r="http://schemas.openxmlformats.org/officeDocument/2006/relationships" xmlns:p="http://schemas.openxmlformats.org/presentationml/2006/main">
-  <p:cSld>
-    <p:bg>
-      <p:bgRef idx="1001">
-        <a:schemeClr val="bg1"/>
-      </p:bgRef>
-    </p:bg>
-    <p:spTree>
-      <p:nvGrpSpPr>
-        <p:cNvPr id="1" name=""/>
-        <p:cNvGrpSpPr/>
-        <p:nvPr/>
-      </p:nvGrpSpPr>
-      <p:grpSpPr>
-        <a:xfrm>
-          <a:off x="0" y="0"/>
-          <a:ext cx="0" cy="0"/>
-          <a:chOff x="0" y="0"/>
-          <a:chExt cx="0" cy="0"/>
-        </a:xfrm>
-      </p:grpSpPr>
-      <p:sp>
-        <p:nvSpPr>
-          <p:cNvPr id="2" name="標題 1"/>
-          <p:cNvSpPr>
-            <a:spLocks noGrp="1"/>
-          </p:cNvSpPr>
-          <p:nvPr>
-            <p:ph type="title"/>
-          </p:nvPr>
-        </p:nvSpPr>
-        <p:spPr>
-          <a:xfrm>
-            <a:off x="1097280" y="708455"/>
-            <a:ext cx="10058400" cy="814722"/>
-          </a:xfrm>
-        </p:spPr>
-        <p:txBody>
-          <a:bodyPr/>
-          <a:lstStyle/>
-          <a:p>
-            <a:pPr algn="ctr"/>
-            <a:r>
-              <a:rPr lang="zh-TW" altLang="en-US" dirty="0">
-                <a:latin typeface="標楷體" pitchFamily="65" charset="-120"/>
-                <a:ea typeface="標楷體" pitchFamily="65" charset="-120"/>
-              </a:rPr>
-              <a:t>心得</a:t>
-            </a:r>
-            <a:endParaRPr lang="zh-TW" altLang="en-US" dirty="0">
-              <a:latin typeface="標楷體" pitchFamily="65" charset="-120"/>
-              <a:ea typeface="標楷體" pitchFamily="65" charset="-120"/>
-            </a:endParaRPr>
-          </a:p>
-        </p:txBody>
-      </p:sp>
-      <p:sp>
-        <p:nvSpPr>
-          <p:cNvPr id="3" name="文字方塊 2"/>
-          <p:cNvSpPr txBox="1"/>
-          <p:nvPr/>
-        </p:nvSpPr>
-        <p:spPr>
-          <a:xfrm>
-            <a:off x="973777" y="1840675"/>
-            <a:ext cx="9227127" cy="3139321"/>
-          </a:xfrm>
-          <a:prstGeom prst="rect">
-            <a:avLst/>
-          </a:prstGeom>
-          <a:noFill/>
-        </p:spPr>
-        <p:txBody>
-          <a:bodyPr wrap="square" rtlCol="0">
-            <a:spAutoFit/>
-          </a:bodyPr>
-          <a:lstStyle/>
-          <a:p>
-            <a:r>
-              <a:rPr lang="zh-TW" altLang="en-US" sz="2000" b="1" dirty="0" smtClean="0">
-                <a:latin typeface="標楷體" pitchFamily="65" charset="-120"/>
-                <a:ea typeface="標楷體" pitchFamily="65" charset="-120"/>
-              </a:rPr>
-              <a:t>程式碼</a:t>
-            </a:r>
-            <a:r>
-              <a:rPr lang="zh-TW" altLang="en-US" sz="2000" b="1" dirty="0">
-                <a:latin typeface="標楷體" pitchFamily="65" charset="-120"/>
-                <a:ea typeface="標楷體" pitchFamily="65" charset="-120"/>
-              </a:rPr>
-              <a:t>種類</a:t>
-            </a:r>
-          </a:p>
-          <a:p>
-            <a:r>
-              <a:rPr lang="zh-TW" altLang="en-US" sz="2000" dirty="0">
-                <a:latin typeface="標楷體" pitchFamily="65" charset="-120"/>
-                <a:ea typeface="標楷體" pitchFamily="65" charset="-120"/>
-              </a:rPr>
-              <a:t>基本上程式碼可分成三類：</a:t>
-            </a:r>
-          </a:p>
-          <a:p>
-            <a:pPr lvl="1"/>
-            <a:r>
-              <a:rPr lang="zh-TW" altLang="en-US" sz="2000" dirty="0">
-                <a:latin typeface="標楷體" pitchFamily="65" charset="-120"/>
-                <a:ea typeface="標楷體" pitchFamily="65" charset="-120"/>
-              </a:rPr>
-              <a:t>能用：在期望的正常輸入情況下不會出錯</a:t>
-            </a:r>
-            <a:r>
-              <a:rPr lang="zh-TW" altLang="en-US" sz="2000" dirty="0" smtClean="0">
-                <a:latin typeface="標楷體" pitchFamily="65" charset="-120"/>
-                <a:ea typeface="標楷體" pitchFamily="65" charset="-120"/>
-              </a:rPr>
-              <a:t>。</a:t>
-            </a:r>
-            <a:br>
-              <a:rPr lang="zh-TW" altLang="en-US" sz="2000" dirty="0" smtClean="0">
-                <a:latin typeface="標楷體" pitchFamily="65" charset="-120"/>
-                <a:ea typeface="標楷體" pitchFamily="65" charset="-120"/>
-              </a:rPr>
-            </a:br>
-            <a:r>
-              <a:rPr lang="en-US" altLang="zh-TW" sz="2000" dirty="0" smtClean="0">
-                <a:latin typeface="標楷體" pitchFamily="65" charset="-120"/>
-                <a:ea typeface="標楷體" pitchFamily="65" charset="-120"/>
-              </a:rPr>
-              <a:t>	</a:t>
-            </a:r>
-            <a:r>
-              <a:rPr lang="zh-TW" altLang="en-US" sz="2000" b="1" dirty="0" smtClean="0">
-                <a:solidFill>
-                  <a:srgbClr val="FF0000"/>
-                </a:solidFill>
-                <a:latin typeface="標楷體" pitchFamily="65" charset="-120"/>
-                <a:ea typeface="標楷體" pitchFamily="65" charset="-120"/>
-              </a:rPr>
-              <a:t>但輸入特殊資料則可能</a:t>
-            </a:r>
-            <a:r>
-              <a:rPr lang="en-US" altLang="zh-TW" sz="2000" b="1" dirty="0" smtClean="0">
-                <a:solidFill>
-                  <a:srgbClr val="FF0000"/>
-                </a:solidFill>
-                <a:latin typeface="標楷體" pitchFamily="65" charset="-120"/>
-                <a:ea typeface="標楷體" pitchFamily="65" charset="-120"/>
-              </a:rPr>
-              <a:t>crash</a:t>
-            </a:r>
-            <a:r>
-              <a:rPr lang="zh-TW" altLang="en-US" sz="2000" b="1" dirty="0" smtClean="0">
-                <a:solidFill>
-                  <a:srgbClr val="FF0000"/>
-                </a:solidFill>
-                <a:latin typeface="標楷體" pitchFamily="65" charset="-120"/>
-                <a:ea typeface="標楷體" pitchFamily="65" charset="-120"/>
-              </a:rPr>
-              <a:t>或發生錯誤。</a:t>
-            </a:r>
-            <a:endParaRPr lang="zh-TW" altLang="en-US" sz="2000" dirty="0" smtClean="0">
-              <a:solidFill>
-                <a:srgbClr val="FF0000"/>
-              </a:solidFill>
-              <a:latin typeface="標楷體" pitchFamily="65" charset="-120"/>
-              <a:ea typeface="標楷體" pitchFamily="65" charset="-120"/>
-            </a:endParaRPr>
-          </a:p>
-          <a:p>
-            <a:pPr lvl="1"/>
-            <a:r>
-              <a:rPr lang="zh-TW" altLang="en-US" sz="2000" dirty="0" smtClean="0">
-                <a:latin typeface="標楷體" pitchFamily="65" charset="-120"/>
-                <a:ea typeface="標楷體" pitchFamily="65" charset="-120"/>
-              </a:rPr>
-              <a:t>正確</a:t>
-            </a:r>
-            <a:r>
-              <a:rPr lang="zh-TW" altLang="en-US" sz="2000" dirty="0">
-                <a:latin typeface="標楷體" pitchFamily="65" charset="-120"/>
-                <a:ea typeface="標楷體" pitchFamily="65" charset="-120"/>
-              </a:rPr>
-              <a:t>：不管何種輸入，執行不會出錯，錯誤控制得宜。</a:t>
-            </a:r>
-            <a:br>
-              <a:rPr lang="zh-TW" altLang="en-US" sz="2000" dirty="0">
-                <a:latin typeface="標楷體" pitchFamily="65" charset="-120"/>
-                <a:ea typeface="標楷體" pitchFamily="65" charset="-120"/>
-              </a:rPr>
-            </a:br>
-            <a:r>
-              <a:rPr lang="en-US" altLang="zh-TW" sz="2000" dirty="0" smtClean="0">
-                <a:latin typeface="標楷體" pitchFamily="65" charset="-120"/>
-                <a:ea typeface="標楷體" pitchFamily="65" charset="-120"/>
-              </a:rPr>
-              <a:t>	</a:t>
-            </a:r>
-            <a:r>
-              <a:rPr lang="zh-TW" altLang="en-US" sz="2000" b="1" dirty="0" smtClean="0">
-                <a:solidFill>
-                  <a:srgbClr val="FF0000"/>
-                </a:solidFill>
-                <a:latin typeface="標楷體" pitchFamily="65" charset="-120"/>
-                <a:ea typeface="標楷體" pitchFamily="65" charset="-120"/>
-              </a:rPr>
-              <a:t>但</a:t>
-            </a:r>
-            <a:r>
-              <a:rPr lang="zh-TW" altLang="en-US" sz="2000" b="1" dirty="0">
-                <a:solidFill>
-                  <a:srgbClr val="FF0000"/>
-                </a:solidFill>
-                <a:latin typeface="標楷體" pitchFamily="65" charset="-120"/>
-                <a:ea typeface="標楷體" pitchFamily="65" charset="-120"/>
-              </a:rPr>
-              <a:t>不一定好維護、好擴充。</a:t>
-            </a:r>
-          </a:p>
-          <a:p>
-            <a:pPr lvl="1"/>
-            <a:r>
-              <a:rPr lang="zh-TW" altLang="en-US" sz="2000" dirty="0" smtClean="0">
-                <a:latin typeface="標楷體" pitchFamily="65" charset="-120"/>
-                <a:ea typeface="標楷體" pitchFamily="65" charset="-120"/>
-              </a:rPr>
-              <a:t>健壯（</a:t>
-            </a:r>
-            <a:r>
-              <a:rPr lang="en-US" altLang="zh-TW" sz="2000" dirty="0" smtClean="0">
-                <a:latin typeface="標楷體" pitchFamily="65" charset="-120"/>
-                <a:ea typeface="標楷體" pitchFamily="65" charset="-120"/>
-              </a:rPr>
-              <a:t>robustness</a:t>
-            </a:r>
-            <a:r>
-              <a:rPr lang="zh-TW" altLang="en-US" sz="2000" dirty="0" smtClean="0">
-                <a:latin typeface="標楷體" pitchFamily="65" charset="-120"/>
-                <a:ea typeface="標楷體" pitchFamily="65" charset="-120"/>
-              </a:rPr>
-              <a:t>）：要兼顧健壯、效能、正確。</a:t>
-            </a:r>
-            <a:br>
-              <a:rPr lang="zh-TW" altLang="en-US" sz="2000" dirty="0" smtClean="0">
-                <a:latin typeface="標楷體" pitchFamily="65" charset="-120"/>
-                <a:ea typeface="標楷體" pitchFamily="65" charset="-120"/>
-              </a:rPr>
-            </a:br>
-            <a:r>
-              <a:rPr lang="en-US" altLang="zh-TW" sz="2000" dirty="0" smtClean="0">
-                <a:latin typeface="標楷體" pitchFamily="65" charset="-120"/>
-                <a:ea typeface="標楷體" pitchFamily="65" charset="-120"/>
-              </a:rPr>
-              <a:t>	</a:t>
-            </a:r>
-            <a:r>
-              <a:rPr lang="zh-TW" altLang="en-US" sz="2000" dirty="0" smtClean="0">
-                <a:latin typeface="標楷體" pitchFamily="65" charset="-120"/>
-                <a:ea typeface="標楷體" pitchFamily="65" charset="-120"/>
-              </a:rPr>
-              <a:t>考量到的面向較廣，例如：</a:t>
-            </a:r>
-            <a:r>
-              <a:rPr lang="en-US" altLang="zh-TW" sz="2000" dirty="0" smtClean="0">
-                <a:latin typeface="標楷體" pitchFamily="65" charset="-120"/>
-                <a:ea typeface="標楷體" pitchFamily="65" charset="-120"/>
-              </a:rPr>
-              <a:t>multi-thread</a:t>
-            </a:r>
-            <a:r>
-              <a:rPr lang="zh-TW" altLang="en-US" sz="2000" dirty="0" smtClean="0">
-                <a:latin typeface="標楷體" pitchFamily="65" charset="-120"/>
-                <a:ea typeface="標楷體" pitchFamily="65" charset="-120"/>
-              </a:rPr>
-              <a:t>的</a:t>
-            </a:r>
-            <a:r>
-              <a:rPr lang="en-US" altLang="zh-TW" sz="2000" dirty="0" smtClean="0">
-                <a:latin typeface="標楷體" pitchFamily="65" charset="-120"/>
-                <a:ea typeface="標楷體" pitchFamily="65" charset="-120"/>
-              </a:rPr>
-              <a:t>thread-safe</a:t>
-            </a:r>
-            <a:r>
-              <a:rPr lang="zh-TW" altLang="en-US" sz="2000" dirty="0" smtClean="0">
-                <a:latin typeface="標楷體" pitchFamily="65" charset="-120"/>
-                <a:ea typeface="標楷體" pitchFamily="65" charset="-120"/>
-              </a:rPr>
-              <a:t>、可維護性、</a:t>
-            </a:r>
-            <a:r>
-              <a:rPr lang="en-US" altLang="zh-TW" sz="2000" dirty="0" smtClean="0">
-                <a:latin typeface="標楷體" pitchFamily="65" charset="-120"/>
-                <a:ea typeface="標楷體" pitchFamily="65" charset="-120"/>
-              </a:rPr>
-              <a:t>	</a:t>
-            </a:r>
-            <a:r>
-              <a:rPr lang="zh-TW" altLang="en-US" sz="2000" dirty="0" smtClean="0">
-                <a:latin typeface="標楷體" pitchFamily="65" charset="-120"/>
-                <a:ea typeface="標楷體" pitchFamily="65" charset="-120"/>
-              </a:rPr>
-              <a:t>彈性、</a:t>
-            </a:r>
-            <a:r>
-              <a:rPr lang="en-US" altLang="zh-TW" sz="2000" dirty="0" smtClean="0">
-                <a:latin typeface="標楷體" pitchFamily="65" charset="-120"/>
-                <a:ea typeface="標楷體" pitchFamily="65" charset="-120"/>
-              </a:rPr>
-              <a:t>Scalability</a:t>
-            </a:r>
-            <a:r>
-              <a:rPr lang="zh-TW" altLang="en-US" sz="2000" dirty="0" smtClean="0">
-                <a:latin typeface="標楷體" pitchFamily="65" charset="-120"/>
-                <a:ea typeface="標楷體" pitchFamily="65" charset="-120"/>
-              </a:rPr>
-              <a:t>。</a:t>
-            </a:r>
-          </a:p>
-          <a:p>
-            <a:endParaRPr lang="zh-TW" altLang="en-US" dirty="0"/>
-          </a:p>
-        </p:txBody>
-      </p:sp>
-      <p:sp>
-        <p:nvSpPr>
-          <p:cNvPr id="4" name="矩形 3"/>
-          <p:cNvSpPr/>
-          <p:nvPr/>
-        </p:nvSpPr>
-        <p:spPr>
-          <a:xfrm>
-            <a:off x="1157889" y="5108736"/>
-            <a:ext cx="10341293" cy="461665"/>
-          </a:xfrm>
-          <a:prstGeom prst="rect">
-            <a:avLst/>
-          </a:prstGeom>
-        </p:spPr>
-        <p:txBody>
-          <a:bodyPr wrap="none">
-            <a:spAutoFit/>
-          </a:bodyPr>
-          <a:lstStyle/>
-          <a:p>
-            <a:r>
-              <a:rPr lang="zh-TW" altLang="en-US" sz="2400" dirty="0">
-                <a:latin typeface="標楷體" pitchFamily="65" charset="-120"/>
-                <a:ea typeface="標楷體" pitchFamily="65" charset="-120"/>
-              </a:rPr>
-              <a:t>一開始，完全不了解什麼是防禦性</a:t>
-            </a:r>
-            <a:r>
-              <a:rPr lang="zh-TW" altLang="en-US" sz="2400" dirty="0" smtClean="0">
-                <a:latin typeface="標楷體" pitchFamily="65" charset="-120"/>
-                <a:ea typeface="標楷體" pitchFamily="65" charset="-120"/>
-              </a:rPr>
-              <a:t>程式，寫出來的程式，屬於第一類</a:t>
-            </a:r>
-            <a:r>
-              <a:rPr lang="en-US" altLang="zh-TW" sz="2400" dirty="0" smtClean="0">
-                <a:latin typeface="標楷體" pitchFamily="65" charset="-120"/>
-                <a:ea typeface="標楷體" pitchFamily="65" charset="-120"/>
-              </a:rPr>
-              <a:t>………</a:t>
-            </a:r>
-            <a:endParaRPr lang="en-US" altLang="zh-TW" sz="2400" dirty="0">
-              <a:latin typeface="標楷體" pitchFamily="65" charset="-120"/>
-              <a:ea typeface="標楷體" pitchFamily="65" charset="-120"/>
-            </a:endParaRPr>
-          </a:p>
-        </p:txBody>
-      </p:sp>
-    </p:spTree>
-    <p:extLst>
-      <p:ext uri="{BB962C8B-B14F-4D97-AF65-F5344CB8AC3E}">
-        <p14:creationId xmlns:p14="http://schemas.microsoft.com/office/powerpoint/2010/main" val="2092397249"/>
-      </p:ext>
-    </p:extLst>
-  </p:cSld>
-  <p:clrMapOvr>
-    <a:overrideClrMapping bg1="lt1" tx1="dk1" bg2="lt2" tx2="dk2" accent1="accent1" accent2="accent2" accent3="accent3" accent4="accent4" accent5="accent5" accent6="accent6" hlink="hlink" folHlink="folHlink"/>
-  </p:clrMapOvr>
-  <p:timing>
-    <p:tnLst>
-      <p:par>
-        <p:cTn id="1" dur="indefinite" restart="never" nodeType="tmRoot"/>
-      </p:par>
-    </p:tnLst>
-  </p:timing>
-</p:sld>
-</file>
-
-<file path=ppt/slides/slide14.xml><?xml version="1.0" encoding="utf-8"?>
-<p:sld xmlns:a="http://schemas.openxmlformats.org/drawingml/2006/main" xmlns:r="http://schemas.openxmlformats.org/officeDocument/2006/relationships" xmlns:p="http://schemas.openxmlformats.org/presentationml/2006/main">
-  <p:cSld>
-    <p:bg>
-      <p:bgRef idx="1001">
-        <a:schemeClr val="bg1"/>
-      </p:bgRef>
-    </p:bg>
-    <p:spTree>
-      <p:nvGrpSpPr>
-        <p:cNvPr id="1" name=""/>
-        <p:cNvGrpSpPr/>
-        <p:nvPr/>
-      </p:nvGrpSpPr>
-      <p:grpSpPr>
-        <a:xfrm>
-          <a:off x="0" y="0"/>
-          <a:ext cx="0" cy="0"/>
-          <a:chOff x="0" y="0"/>
-          <a:chExt cx="0" cy="0"/>
-        </a:xfrm>
-      </p:grpSpPr>
-      <p:sp>
-        <p:nvSpPr>
-          <p:cNvPr id="2" name="標題 1"/>
-          <p:cNvSpPr>
-            <a:spLocks noGrp="1"/>
-          </p:cNvSpPr>
-          <p:nvPr>
-            <p:ph type="title"/>
-          </p:nvPr>
-        </p:nvSpPr>
-        <p:spPr>
-          <a:xfrm>
-            <a:off x="1097280" y="708455"/>
-            <a:ext cx="10058400" cy="814722"/>
-          </a:xfrm>
-        </p:spPr>
-        <p:txBody>
-          <a:bodyPr/>
-          <a:lstStyle/>
-          <a:p>
-            <a:pPr algn="ctr"/>
-            <a:r>
-              <a:rPr lang="zh-TW" altLang="en-US" dirty="0">
-                <a:latin typeface="標楷體" pitchFamily="65" charset="-120"/>
-                <a:ea typeface="標楷體" pitchFamily="65" charset="-120"/>
-              </a:rPr>
-              <a:t>心得</a:t>
-            </a:r>
-            <a:endParaRPr lang="zh-TW" altLang="en-US" dirty="0">
-              <a:latin typeface="標楷體" pitchFamily="65" charset="-120"/>
-              <a:ea typeface="標楷體" pitchFamily="65" charset="-120"/>
-            </a:endParaRPr>
-          </a:p>
-        </p:txBody>
-      </p:sp>
-      <p:sp>
-        <p:nvSpPr>
-          <p:cNvPr id="4" name="矩形 3"/>
-          <p:cNvSpPr/>
-          <p:nvPr/>
-        </p:nvSpPr>
-        <p:spPr>
-          <a:xfrm>
-            <a:off x="979758" y="2055604"/>
-            <a:ext cx="9363649" cy="3046988"/>
-          </a:xfrm>
-          <a:prstGeom prst="rect">
-            <a:avLst/>
-          </a:prstGeom>
-        </p:spPr>
-        <p:txBody>
-          <a:bodyPr wrap="square">
-            <a:spAutoFit/>
-          </a:bodyPr>
-          <a:lstStyle/>
-          <a:p>
-            <a:r>
-              <a:rPr lang="zh-TW" altLang="en-US" sz="2400" dirty="0" smtClean="0">
-                <a:latin typeface="標楷體" pitchFamily="65" charset="-120"/>
-                <a:ea typeface="標楷體" pitchFamily="65" charset="-120"/>
-              </a:rPr>
-              <a:t>了解後</a:t>
-            </a:r>
-            <a:r>
-              <a:rPr lang="en-US" altLang="zh-TW" sz="2400" dirty="0" smtClean="0">
-                <a:latin typeface="標楷體" pitchFamily="65" charset="-120"/>
-                <a:ea typeface="標楷體" pitchFamily="65" charset="-120"/>
-              </a:rPr>
-              <a:t>……</a:t>
-            </a:r>
-          </a:p>
-          <a:p>
-            <a:endParaRPr lang="en-US" altLang="zh-TW" sz="2400" dirty="0">
-              <a:latin typeface="標楷體" pitchFamily="65" charset="-120"/>
-              <a:ea typeface="標楷體" pitchFamily="65" charset="-120"/>
-            </a:endParaRPr>
-          </a:p>
-          <a:p>
-            <a:pPr marL="285750" indent="-285750">
-              <a:buFont typeface="Wingdings" pitchFamily="2" charset="2"/>
-              <a:buChar char="Ø"/>
-            </a:pPr>
-            <a:r>
-              <a:rPr lang="zh-TW" altLang="en-US" sz="2400" dirty="0">
-                <a:latin typeface="Times New Roman" pitchFamily="18" charset="0"/>
-                <a:ea typeface="標楷體" pitchFamily="65" charset="-120"/>
-                <a:cs typeface="Times New Roman" pitchFamily="18" charset="0"/>
-              </a:rPr>
-              <a:t>修正寫程式的程式撰寫命名與風格</a:t>
-            </a:r>
-            <a:r>
-              <a:rPr lang="en-US" altLang="zh-TW" sz="2400" dirty="0">
-                <a:latin typeface="Times New Roman" pitchFamily="18" charset="0"/>
-                <a:ea typeface="標楷體" pitchFamily="65" charset="-120"/>
-                <a:cs typeface="Times New Roman" pitchFamily="18" charset="0"/>
-              </a:rPr>
-              <a:t>(Coding style)</a:t>
-            </a:r>
-            <a:r>
-              <a:rPr lang="zh-TW" altLang="en-US" sz="2400" dirty="0">
-                <a:latin typeface="Times New Roman" pitchFamily="18" charset="0"/>
-                <a:ea typeface="標楷體" pitchFamily="65" charset="-120"/>
-                <a:cs typeface="Times New Roman" pitchFamily="18" charset="0"/>
-              </a:rPr>
-              <a:t>務必</a:t>
-            </a:r>
-            <a:r>
-              <a:rPr lang="zh-TW" altLang="en-US" sz="2400" dirty="0" smtClean="0">
-                <a:latin typeface="Times New Roman" pitchFamily="18" charset="0"/>
-                <a:ea typeface="標楷體" pitchFamily="65" charset="-120"/>
-                <a:cs typeface="Times New Roman" pitchFamily="18" charset="0"/>
-              </a:rPr>
-              <a:t>一致，</a:t>
-            </a:r>
-            <a:endParaRPr lang="en-US" altLang="zh-TW" sz="2400" dirty="0" smtClean="0">
-              <a:latin typeface="Times New Roman" pitchFamily="18" charset="0"/>
-              <a:ea typeface="標楷體" pitchFamily="65" charset="-120"/>
-              <a:cs typeface="Times New Roman" pitchFamily="18" charset="0"/>
-            </a:endParaRPr>
-          </a:p>
-          <a:p>
-            <a:pPr marL="285750" indent="-285750">
-              <a:buFont typeface="Wingdings" pitchFamily="2" charset="2"/>
-              <a:buChar char="Ø"/>
-            </a:pPr>
-            <a:endParaRPr lang="en-US" altLang="zh-TW" sz="2400" dirty="0">
-              <a:latin typeface="Times New Roman" pitchFamily="18" charset="0"/>
-              <a:ea typeface="標楷體" pitchFamily="65" charset="-120"/>
-              <a:cs typeface="Times New Roman" pitchFamily="18" charset="0"/>
-            </a:endParaRPr>
-          </a:p>
-          <a:p>
-            <a:r>
-              <a:rPr lang="zh-TW" altLang="en-US" sz="2400" dirty="0" smtClean="0">
-                <a:latin typeface="Times New Roman" pitchFamily="18" charset="0"/>
-                <a:ea typeface="標楷體" pitchFamily="65" charset="-120"/>
-                <a:cs typeface="Times New Roman" pitchFamily="18" charset="0"/>
-              </a:rPr>
-              <a:t>  因為</a:t>
-            </a:r>
-            <a:r>
-              <a:rPr lang="en-US" altLang="zh-TW" sz="2400" dirty="0" smtClean="0">
-                <a:latin typeface="Times New Roman" pitchFamily="18" charset="0"/>
-                <a:ea typeface="標楷體" pitchFamily="65" charset="-120"/>
-                <a:cs typeface="Times New Roman" pitchFamily="18" charset="0"/>
-              </a:rPr>
-              <a:t>…………</a:t>
-            </a:r>
-            <a:r>
-              <a:rPr lang="zh-TW" altLang="en-US" sz="2400" dirty="0" smtClean="0">
-                <a:latin typeface="Times New Roman" pitchFamily="18" charset="0"/>
-                <a:ea typeface="標楷體" pitchFamily="65" charset="-120"/>
-                <a:cs typeface="Times New Roman" pitchFamily="18" charset="0"/>
-              </a:rPr>
-              <a:t>程式開發是團隊合作</a:t>
-            </a:r>
-            <a:endParaRPr lang="en-US" altLang="zh-TW" sz="2400" dirty="0" smtClean="0">
-              <a:latin typeface="Times New Roman" pitchFamily="18" charset="0"/>
-              <a:ea typeface="標楷體" pitchFamily="65" charset="-120"/>
-              <a:cs typeface="Times New Roman" pitchFamily="18" charset="0"/>
-            </a:endParaRPr>
-          </a:p>
-          <a:p>
-            <a:endParaRPr lang="en-US" altLang="zh-TW" sz="2400" dirty="0">
-              <a:latin typeface="標楷體" pitchFamily="65" charset="-120"/>
-              <a:ea typeface="標楷體" pitchFamily="65" charset="-120"/>
-            </a:endParaRPr>
-          </a:p>
-          <a:p>
-            <a:endParaRPr lang="en-US" altLang="zh-TW" sz="2400" dirty="0" smtClean="0">
-              <a:latin typeface="標楷體" pitchFamily="65" charset="-120"/>
-              <a:ea typeface="標楷體" pitchFamily="65" charset="-120"/>
-            </a:endParaRPr>
-          </a:p>
-          <a:p>
-            <a:pPr marL="285750" indent="-285750">
-              <a:buFont typeface="Wingdings" pitchFamily="2" charset="2"/>
-              <a:buChar char="Ø"/>
-            </a:pPr>
-            <a:endParaRPr lang="en-US" altLang="zh-TW" sz="2400" dirty="0">
-              <a:latin typeface="標楷體" pitchFamily="65" charset="-120"/>
-              <a:ea typeface="標楷體" pitchFamily="65" charset="-120"/>
-            </a:endParaRPr>
-          </a:p>
-        </p:txBody>
-      </p:sp>
-    </p:spTree>
-    <p:extLst>
-      <p:ext uri="{BB962C8B-B14F-4D97-AF65-F5344CB8AC3E}">
-        <p14:creationId xmlns:p14="http://schemas.microsoft.com/office/powerpoint/2010/main" val="3872777086"/>
-      </p:ext>
-    </p:extLst>
-  </p:cSld>
-  <p:clrMapOvr>
-    <a:overrideClrMapping bg1="lt1" tx1="dk1" bg2="lt2" tx2="dk2" accent1="accent1" accent2="accent2" accent3="accent3" accent4="accent4" accent5="accent5" accent6="accent6" hlink="hlink" folHlink="folHlink"/>
   </p:clrMapOvr>
   <p:timing>
     <p:tnLst>
@@ -6376,7 +6485,9 @@
           </a:xfrm>
         </p:spPr>
         <p:txBody>
-          <a:bodyPr/>
+          <a:bodyPr>
+            <a:normAutofit/>
+          </a:bodyPr>
           <a:lstStyle/>
           <a:p>
             <a:pPr algn="ctr"/>
@@ -6394,165 +6505,10 @@
           </a:p>
         </p:txBody>
       </p:sp>
-      <p:sp>
-        <p:nvSpPr>
-          <p:cNvPr id="4" name="矩形 3"/>
-          <p:cNvSpPr/>
-          <p:nvPr/>
-        </p:nvSpPr>
-        <p:spPr>
-          <a:xfrm>
-            <a:off x="979758" y="2055604"/>
-            <a:ext cx="9363649" cy="4154984"/>
-          </a:xfrm>
-          <a:prstGeom prst="rect">
-            <a:avLst/>
-          </a:prstGeom>
-        </p:spPr>
-        <p:txBody>
-          <a:bodyPr wrap="square">
-            <a:spAutoFit/>
-          </a:bodyPr>
-          <a:lstStyle/>
-          <a:p>
-            <a:r>
-              <a:rPr lang="zh-TW" altLang="en-US" sz="2400" dirty="0" smtClean="0">
-                <a:latin typeface="標楷體" pitchFamily="65" charset="-120"/>
-                <a:ea typeface="標楷體" pitchFamily="65" charset="-120"/>
-              </a:rPr>
-              <a:t>了解後</a:t>
-            </a:r>
-            <a:r>
-              <a:rPr lang="en-US" altLang="zh-TW" sz="2400" dirty="0" smtClean="0">
-                <a:latin typeface="標楷體" pitchFamily="65" charset="-120"/>
-                <a:ea typeface="標楷體" pitchFamily="65" charset="-120"/>
-              </a:rPr>
-              <a:t>……</a:t>
-            </a:r>
-          </a:p>
-          <a:p>
-            <a:endParaRPr lang="en-US" altLang="zh-TW" sz="2400" dirty="0">
-              <a:latin typeface="標楷體" pitchFamily="65" charset="-120"/>
-              <a:ea typeface="標楷體" pitchFamily="65" charset="-120"/>
-            </a:endParaRPr>
-          </a:p>
-          <a:p>
-            <a:pPr marL="285750" indent="-285750">
-              <a:buFont typeface="Wingdings" pitchFamily="2" charset="2"/>
-              <a:buChar char="Ø"/>
-            </a:pPr>
-            <a:r>
-              <a:rPr lang="zh-TW" altLang="en-US" sz="2400" dirty="0">
-                <a:latin typeface="標楷體" pitchFamily="65" charset="-120"/>
-                <a:ea typeface="標楷體" pitchFamily="65" charset="-120"/>
-              </a:rPr>
-              <a:t>修正自己寫程式的心態與思維</a:t>
-            </a:r>
-            <a:endParaRPr lang="en-US" altLang="zh-TW" sz="2400" dirty="0">
-              <a:latin typeface="標楷體" pitchFamily="65" charset="-120"/>
-              <a:ea typeface="標楷體" pitchFamily="65" charset="-120"/>
-            </a:endParaRPr>
-          </a:p>
-          <a:p>
-            <a:endParaRPr lang="en-US" altLang="zh-TW" sz="2400" dirty="0">
-              <a:latin typeface="標楷體" pitchFamily="65" charset="-120"/>
-              <a:ea typeface="標楷體" pitchFamily="65" charset="-120"/>
-            </a:endParaRPr>
-          </a:p>
-          <a:p>
-            <a:r>
-              <a:rPr lang="en-US" altLang="zh-TW" sz="2400" dirty="0" smtClean="0">
-                <a:latin typeface="標楷體" pitchFamily="65" charset="-120"/>
-                <a:ea typeface="標楷體" pitchFamily="65" charset="-120"/>
-              </a:rPr>
-              <a:t>----</a:t>
-            </a:r>
-            <a:r>
-              <a:rPr lang="zh-TW" altLang="en-US" sz="2400" dirty="0">
-                <a:latin typeface="標楷體" pitchFamily="65" charset="-120"/>
-                <a:ea typeface="標楷體" pitchFamily="65" charset="-120"/>
-              </a:rPr>
-              <a:t>絕對不要相信使用者送進來的參</a:t>
-            </a:r>
-            <a:r>
-              <a:rPr lang="zh-TW" altLang="en-US" sz="2400" dirty="0" smtClean="0">
-                <a:latin typeface="標楷體" pitchFamily="65" charset="-120"/>
-                <a:ea typeface="標楷體" pitchFamily="65" charset="-120"/>
-              </a:rPr>
-              <a:t>數值</a:t>
-            </a:r>
-            <a:endParaRPr lang="en-US" altLang="zh-TW" sz="2400" dirty="0" smtClean="0">
-              <a:latin typeface="標楷體" pitchFamily="65" charset="-120"/>
-              <a:ea typeface="標楷體" pitchFamily="65" charset="-120"/>
-            </a:endParaRPr>
-          </a:p>
-          <a:p>
-            <a:endParaRPr lang="en-US" altLang="zh-TW" sz="2400" dirty="0">
-              <a:latin typeface="標楷體" pitchFamily="65" charset="-120"/>
-              <a:ea typeface="標楷體" pitchFamily="65" charset="-120"/>
-            </a:endParaRPr>
-          </a:p>
-          <a:p>
-            <a:r>
-              <a:rPr lang="en-US" altLang="zh-TW" sz="2400" dirty="0" smtClean="0">
-                <a:latin typeface="標楷體" pitchFamily="65" charset="-120"/>
-                <a:ea typeface="標楷體" pitchFamily="65" charset="-120"/>
-              </a:rPr>
-              <a:t>----</a:t>
-            </a:r>
-            <a:r>
-              <a:rPr lang="zh-TW" altLang="en-US" sz="2400" dirty="0">
-                <a:latin typeface="標楷體" pitchFamily="65" charset="-120"/>
-                <a:ea typeface="標楷體" pitchFamily="65" charset="-120"/>
-              </a:rPr>
-              <a:t>保護程式在無效輸入資料的</a:t>
-            </a:r>
-            <a:r>
-              <a:rPr lang="zh-TW" altLang="en-US" sz="2400" dirty="0" smtClean="0">
-                <a:latin typeface="標楷體" pitchFamily="65" charset="-120"/>
-                <a:ea typeface="標楷體" pitchFamily="65" charset="-120"/>
-              </a:rPr>
-              <a:t>破壞</a:t>
-            </a:r>
-            <a:endParaRPr lang="zh-TW" altLang="en-US" sz="2400" dirty="0">
-              <a:latin typeface="標楷體" pitchFamily="65" charset="-120"/>
-              <a:ea typeface="標楷體" pitchFamily="65" charset="-120"/>
-            </a:endParaRPr>
-          </a:p>
-          <a:p>
-            <a:endParaRPr lang="en-US" altLang="zh-TW" sz="2400" dirty="0" smtClean="0">
-              <a:latin typeface="標楷體" pitchFamily="65" charset="-120"/>
-              <a:ea typeface="標楷體" pitchFamily="65" charset="-120"/>
-            </a:endParaRPr>
-          </a:p>
-          <a:p>
-            <a:endParaRPr lang="en-US" altLang="zh-TW" sz="2400" dirty="0">
-              <a:latin typeface="標楷體" pitchFamily="65" charset="-120"/>
-              <a:ea typeface="標楷體" pitchFamily="65" charset="-120"/>
-            </a:endParaRPr>
-          </a:p>
-          <a:p>
-            <a:endParaRPr lang="en-US" altLang="zh-TW" sz="2400" dirty="0" smtClean="0">
-              <a:latin typeface="標楷體" pitchFamily="65" charset="-120"/>
-              <a:ea typeface="標楷體" pitchFamily="65" charset="-120"/>
-            </a:endParaRPr>
-          </a:p>
-          <a:p>
-            <a:pPr marL="285750" indent="-285750">
-              <a:buFont typeface="Wingdings" pitchFamily="2" charset="2"/>
-              <a:buChar char="Ø"/>
-            </a:pPr>
-            <a:endParaRPr lang="en-US" altLang="zh-TW" sz="2400" dirty="0">
-              <a:latin typeface="標楷體" pitchFamily="65" charset="-120"/>
-              <a:ea typeface="標楷體" pitchFamily="65" charset="-120"/>
-            </a:endParaRPr>
-          </a:p>
-        </p:txBody>
-      </p:sp>
     </p:spTree>
     <p:extLst>
       <p:ext uri="{BB962C8B-B14F-4D97-AF65-F5344CB8AC3E}">
-        <p14:creationId xmlns:p14="http://schemas.microsoft.com/office/powerpoint/2010/main" val="1168016640"/>
+        <p14:creationId xmlns:p14="http://schemas.microsoft.com/office/powerpoint/2010/main" val="3646215772"/>
       </p:ext>
     </p:extLst>
   </p:cSld>
@@ -6619,11 +6575,275 @@
               </a:rPr>
               <a:t>心得</a:t>
             </a:r>
-            <a:endParaRPr lang="zh-TW" altLang="en-US" dirty="0">
+          </a:p>
+        </p:txBody>
+      </p:sp>
+      <p:sp>
+        <p:nvSpPr>
+          <p:cNvPr id="3" name="文字方塊 2"/>
+          <p:cNvSpPr txBox="1"/>
+          <p:nvPr/>
+        </p:nvSpPr>
+        <p:spPr>
+          <a:xfrm>
+            <a:off x="973777" y="1840675"/>
+            <a:ext cx="9227127" cy="3139321"/>
+          </a:xfrm>
+          <a:prstGeom prst="rect">
+            <a:avLst/>
+          </a:prstGeom>
+          <a:noFill/>
+        </p:spPr>
+        <p:txBody>
+          <a:bodyPr wrap="square" rtlCol="0">
+            <a:spAutoFit/>
+          </a:bodyPr>
+          <a:lstStyle/>
+          <a:p>
+            <a:r>
+              <a:rPr lang="zh-TW" altLang="en-US" sz="2000" b="1" dirty="0" smtClean="0">
+                <a:latin typeface="標楷體" pitchFamily="65" charset="-120"/>
+                <a:ea typeface="標楷體" pitchFamily="65" charset="-120"/>
+              </a:rPr>
+              <a:t>程式碼</a:t>
+            </a:r>
+            <a:r>
+              <a:rPr lang="zh-TW" altLang="en-US" sz="2000" b="1" dirty="0">
+                <a:latin typeface="標楷體" pitchFamily="65" charset="-120"/>
+                <a:ea typeface="標楷體" pitchFamily="65" charset="-120"/>
+              </a:rPr>
+              <a:t>種類</a:t>
+            </a:r>
+          </a:p>
+          <a:p>
+            <a:r>
+              <a:rPr lang="zh-TW" altLang="en-US" sz="2000" dirty="0">
+                <a:latin typeface="標楷體" pitchFamily="65" charset="-120"/>
+                <a:ea typeface="標楷體" pitchFamily="65" charset="-120"/>
+              </a:rPr>
+              <a:t>基本上程式碼可分成三類：</a:t>
+            </a:r>
+          </a:p>
+          <a:p>
+            <a:pPr lvl="1"/>
+            <a:r>
+              <a:rPr lang="zh-TW" altLang="en-US" sz="2000" dirty="0">
+                <a:latin typeface="標楷體" pitchFamily="65" charset="-120"/>
+                <a:ea typeface="標楷體" pitchFamily="65" charset="-120"/>
+              </a:rPr>
+              <a:t>能用：在期望的正常輸入情況下不會出錯</a:t>
+            </a:r>
+            <a:r>
+              <a:rPr lang="zh-TW" altLang="en-US" sz="2000" dirty="0" smtClean="0">
+                <a:latin typeface="標楷體" pitchFamily="65" charset="-120"/>
+                <a:ea typeface="標楷體" pitchFamily="65" charset="-120"/>
+              </a:rPr>
+              <a:t>。</a:t>
+            </a:r>
+            <a:br>
+              <a:rPr lang="zh-TW" altLang="en-US" sz="2000" dirty="0" smtClean="0">
+                <a:latin typeface="標楷體" pitchFamily="65" charset="-120"/>
+                <a:ea typeface="標楷體" pitchFamily="65" charset="-120"/>
+              </a:rPr>
+            </a:br>
+            <a:r>
+              <a:rPr lang="en-US" altLang="zh-TW" sz="2000" dirty="0" smtClean="0">
+                <a:latin typeface="標楷體" pitchFamily="65" charset="-120"/>
+                <a:ea typeface="標楷體" pitchFamily="65" charset="-120"/>
+              </a:rPr>
+              <a:t>	</a:t>
+            </a:r>
+            <a:r>
+              <a:rPr lang="zh-TW" altLang="en-US" sz="2000" b="1" dirty="0" smtClean="0">
+                <a:solidFill>
+                  <a:srgbClr val="FF0000"/>
+                </a:solidFill>
+                <a:latin typeface="標楷體" pitchFamily="65" charset="-120"/>
+                <a:ea typeface="標楷體" pitchFamily="65" charset="-120"/>
+              </a:rPr>
+              <a:t>但輸入特殊資料則可能</a:t>
+            </a:r>
+            <a:r>
+              <a:rPr lang="en-US" altLang="zh-TW" sz="2000" b="1" dirty="0" smtClean="0">
+                <a:solidFill>
+                  <a:srgbClr val="FF0000"/>
+                </a:solidFill>
+                <a:latin typeface="標楷體" pitchFamily="65" charset="-120"/>
+                <a:ea typeface="標楷體" pitchFamily="65" charset="-120"/>
+              </a:rPr>
+              <a:t>crash</a:t>
+            </a:r>
+            <a:r>
+              <a:rPr lang="zh-TW" altLang="en-US" sz="2000" b="1" dirty="0" smtClean="0">
+                <a:solidFill>
+                  <a:srgbClr val="FF0000"/>
+                </a:solidFill>
+                <a:latin typeface="標楷體" pitchFamily="65" charset="-120"/>
+                <a:ea typeface="標楷體" pitchFamily="65" charset="-120"/>
+              </a:rPr>
+              <a:t>或發生錯誤。</a:t>
+            </a:r>
+            <a:endParaRPr lang="zh-TW" altLang="en-US" sz="2000" dirty="0" smtClean="0">
+              <a:solidFill>
+                <a:srgbClr val="FF0000"/>
+              </a:solidFill>
               <a:latin typeface="標楷體" pitchFamily="65" charset="-120"/>
               <a:ea typeface="標楷體" pitchFamily="65" charset="-120"/>
             </a:endParaRPr>
           </a:p>
+          <a:p>
+            <a:pPr lvl="1"/>
+            <a:r>
+              <a:rPr lang="zh-TW" altLang="en-US" sz="2000" dirty="0" smtClean="0">
+                <a:latin typeface="標楷體" pitchFamily="65" charset="-120"/>
+                <a:ea typeface="標楷體" pitchFamily="65" charset="-120"/>
+              </a:rPr>
+              <a:t>正確</a:t>
+            </a:r>
+            <a:r>
+              <a:rPr lang="zh-TW" altLang="en-US" sz="2000" dirty="0">
+                <a:latin typeface="標楷體" pitchFamily="65" charset="-120"/>
+                <a:ea typeface="標楷體" pitchFamily="65" charset="-120"/>
+              </a:rPr>
+              <a:t>：不管何種輸入，執行不會出錯，錯誤控制得宜。</a:t>
+            </a:r>
+            <a:br>
+              <a:rPr lang="zh-TW" altLang="en-US" sz="2000" dirty="0">
+                <a:latin typeface="標楷體" pitchFamily="65" charset="-120"/>
+                <a:ea typeface="標楷體" pitchFamily="65" charset="-120"/>
+              </a:rPr>
+            </a:br>
+            <a:r>
+              <a:rPr lang="en-US" altLang="zh-TW" sz="2000" dirty="0" smtClean="0">
+                <a:latin typeface="標楷體" pitchFamily="65" charset="-120"/>
+                <a:ea typeface="標楷體" pitchFamily="65" charset="-120"/>
+              </a:rPr>
+              <a:t>	</a:t>
+            </a:r>
+            <a:r>
+              <a:rPr lang="zh-TW" altLang="en-US" sz="2000" b="1" dirty="0" smtClean="0">
+                <a:solidFill>
+                  <a:srgbClr val="FF0000"/>
+                </a:solidFill>
+                <a:latin typeface="標楷體" pitchFamily="65" charset="-120"/>
+                <a:ea typeface="標楷體" pitchFamily="65" charset="-120"/>
+              </a:rPr>
+              <a:t>但</a:t>
+            </a:r>
+            <a:r>
+              <a:rPr lang="zh-TW" altLang="en-US" sz="2000" b="1" dirty="0">
+                <a:solidFill>
+                  <a:srgbClr val="FF0000"/>
+                </a:solidFill>
+                <a:latin typeface="標楷體" pitchFamily="65" charset="-120"/>
+                <a:ea typeface="標楷體" pitchFamily="65" charset="-120"/>
+              </a:rPr>
+              <a:t>不一定好維護、好擴充。</a:t>
+            </a:r>
+          </a:p>
+          <a:p>
+            <a:pPr lvl="1"/>
+            <a:r>
+              <a:rPr lang="zh-TW" altLang="en-US" sz="2000" dirty="0" smtClean="0">
+                <a:latin typeface="標楷體" pitchFamily="65" charset="-120"/>
+                <a:ea typeface="標楷體" pitchFamily="65" charset="-120"/>
+              </a:rPr>
+              <a:t>健壯（</a:t>
+            </a:r>
+            <a:r>
+              <a:rPr lang="en-US" altLang="zh-TW" sz="2000" dirty="0" smtClean="0">
+                <a:latin typeface="標楷體" pitchFamily="65" charset="-120"/>
+                <a:ea typeface="標楷體" pitchFamily="65" charset="-120"/>
+              </a:rPr>
+              <a:t>robustness</a:t>
+            </a:r>
+            <a:r>
+              <a:rPr lang="zh-TW" altLang="en-US" sz="2000" dirty="0" smtClean="0">
+                <a:latin typeface="標楷體" pitchFamily="65" charset="-120"/>
+                <a:ea typeface="標楷體" pitchFamily="65" charset="-120"/>
+              </a:rPr>
+              <a:t>）：要兼顧健壯、效能、正確。</a:t>
+            </a:r>
+            <a:br>
+              <a:rPr lang="zh-TW" altLang="en-US" sz="2000" dirty="0" smtClean="0">
+                <a:latin typeface="標楷體" pitchFamily="65" charset="-120"/>
+                <a:ea typeface="標楷體" pitchFamily="65" charset="-120"/>
+              </a:rPr>
+            </a:br>
+            <a:r>
+              <a:rPr lang="en-US" altLang="zh-TW" sz="2000" dirty="0" smtClean="0">
+                <a:latin typeface="標楷體" pitchFamily="65" charset="-120"/>
+                <a:ea typeface="標楷體" pitchFamily="65" charset="-120"/>
+              </a:rPr>
+              <a:t>	</a:t>
+            </a:r>
+            <a:r>
+              <a:rPr lang="zh-TW" altLang="en-US" sz="2000" dirty="0" smtClean="0">
+                <a:latin typeface="標楷體" pitchFamily="65" charset="-120"/>
+                <a:ea typeface="標楷體" pitchFamily="65" charset="-120"/>
+              </a:rPr>
+              <a:t>考量到的面向較廣，例如：</a:t>
+            </a:r>
+            <a:r>
+              <a:rPr lang="en-US" altLang="zh-TW" sz="2000" dirty="0" smtClean="0">
+                <a:latin typeface="標楷體" pitchFamily="65" charset="-120"/>
+                <a:ea typeface="標楷體" pitchFamily="65" charset="-120"/>
+              </a:rPr>
+              <a:t>multi-thread</a:t>
+            </a:r>
+            <a:r>
+              <a:rPr lang="zh-TW" altLang="en-US" sz="2000" dirty="0" smtClean="0">
+                <a:latin typeface="標楷體" pitchFamily="65" charset="-120"/>
+                <a:ea typeface="標楷體" pitchFamily="65" charset="-120"/>
+              </a:rPr>
+              <a:t>的</a:t>
+            </a:r>
+            <a:r>
+              <a:rPr lang="en-US" altLang="zh-TW" sz="2000" dirty="0" smtClean="0">
+                <a:latin typeface="標楷體" pitchFamily="65" charset="-120"/>
+                <a:ea typeface="標楷體" pitchFamily="65" charset="-120"/>
+              </a:rPr>
+              <a:t>thread-safe</a:t>
+            </a:r>
+            <a:r>
+              <a:rPr lang="zh-TW" altLang="en-US" sz="2000" dirty="0" smtClean="0">
+                <a:latin typeface="標楷體" pitchFamily="65" charset="-120"/>
+                <a:ea typeface="標楷體" pitchFamily="65" charset="-120"/>
+              </a:rPr>
+              <a:t>、可維護性、</a:t>
+            </a:r>
+            <a:r>
+              <a:rPr lang="en-US" altLang="zh-TW" sz="2000" dirty="0" smtClean="0">
+                <a:latin typeface="標楷體" pitchFamily="65" charset="-120"/>
+                <a:ea typeface="標楷體" pitchFamily="65" charset="-120"/>
+              </a:rPr>
+              <a:t>	</a:t>
+            </a:r>
+            <a:r>
+              <a:rPr lang="zh-TW" altLang="en-US" sz="2000" dirty="0" smtClean="0">
+                <a:latin typeface="標楷體" pitchFamily="65" charset="-120"/>
+                <a:ea typeface="標楷體" pitchFamily="65" charset="-120"/>
+              </a:rPr>
+              <a:t>彈性、</a:t>
+            </a:r>
+            <a:r>
+              <a:rPr lang="en-US" altLang="zh-TW" sz="2000" dirty="0" smtClean="0">
+                <a:latin typeface="標楷體" pitchFamily="65" charset="-120"/>
+                <a:ea typeface="標楷體" pitchFamily="65" charset="-120"/>
+              </a:rPr>
+              <a:t>Scalability</a:t>
+            </a:r>
+            <a:r>
+              <a:rPr lang="zh-TW" altLang="en-US" sz="2000" dirty="0" smtClean="0">
+                <a:latin typeface="標楷體" pitchFamily="65" charset="-120"/>
+                <a:ea typeface="標楷體" pitchFamily="65" charset="-120"/>
+              </a:rPr>
+              <a:t>。</a:t>
+            </a:r>
+          </a:p>
+          <a:p>
+            <a:endParaRPr lang="zh-TW" altLang="en-US" dirty="0"/>
+          </a:p>
         </p:txBody>
       </p:sp>
       <p:sp>
@@ -6634,125 +6854,51 @@
         </p:nvSpPr>
         <p:spPr>
           <a:xfrm>
-            <a:off x="979758" y="2055604"/>
-            <a:ext cx="9363649" cy="3046988"/>
+            <a:off x="1157889" y="5108736"/>
+            <a:ext cx="10341293" cy="461665"/>
           </a:xfrm>
           <a:prstGeom prst="rect">
             <a:avLst/>
           </a:prstGeom>
         </p:spPr>
         <p:txBody>
-          <a:bodyPr wrap="square">
+          <a:bodyPr wrap="none">
             <a:spAutoFit/>
           </a:bodyPr>
           <a:lstStyle/>
           <a:p>
             <a:r>
+              <a:rPr lang="zh-TW" altLang="en-US" sz="2400" dirty="0">
+                <a:latin typeface="標楷體" pitchFamily="65" charset="-120"/>
+                <a:ea typeface="標楷體" pitchFamily="65" charset="-120"/>
+              </a:rPr>
+              <a:t>一開始，完全不了解什麼是防禦性</a:t>
+            </a:r>
+            <a:r>
               <a:rPr lang="zh-TW" altLang="en-US" sz="2400" dirty="0" smtClean="0">
                 <a:latin typeface="標楷體" pitchFamily="65" charset="-120"/>
                 <a:ea typeface="標楷體" pitchFamily="65" charset="-120"/>
               </a:rPr>
-              <a:t>了解後</a:t>
+              <a:t>程式，寫出來的程式，屬於第一類</a:t>
             </a:r>
             <a:r>
               <a:rPr lang="en-US" altLang="zh-TW" sz="2400" dirty="0" smtClean="0">
                 <a:latin typeface="標楷體" pitchFamily="65" charset="-120"/>
                 <a:ea typeface="標楷體" pitchFamily="65" charset="-120"/>
               </a:rPr>
-              <a:t>……</a:t>
-            </a:r>
-          </a:p>
-          <a:p>
+              <a:t>………</a:t>
+            </a:r>
             <a:endParaRPr lang="en-US" altLang="zh-TW" sz="2400" dirty="0">
               <a:latin typeface="標楷體" pitchFamily="65" charset="-120"/>
               <a:ea typeface="標楷體" pitchFamily="65" charset="-120"/>
             </a:endParaRPr>
           </a:p>
-          <a:p>
-            <a:pPr marL="285750" indent="-285750">
-              <a:buFont typeface="Wingdings" pitchFamily="2" charset="2"/>
-              <a:buChar char="Ø"/>
-            </a:pPr>
-            <a:r>
-              <a:rPr lang="zh-TW" altLang="en-US" sz="2400" dirty="0">
-                <a:latin typeface="標楷體" pitchFamily="65" charset="-120"/>
-                <a:ea typeface="標楷體" pitchFamily="65" charset="-120"/>
-              </a:rPr>
-              <a:t>修正自己寫程式的心態與思維</a:t>
-            </a:r>
-            <a:endParaRPr lang="en-US" altLang="zh-TW" sz="2400" dirty="0">
-              <a:latin typeface="標楷體" pitchFamily="65" charset="-120"/>
-              <a:ea typeface="標楷體" pitchFamily="65" charset="-120"/>
-            </a:endParaRPr>
-          </a:p>
-          <a:p>
-            <a:endParaRPr lang="en-US" altLang="zh-TW" sz="2400" dirty="0">
-              <a:latin typeface="標楷體" pitchFamily="65" charset="-120"/>
-              <a:ea typeface="標楷體" pitchFamily="65" charset="-120"/>
-            </a:endParaRPr>
-          </a:p>
-          <a:p>
-            <a:r>
-              <a:rPr lang="en-US" altLang="zh-TW" sz="2400" dirty="0" smtClean="0">
-                <a:latin typeface="標楷體" pitchFamily="65" charset="-120"/>
-                <a:ea typeface="標楷體" pitchFamily="65" charset="-120"/>
-              </a:rPr>
-              <a:t>----</a:t>
-            </a:r>
-            <a:r>
-              <a:rPr lang="zh-TW" altLang="en-US" sz="2400" dirty="0" smtClean="0">
-                <a:latin typeface="標楷體" pitchFamily="65" charset="-120"/>
-                <a:ea typeface="標楷體" pitchFamily="65" charset="-120"/>
-              </a:rPr>
-              <a:t>了解常見透過</a:t>
-            </a:r>
-            <a:r>
-              <a:rPr lang="en-US" altLang="zh-TW" sz="2400" dirty="0" smtClean="0">
-                <a:latin typeface="標楷體" pitchFamily="65" charset="-120"/>
-                <a:ea typeface="標楷體" pitchFamily="65" charset="-120"/>
-              </a:rPr>
-              <a:t>input</a:t>
-            </a:r>
-            <a:r>
-              <a:rPr lang="zh-TW" altLang="en-US" sz="2400" dirty="0" smtClean="0">
-                <a:latin typeface="標楷體" pitchFamily="65" charset="-120"/>
-                <a:ea typeface="標楷體" pitchFamily="65" charset="-120"/>
-              </a:rPr>
-              <a:t>的攻擊</a:t>
-            </a:r>
-            <a:endParaRPr lang="en-US" altLang="zh-TW" sz="2400" dirty="0" smtClean="0">
-              <a:latin typeface="標楷體" pitchFamily="65" charset="-120"/>
-              <a:ea typeface="標楷體" pitchFamily="65" charset="-120"/>
-            </a:endParaRPr>
-          </a:p>
-          <a:p>
-            <a:endParaRPr lang="en-US" altLang="zh-TW" sz="2400" dirty="0">
-              <a:latin typeface="標楷體" pitchFamily="65" charset="-120"/>
-              <a:ea typeface="標楷體" pitchFamily="65" charset="-120"/>
-            </a:endParaRPr>
-          </a:p>
-          <a:p>
-            <a:endParaRPr lang="en-US" altLang="zh-TW" sz="2400" dirty="0" smtClean="0">
-              <a:latin typeface="標楷體" pitchFamily="65" charset="-120"/>
-              <a:ea typeface="標楷體" pitchFamily="65" charset="-120"/>
-            </a:endParaRPr>
-          </a:p>
-          <a:p>
-            <a:pPr marL="285750" indent="-285750">
-              <a:buFont typeface="Wingdings" pitchFamily="2" charset="2"/>
-              <a:buChar char="Ø"/>
-            </a:pPr>
-            <a:endParaRPr lang="en-US" altLang="zh-TW" sz="2400" dirty="0">
-              <a:latin typeface="標楷體" pitchFamily="65" charset="-120"/>
-              <a:ea typeface="標楷體" pitchFamily="65" charset="-120"/>
-            </a:endParaRPr>
-          </a:p>
         </p:txBody>
       </p:sp>
     </p:spTree>
     <p:extLst>
       <p:ext uri="{BB962C8B-B14F-4D97-AF65-F5344CB8AC3E}">
-        <p14:creationId xmlns:p14="http://schemas.microsoft.com/office/powerpoint/2010/main" val="3840040299"/>
+        <p14:creationId xmlns:p14="http://schemas.microsoft.com/office/powerpoint/2010/main" val="2092397249"/>
       </p:ext>
     </p:extLst>
   </p:cSld>
@@ -6819,10 +6965,6 @@
               </a:rPr>
               <a:t>心得</a:t>
             </a:r>
-            <a:endParaRPr lang="zh-TW" altLang="en-US" dirty="0">
-              <a:latin typeface="標楷體" pitchFamily="65" charset="-120"/>
-              <a:ea typeface="標楷體" pitchFamily="65" charset="-120"/>
-            </a:endParaRPr>
           </a:p>
         </p:txBody>
       </p:sp>
@@ -6835,7 +6977,7 @@
         <p:spPr>
           <a:xfrm>
             <a:off x="979758" y="2055604"/>
-            <a:ext cx="9363649" cy="4524315"/>
+            <a:ext cx="9363649" cy="3046988"/>
           </a:xfrm>
           <a:prstGeom prst="rect">
             <a:avLst/>
@@ -6875,56 +7017,35 @@
             </a:pPr>
             <a:r>
               <a:rPr lang="zh-TW" altLang="en-US" sz="2400" dirty="0">
-                <a:latin typeface="標楷體" pitchFamily="65" charset="-120"/>
-                <a:ea typeface="標楷體" pitchFamily="65" charset="-120"/>
-              </a:rPr>
-              <a:t>修正自己寫程式的心態與思維</a:t>
-            </a:r>
-            <a:endParaRPr lang="en-US" altLang="zh-TW" sz="2400" dirty="0">
-              <a:latin typeface="標楷體" pitchFamily="65" charset="-120"/>
-              <a:ea typeface="標楷體" pitchFamily="65" charset="-120"/>
-            </a:endParaRPr>
-          </a:p>
-          <a:p>
-            <a:endParaRPr lang="en-US" altLang="zh-TW" sz="2400" dirty="0">
-              <a:latin typeface="標楷體" pitchFamily="65" charset="-120"/>
-              <a:ea typeface="標楷體" pitchFamily="65" charset="-120"/>
-            </a:endParaRPr>
-          </a:p>
-          <a:p>
-            <a:r>
-              <a:rPr lang="en-US" altLang="zh-TW" sz="2400" dirty="0" smtClean="0">
-                <a:latin typeface="標楷體" pitchFamily="65" charset="-120"/>
-                <a:ea typeface="標楷體" pitchFamily="65" charset="-120"/>
-              </a:rPr>
-              <a:t>----</a:t>
+                <a:latin typeface="Times New Roman" pitchFamily="18" charset="0"/>
+                <a:ea typeface="標楷體" pitchFamily="65" charset="-120"/>
+                <a:cs typeface="Times New Roman" pitchFamily="18" charset="0"/>
+              </a:rPr>
+              <a:t>修正寫程式的程式撰寫命名與風格</a:t>
+            </a:r>
+            <a:r>
+              <a:rPr lang="en-US" altLang="zh-TW" sz="2400" dirty="0">
+                <a:latin typeface="Times New Roman" pitchFamily="18" charset="0"/>
+                <a:ea typeface="標楷體" pitchFamily="65" charset="-120"/>
+                <a:cs typeface="Times New Roman" pitchFamily="18" charset="0"/>
+              </a:rPr>
+              <a:t>(Coding style)</a:t>
             </a:r>
             <a:r>
               <a:rPr lang="zh-TW" altLang="en-US" sz="2400" dirty="0">
-                <a:latin typeface="標楷體" pitchFamily="65" charset="-120"/>
-                <a:ea typeface="標楷體" pitchFamily="65" charset="-120"/>
-              </a:rPr>
-              <a:t>掌握防禦性程式設計技巧</a:t>
+                <a:latin typeface="Times New Roman" pitchFamily="18" charset="0"/>
+                <a:ea typeface="標楷體" pitchFamily="65" charset="-120"/>
+                <a:cs typeface="Times New Roman" pitchFamily="18" charset="0"/>
+              </a:rPr>
+              <a:t>務必</a:t>
             </a:r>
             <a:r>
               <a:rPr lang="zh-TW" altLang="en-US" sz="2400" dirty="0" smtClean="0">
-                <a:latin typeface="標楷體" pitchFamily="65" charset="-120"/>
-                <a:ea typeface="標楷體" pitchFamily="65" charset="-120"/>
-              </a:rPr>
-              <a:t>原則</a:t>
-            </a:r>
-            <a:endParaRPr lang="en-US" altLang="zh-TW" sz="2400" dirty="0" smtClean="0">
-              <a:latin typeface="標楷體" pitchFamily="65" charset="-120"/>
-              <a:ea typeface="標楷體" pitchFamily="65" charset="-120"/>
-            </a:endParaRPr>
-          </a:p>
-          <a:p>
-            <a:r>
-              <a:rPr lang="en-US" altLang="zh-TW" sz="2400" dirty="0" smtClean="0">
-                <a:latin typeface="標楷體" pitchFamily="65" charset="-120"/>
-                <a:ea typeface="標楷體" pitchFamily="65" charset="-120"/>
-              </a:rPr>
-              <a:t>	</a:t>
+                <a:latin typeface="Times New Roman" pitchFamily="18" charset="0"/>
+                <a:ea typeface="標楷體" pitchFamily="65" charset="-120"/>
+                <a:cs typeface="Times New Roman" pitchFamily="18" charset="0"/>
+              </a:rPr>
+              <a:t>一致，</a:t>
             </a:r>
             <a:endParaRPr lang="en-US" altLang="zh-TW" sz="2400" dirty="0" smtClean="0">
               <a:latin typeface="Times New Roman" pitchFamily="18" charset="0"/>
@@ -6933,37 +7054,32 @@
             </a:endParaRPr>
           </a:p>
           <a:p>
-            <a:r>
-              <a:rPr lang="en-US" altLang="zh-TW" sz="2400" dirty="0">
-                <a:latin typeface="Times New Roman" pitchFamily="18" charset="0"/>
-                <a:ea typeface="標楷體" pitchFamily="65" charset="-120"/>
-                <a:cs typeface="Times New Roman" pitchFamily="18" charset="0"/>
-              </a:rPr>
-              <a:t>	</a:t>
-            </a:r>
+            <a:pPr marL="285750" indent="-285750">
+              <a:buFont typeface="Wingdings" pitchFamily="2" charset="2"/>
+              <a:buChar char="Ø"/>
+            </a:pPr>
+            <a:endParaRPr lang="en-US" altLang="zh-TW" sz="2400" dirty="0">
+              <a:latin typeface="Times New Roman" pitchFamily="18" charset="0"/>
+              <a:ea typeface="標楷體" pitchFamily="65" charset="-120"/>
+              <a:cs typeface="Times New Roman" pitchFamily="18" charset="0"/>
+            </a:endParaRPr>
+          </a:p>
+          <a:p>
             <a:r>
               <a:rPr lang="zh-TW" altLang="en-US" sz="2400" dirty="0" smtClean="0">
                 <a:latin typeface="Times New Roman" pitchFamily="18" charset="0"/>
                 <a:ea typeface="標楷體" pitchFamily="65" charset="-120"/>
                 <a:cs typeface="Times New Roman" pitchFamily="18" charset="0"/>
               </a:rPr>
-              <a:t>先做</a:t>
-            </a:r>
-            <a:r>
-              <a:rPr lang="en-US" altLang="zh-TW" sz="2400" dirty="0">
+              <a:t>  因為</a:t>
+            </a:r>
+            <a:r>
+              <a:rPr lang="en-US" altLang="zh-TW" sz="2400" dirty="0" smtClean="0">
                 <a:latin typeface="Times New Roman" pitchFamily="18" charset="0"/>
                 <a:ea typeface="標楷體" pitchFamily="65" charset="-120"/>
                 <a:cs typeface="Times New Roman" pitchFamily="18" charset="0"/>
               </a:rPr>
-              <a:t>Type Hint </a:t>
-            </a:r>
-            <a:r>
-              <a:rPr lang="zh-TW" altLang="en-US" sz="2400" dirty="0">
-                <a:latin typeface="Times New Roman" pitchFamily="18" charset="0"/>
-                <a:ea typeface="標楷體" pitchFamily="65" charset="-120"/>
-                <a:cs typeface="Times New Roman" pitchFamily="18" charset="0"/>
-              </a:rPr>
-              <a:t>類別</a:t>
+              <a:t>…………</a:t>
             </a:r>
             <a:r>
               <a:rPr lang="zh-TW" altLang="en-US" sz="2400" dirty="0" smtClean="0">
@@ -6971,38 +7087,13 @@
                 <a:ea typeface="標楷體" pitchFamily="65" charset="-120"/>
                 <a:cs typeface="Times New Roman" pitchFamily="18" charset="0"/>
               </a:rPr>
-              <a:t>檢查</a:t>
+              <a:t>程式開發是團隊合作</a:t>
             </a:r>
             <a:endParaRPr lang="en-US" altLang="zh-TW" sz="2400" dirty="0" smtClean="0">
               <a:latin typeface="Times New Roman" pitchFamily="18" charset="0"/>
               <a:ea typeface="標楷體" pitchFamily="65" charset="-120"/>
               <a:cs typeface="Times New Roman" pitchFamily="18" charset="0"/>
             </a:endParaRPr>
-          </a:p>
-          <a:p>
-            <a:endParaRPr lang="en-US" altLang="zh-TW" sz="2400" dirty="0" smtClean="0">
-              <a:latin typeface="Times New Roman" pitchFamily="18" charset="0"/>
-              <a:ea typeface="標楷體" pitchFamily="65" charset="-120"/>
-              <a:cs typeface="Times New Roman" pitchFamily="18" charset="0"/>
-            </a:endParaRPr>
-          </a:p>
-          <a:p>
-            <a:r>
-              <a:rPr lang="en-US" altLang="zh-TW" sz="2400" dirty="0">
-                <a:latin typeface="Times New Roman" pitchFamily="18" charset="0"/>
-                <a:ea typeface="標楷體" pitchFamily="65" charset="-120"/>
-                <a:cs typeface="Times New Roman" pitchFamily="18" charset="0"/>
-              </a:rPr>
-              <a:t>	</a:t>
-            </a:r>
-            <a:r>
-              <a:rPr lang="zh-TW" altLang="en-US" sz="2400" dirty="0">
-                <a:latin typeface="Times New Roman" pitchFamily="18" charset="0"/>
-                <a:ea typeface="標楷體" pitchFamily="65" charset="-120"/>
-                <a:cs typeface="Times New Roman" pitchFamily="18" charset="0"/>
-              </a:rPr>
-              <a:t>內部檢查</a:t>
-            </a:r>
           </a:p>
           <a:p>
             <a:endParaRPr lang="en-US" altLang="zh-TW" sz="2400" dirty="0">
@@ -7031,7 +7122,7 @@
     </p:spTree>
     <p:extLst>
       <p:ext uri="{BB962C8B-B14F-4D97-AF65-F5344CB8AC3E}">
-        <p14:creationId xmlns:p14="http://schemas.microsoft.com/office/powerpoint/2010/main" val="2938766851"/>
+        <p14:creationId xmlns:p14="http://schemas.microsoft.com/office/powerpoint/2010/main" val="3872777086"/>
       </p:ext>
     </p:extLst>
   </p:cSld>
@@ -7098,10 +7189,6 @@
               </a:rPr>
               <a:t>心得</a:t>
             </a:r>
-            <a:endParaRPr lang="zh-TW" altLang="en-US" dirty="0">
-              <a:latin typeface="標楷體" pitchFamily="65" charset="-120"/>
-              <a:ea typeface="標楷體" pitchFamily="65" charset="-120"/>
-            </a:endParaRPr>
           </a:p>
         </p:txBody>
       </p:sp>
@@ -7114,7 +7201,7 @@
         <p:spPr>
           <a:xfrm>
             <a:off x="979758" y="2055604"/>
-            <a:ext cx="9363649" cy="2308324"/>
+            <a:ext cx="9363649" cy="4154984"/>
           </a:xfrm>
           <a:prstGeom prst="rect">
             <a:avLst/>
@@ -7179,25 +7266,18 @@
               <a:t>----</a:t>
             </a:r>
             <a:r>
+              <a:rPr lang="zh-TW" altLang="en-US" sz="2400" dirty="0">
+                <a:latin typeface="標楷體" pitchFamily="65" charset="-120"/>
+                <a:ea typeface="標楷體" pitchFamily="65" charset="-120"/>
+              </a:rPr>
+              <a:t>絕對不要相信使用者送進來的參</a:t>
+            </a:r>
+            <a:r>
               <a:rPr lang="zh-TW" altLang="en-US" sz="2400" dirty="0" smtClean="0">
                 <a:latin typeface="標楷體" pitchFamily="65" charset="-120"/>
                 <a:ea typeface="標楷體" pitchFamily="65" charset="-120"/>
               </a:rPr>
-              <a:t>學到盡量避免使用</a:t>
-            </a:r>
-            <a:r>
-              <a:rPr lang="en-US" altLang="zh-TW" sz="2400" dirty="0" smtClean="0">
-                <a:latin typeface="標楷體" pitchFamily="65" charset="-120"/>
-                <a:ea typeface="標楷體" pitchFamily="65" charset="-120"/>
-              </a:rPr>
-              <a:t>if…else </a:t>
-            </a:r>
-            <a:r>
-              <a:rPr lang="zh-TW" altLang="en-US" sz="2400" dirty="0" smtClean="0">
-                <a:latin typeface="標楷體" pitchFamily="65" charset="-120"/>
-                <a:ea typeface="標楷體" pitchFamily="65" charset="-120"/>
-              </a:rPr>
-              <a:t>句子</a:t>
+              <a:t>數值</a:t>
             </a:r>
             <a:endParaRPr lang="en-US" altLang="zh-TW" sz="2400" dirty="0" smtClean="0">
               <a:latin typeface="標楷體" pitchFamily="65" charset="-120"/>
@@ -7205,6 +7285,12 @@
             </a:endParaRPr>
           </a:p>
           <a:p>
+            <a:endParaRPr lang="en-US" altLang="zh-TW" sz="2400" dirty="0">
+              <a:latin typeface="標楷體" pitchFamily="65" charset="-120"/>
+              <a:ea typeface="標楷體" pitchFamily="65" charset="-120"/>
+            </a:endParaRPr>
+          </a:p>
+          <a:p>
             <a:r>
               <a:rPr lang="en-US" altLang="zh-TW" sz="2400" dirty="0" smtClean="0">
                 <a:latin typeface="標楷體" pitchFamily="65" charset="-120"/>
@@ -7213,37 +7299,58 @@
               <a:t>----</a:t>
             </a:r>
             <a:r>
+              <a:rPr lang="zh-TW" altLang="en-US" sz="2400" dirty="0">
+                <a:latin typeface="標楷體" pitchFamily="65" charset="-120"/>
+                <a:ea typeface="標楷體" pitchFamily="65" charset="-120"/>
+              </a:rPr>
+              <a:t>保護程式在無效輸入資料的</a:t>
+            </a:r>
+            <a:r>
               <a:rPr lang="zh-TW" altLang="en-US" sz="2400" dirty="0" smtClean="0">
                 <a:latin typeface="標楷體" pitchFamily="65" charset="-120"/>
                 <a:ea typeface="標楷體" pitchFamily="65" charset="-120"/>
               </a:rPr>
-              <a:t>善用</a:t>
-            </a:r>
-            <a:r>
-              <a:rPr lang="en-US" altLang="zh-TW" sz="2400" dirty="0" smtClean="0">
-                <a:latin typeface="標楷體" pitchFamily="65" charset="-120"/>
-                <a:ea typeface="標楷體" pitchFamily="65" charset="-120"/>
-              </a:rPr>
-              <a:t>try catch </a:t>
-            </a:r>
-            <a:r>
-              <a:rPr lang="zh-TW" altLang="en-US" sz="2400" dirty="0" smtClean="0">
-                <a:latin typeface="標楷體" pitchFamily="65" charset="-120"/>
-                <a:ea typeface="標楷體" pitchFamily="65" charset="-120"/>
-              </a:rPr>
-              <a:t>捕抓錯誤</a:t>
-            </a:r>
+              <a:t>破壞</a:t>
+            </a:r>
+            <a:endParaRPr lang="zh-TW" altLang="en-US" sz="2400" dirty="0">
+              <a:latin typeface="標楷體" pitchFamily="65" charset="-120"/>
+              <a:ea typeface="標楷體" pitchFamily="65" charset="-120"/>
+            </a:endParaRPr>
+          </a:p>
+          <a:p>
             <a:endParaRPr lang="en-US" altLang="zh-TW" sz="2400" dirty="0" smtClean="0">
               <a:latin typeface="標楷體" pitchFamily="65" charset="-120"/>
               <a:ea typeface="標楷體" pitchFamily="65" charset="-120"/>
             </a:endParaRPr>
           </a:p>
+          <a:p>
+            <a:endParaRPr lang="en-US" altLang="zh-TW" sz="2400" dirty="0">
+              <a:latin typeface="標楷體" pitchFamily="65" charset="-120"/>
+              <a:ea typeface="標楷體" pitchFamily="65" charset="-120"/>
+            </a:endParaRPr>
+          </a:p>
+          <a:p>
+            <a:endParaRPr lang="en-US" altLang="zh-TW" sz="2400" dirty="0" smtClean="0">
+              <a:latin typeface="標楷體" pitchFamily="65" charset="-120"/>
+              <a:ea typeface="標楷體" pitchFamily="65" charset="-120"/>
+            </a:endParaRPr>
+          </a:p>
+          <a:p>
+            <a:pPr marL="285750" indent="-285750">
+              <a:buFont typeface="Wingdings" pitchFamily="2" charset="2"/>
+              <a:buChar char="Ø"/>
+            </a:pPr>
+            <a:endParaRPr lang="en-US" altLang="zh-TW" sz="2400" dirty="0">
+              <a:latin typeface="標楷體" pitchFamily="65" charset="-120"/>
+              <a:ea typeface="標楷體" pitchFamily="65" charset="-120"/>
+            </a:endParaRPr>
+          </a:p>
         </p:txBody>
       </p:sp>
     </p:spTree>
     <p:extLst>
       <p:ext uri="{BB962C8B-B14F-4D97-AF65-F5344CB8AC3E}">
-        <p14:creationId xmlns:p14="http://schemas.microsoft.com/office/powerpoint/2010/main" val="353860904"/>
+        <p14:creationId xmlns:p14="http://schemas.microsoft.com/office/powerpoint/2010/main" val="1168016640"/>
       </p:ext>
     </p:extLst>
   </p:cSld>
@@ -7310,10 +7417,6 @@
               </a:rPr>
               <a:t>心得</a:t>
             </a:r>
-            <a:endParaRPr lang="zh-TW" altLang="en-US" dirty="0">
-              <a:latin typeface="標楷體" pitchFamily="65" charset="-120"/>
-              <a:ea typeface="標楷體" pitchFamily="65" charset="-120"/>
-            </a:endParaRPr>
           </a:p>
         </p:txBody>
       </p:sp>
@@ -7326,7 +7429,7 @@
         <p:spPr>
           <a:xfrm>
             <a:off x="979758" y="2055604"/>
-            <a:ext cx="9363649" cy="1569660"/>
+            <a:ext cx="9363649" cy="3046988"/>
           </a:xfrm>
           <a:prstGeom prst="rect">
             <a:avLst/>
@@ -7365,11 +7468,51 @@
               <a:buChar char="Ø"/>
             </a:pPr>
             <a:r>
+              <a:rPr lang="zh-TW" altLang="en-US" sz="2400" dirty="0">
+                <a:latin typeface="標楷體" pitchFamily="65" charset="-120"/>
+                <a:ea typeface="標楷體" pitchFamily="65" charset="-120"/>
+              </a:rPr>
+              <a:t>修正自己寫程式的心態與思維</a:t>
+            </a:r>
+            <a:endParaRPr lang="en-US" altLang="zh-TW" sz="2400" dirty="0">
+              <a:latin typeface="標楷體" pitchFamily="65" charset="-120"/>
+              <a:ea typeface="標楷體" pitchFamily="65" charset="-120"/>
+            </a:endParaRPr>
+          </a:p>
+          <a:p>
+            <a:endParaRPr lang="en-US" altLang="zh-TW" sz="2400" dirty="0">
+              <a:latin typeface="標楷體" pitchFamily="65" charset="-120"/>
+              <a:ea typeface="標楷體" pitchFamily="65" charset="-120"/>
+            </a:endParaRPr>
+          </a:p>
+          <a:p>
+            <a:r>
+              <a:rPr lang="en-US" altLang="zh-TW" sz="2400" dirty="0" smtClean="0">
+                <a:latin typeface="標楷體" pitchFamily="65" charset="-120"/>
+                <a:ea typeface="標楷體" pitchFamily="65" charset="-120"/>
+              </a:rPr>
+              <a:t>----</a:t>
+            </a:r>
+            <a:r>
               <a:rPr lang="zh-TW" altLang="en-US" sz="2400" dirty="0" smtClean="0">
                 <a:latin typeface="標楷體" pitchFamily="65" charset="-120"/>
                 <a:ea typeface="標楷體" pitchFamily="65" charset="-120"/>
               </a:rPr>
-              <a:t>總結</a:t>
+              <a:t>了解常見透過</a:t>
+            </a:r>
+            <a:r>
+              <a:rPr lang="en-US" altLang="zh-TW" sz="2400" dirty="0" smtClean="0">
+                <a:latin typeface="標楷體" pitchFamily="65" charset="-120"/>
+                <a:ea typeface="標楷體" pitchFamily="65" charset="-120"/>
+              </a:rPr>
+              <a:t>input</a:t>
+            </a:r>
+            <a:r>
+              <a:rPr lang="zh-TW" altLang="en-US" sz="2400" dirty="0" smtClean="0">
+                <a:latin typeface="標楷體" pitchFamily="65" charset="-120"/>
+                <a:ea typeface="標楷體" pitchFamily="65" charset="-120"/>
+              </a:rPr>
+              <a:t>的攻擊</a:t>
             </a:r>
             <a:endParaRPr lang="en-US" altLang="zh-TW" sz="2400" dirty="0" smtClean="0">
               <a:latin typeface="標楷體" pitchFamily="65" charset="-120"/>
@@ -7377,66 +7520,33 @@
             </a:endParaRPr>
           </a:p>
           <a:p>
-            <a:r>
-              <a:rPr lang="en-US" altLang="zh-TW" sz="2400" dirty="0" smtClean="0">
-                <a:latin typeface="標楷體" pitchFamily="65" charset="-120"/>
-                <a:ea typeface="標楷體" pitchFamily="65" charset="-120"/>
-              </a:rPr>
-              <a:t>----</a:t>
-            </a:r>
-            <a:r>
-              <a:rPr lang="zh-TW" altLang="en-US" sz="2400" dirty="0">
-                <a:latin typeface="標楷體" pitchFamily="65" charset="-120"/>
-                <a:ea typeface="標楷體" pitchFamily="65" charset="-120"/>
-              </a:rPr>
-              <a:t>防禦性編碼的要點就是</a:t>
-            </a:r>
-            <a:r>
-              <a:rPr lang="zh-TW" altLang="en-US" sz="2400" dirty="0" smtClean="0">
-                <a:latin typeface="標楷體" pitchFamily="65" charset="-120"/>
-                <a:ea typeface="標楷體" pitchFamily="65" charset="-120"/>
-              </a:rPr>
-              <a:t>讓</a:t>
-            </a:r>
-            <a:r>
-              <a:rPr lang="zh-TW" altLang="en-US" sz="2400" dirty="0">
-                <a:latin typeface="標楷體" pitchFamily="65" charset="-120"/>
-                <a:ea typeface="標楷體" pitchFamily="65" charset="-120"/>
-              </a:rPr>
-              <a:t>程式</a:t>
-            </a:r>
-            <a:r>
-              <a:rPr lang="zh-TW" altLang="en-US" sz="2400" dirty="0" smtClean="0">
-                <a:latin typeface="標楷體" pitchFamily="65" charset="-120"/>
-                <a:ea typeface="標楷體" pitchFamily="65" charset="-120"/>
-              </a:rPr>
-              <a:t>更</a:t>
-            </a:r>
-            <a:r>
-              <a:rPr lang="zh-TW" altLang="en-US" sz="2400" dirty="0">
-                <a:latin typeface="標楷體" pitchFamily="65" charset="-120"/>
-                <a:ea typeface="標楷體" pitchFamily="65" charset="-120"/>
-              </a:rPr>
-              <a:t>安全，並幫助其他人</a:t>
-            </a:r>
-            <a:r>
-              <a:rPr lang="zh-TW" altLang="en-US" sz="2400" dirty="0" smtClean="0">
-                <a:latin typeface="標楷體" pitchFamily="65" charset="-120"/>
-                <a:ea typeface="標楷體" pitchFamily="65" charset="-120"/>
-              </a:rPr>
-              <a:t>維護</a:t>
-            </a:r>
+            <a:endParaRPr lang="en-US" altLang="zh-TW" sz="2400" dirty="0">
+              <a:latin typeface="標楷體" pitchFamily="65" charset="-120"/>
+              <a:ea typeface="標楷體" pitchFamily="65" charset="-120"/>
+            </a:endParaRPr>
+          </a:p>
+          <a:p>
             <a:endParaRPr lang="en-US" altLang="zh-TW" sz="2400" dirty="0" smtClean="0">
               <a:latin typeface="標楷體" pitchFamily="65" charset="-120"/>
               <a:ea typeface="標楷體" pitchFamily="65" charset="-120"/>
             </a:endParaRPr>
           </a:p>
+          <a:p>
+            <a:pPr marL="285750" indent="-285750">
+              <a:buFont typeface="Wingdings" pitchFamily="2" charset="2"/>
+              <a:buChar char="Ø"/>
+            </a:pPr>
+            <a:endParaRPr lang="en-US" altLang="zh-TW" sz="2400" dirty="0">
+              <a:latin typeface="標楷體" pitchFamily="65" charset="-120"/>
+              <a:ea typeface="標楷體" pitchFamily="65" charset="-120"/>
+            </a:endParaRPr>
+          </a:p>
         </p:txBody>
       </p:sp>
     </p:spTree>
     <p:extLst>
       <p:ext uri="{BB962C8B-B14F-4D97-AF65-F5344CB8AC3E}">
-        <p14:creationId xmlns:p14="http://schemas.microsoft.com/office/powerpoint/2010/main" val="2709967316"/>
+        <p14:creationId xmlns:p14="http://schemas.microsoft.com/office/powerpoint/2010/main" val="3840040299"/>
       </p:ext>
     </p:extLst>
   </p:cSld>
@@ -7480,24 +7590,23 @@
             <p:ph type="title"/>
           </p:nvPr>
         </p:nvSpPr>
-        <p:spPr>
-          <a:xfrm>
-            <a:off x="1121031" y="0"/>
-            <a:ext cx="10058400" cy="1450757"/>
-          </a:xfrm>
-        </p:spPr>
+        <p:spPr/>
         <p:txBody>
           <a:bodyPr/>
           <a:lstStyle/>
           <a:p>
-            <a:r>
-              <a:rPr lang="zh-TW" altLang="en-US" dirty="0">
-                <a:latin typeface="標楷體" panose="03000509000000000000" pitchFamily="65" charset="-120"/>
-                <a:ea typeface="標楷體" panose="03000509000000000000" pitchFamily="65" charset="-120"/>
-              </a:rPr>
-              <a:t>關於健壯性</a:t>
-            </a:r>
-            <a:endParaRPr lang="zh-TW" altLang="en-US" dirty="0"/>
+            <a:pPr algn="ctr"/>
+            <a:r>
+              <a:rPr lang="zh-TW" altLang="en-US" dirty="0" smtClean="0">
+                <a:latin typeface="標楷體" pitchFamily="65" charset="-120"/>
+                <a:ea typeface="標楷體" pitchFamily="65" charset="-120"/>
+              </a:rPr>
+              <a:t>目錄</a:t>
+            </a:r>
+            <a:endParaRPr lang="zh-TW" altLang="en-US" dirty="0">
+              <a:latin typeface="標楷體" pitchFamily="65" charset="-120"/>
+              <a:ea typeface="標楷體" pitchFamily="65" charset="-120"/>
+            </a:endParaRPr>
           </a:p>
         </p:txBody>
       </p:sp>
@@ -7524,30 +7633,21 @@
             </a:pPr>
             <a:r>
               <a:rPr lang="zh-TW" altLang="en-US" sz="3600" dirty="0">
-                <a:latin typeface="標楷體" pitchFamily="65" charset="-120"/>
-                <a:ea typeface="標楷體" pitchFamily="65" charset="-120"/>
-              </a:rPr>
-              <a:t>軟體本身的周密</a:t>
+                <a:latin typeface="標楷體" panose="03000509000000000000" pitchFamily="65" charset="-120"/>
+                <a:ea typeface="標楷體" panose="03000509000000000000" pitchFamily="65" charset="-120"/>
+              </a:rPr>
+              <a:t>防禦性</a:t>
             </a:r>
             <a:r>
               <a:rPr lang="zh-TW" altLang="en-US" sz="3600" dirty="0" smtClean="0">
-                <a:latin typeface="標楷體" pitchFamily="65" charset="-120"/>
-                <a:ea typeface="標楷體" pitchFamily="65" charset="-120"/>
-              </a:rPr>
-              <a:t>程度</a:t>
-            </a:r>
-            <a:endParaRPr lang="en-US" altLang="zh-TW" sz="3600" dirty="0" smtClean="0">
-              <a:latin typeface="標楷體" pitchFamily="65" charset="-120"/>
-              <a:ea typeface="標楷體" pitchFamily="65" charset="-120"/>
-            </a:endParaRPr>
-          </a:p>
-          <a:p>
-            <a:pPr marL="0" indent="0">
-              <a:buNone/>
-            </a:pPr>
+                <a:latin typeface="標楷體" panose="03000509000000000000" pitchFamily="65" charset="-120"/>
+                <a:ea typeface="標楷體" panose="03000509000000000000" pitchFamily="65" charset="-120"/>
+              </a:rPr>
+              <a:t>程式設計的重點與核心</a:t>
+            </a:r>
             <a:endParaRPr lang="en-US" altLang="zh-TW" sz="3600" dirty="0">
-              <a:latin typeface="標楷體" pitchFamily="65" charset="-120"/>
-              <a:ea typeface="標楷體" pitchFamily="65" charset="-120"/>
+              <a:latin typeface="標楷體" panose="03000509000000000000" pitchFamily="65" charset="-120"/>
+              <a:ea typeface="標楷體" panose="03000509000000000000" pitchFamily="65" charset="-120"/>
             </a:endParaRPr>
           </a:p>
           <a:p>
@@ -7555,73 +7655,65 @@
               <a:buFont typeface="Wingdings" pitchFamily="2" charset="2"/>
               <a:buChar char="Ø"/>
             </a:pPr>
+            <a:endParaRPr lang="en-US" altLang="zh-TW" sz="3600" dirty="0" smtClean="0">
+              <a:latin typeface="標楷體" panose="03000509000000000000" pitchFamily="65" charset="-120"/>
+              <a:ea typeface="標楷體" panose="03000509000000000000" pitchFamily="65" charset="-120"/>
+            </a:endParaRPr>
+          </a:p>
+          <a:p>
+            <a:pPr>
+              <a:buFont typeface="Wingdings" pitchFamily="2" charset="2"/>
+              <a:buChar char="Ø"/>
+            </a:pPr>
+            <a:r>
+              <a:rPr lang="zh-TW" altLang="en-US" sz="3600" dirty="0">
+                <a:latin typeface="標楷體" panose="03000509000000000000" pitchFamily="65" charset="-120"/>
+                <a:ea typeface="標楷體" panose="03000509000000000000" pitchFamily="65" charset="-120"/>
+              </a:rPr>
+              <a:t>實</a:t>
+            </a:r>
             <a:r>
               <a:rPr lang="zh-TW" altLang="en-US" sz="3600" dirty="0" smtClean="0">
-                <a:latin typeface="標楷體" pitchFamily="65" charset="-120"/>
-                <a:ea typeface="標楷體" pitchFamily="65" charset="-120"/>
-              </a:rPr>
-              <a:t>撰寫</a:t>
-            </a:r>
-            <a:r>
-              <a:rPr lang="zh-TW" altLang="en-US" sz="3600" dirty="0">
-                <a:latin typeface="標楷體" pitchFamily="65" charset="-120"/>
-                <a:ea typeface="標楷體" pitchFamily="65" charset="-120"/>
-              </a:rPr>
-              <a:t>程式時考慮到各種不同的使用情況，並</a:t>
-            </a:r>
-            <a:r>
-              <a:rPr lang="zh-TW" altLang="en-US" sz="3600" dirty="0" smtClean="0">
-                <a:latin typeface="標楷體" pitchFamily="65" charset="-120"/>
-                <a:ea typeface="標楷體" pitchFamily="65" charset="-120"/>
-              </a:rPr>
-              <a:t>事先   加以</a:t>
-            </a:r>
-            <a:r>
-              <a:rPr lang="zh-TW" altLang="en-US" sz="3600" dirty="0">
-                <a:latin typeface="標楷體" pitchFamily="65" charset="-120"/>
-                <a:ea typeface="標楷體" pitchFamily="65" charset="-120"/>
-              </a:rPr>
-              <a:t>定義處理，避免使用時產生錯誤</a:t>
-            </a:r>
-            <a:r>
-              <a:rPr lang="zh-TW" altLang="en-US" sz="3600" dirty="0" smtClean="0">
-                <a:latin typeface="標楷體" pitchFamily="65" charset="-120"/>
-                <a:ea typeface="標楷體" pitchFamily="65" charset="-120"/>
-              </a:rPr>
-              <a:t>。</a:t>
+                <a:latin typeface="標楷體" panose="03000509000000000000" pitchFamily="65" charset="-120"/>
+                <a:ea typeface="標楷體" panose="03000509000000000000" pitchFamily="65" charset="-120"/>
+              </a:rPr>
+              <a:t>作</a:t>
             </a:r>
             <a:endParaRPr lang="en-US" altLang="zh-TW" sz="3600" dirty="0" smtClean="0">
-              <a:latin typeface="標楷體" pitchFamily="65" charset="-120"/>
-              <a:ea typeface="標楷體" pitchFamily="65" charset="-120"/>
+              <a:latin typeface="標楷體" panose="03000509000000000000" pitchFamily="65" charset="-120"/>
+              <a:ea typeface="標楷體" panose="03000509000000000000" pitchFamily="65" charset="-120"/>
             </a:endParaRPr>
           </a:p>
           <a:p>
-            <a:pPr marL="0" indent="0">
-              <a:buNone/>
+            <a:pPr>
+              <a:buFont typeface="Wingdings" pitchFamily="2" charset="2"/>
+              <a:buChar char="Ø"/>
             </a:pPr>
             <a:endParaRPr lang="en-US" altLang="zh-TW" sz="3600" dirty="0" smtClean="0">
-              <a:latin typeface="標楷體" pitchFamily="65" charset="-120"/>
-              <a:ea typeface="標楷體" pitchFamily="65" charset="-120"/>
+              <a:latin typeface="標楷體" panose="03000509000000000000" pitchFamily="65" charset="-120"/>
+              <a:ea typeface="標楷體" panose="03000509000000000000" pitchFamily="65" charset="-120"/>
             </a:endParaRPr>
           </a:p>
           <a:p>
-            <a:endParaRPr lang="en-US" altLang="zh-TW" sz="3600" dirty="0" smtClean="0">
-              <a:latin typeface="標楷體" pitchFamily="65" charset="-120"/>
-              <a:ea typeface="標楷體" pitchFamily="65" charset="-120"/>
-            </a:endParaRPr>
-          </a:p>
-          <a:p>
-            <a:endParaRPr lang="zh-TW" altLang="en-US" sz="3600" dirty="0">
-              <a:latin typeface="標楷體" pitchFamily="65" charset="-120"/>
-              <a:ea typeface="標楷體" pitchFamily="65" charset="-120"/>
-            </a:endParaRPr>
+            <a:pPr>
+              <a:buFont typeface="Wingdings" pitchFamily="2" charset="2"/>
+              <a:buChar char="Ø"/>
+            </a:pPr>
+            <a:r>
+              <a:rPr lang="zh-TW" altLang="en-US" sz="3600" dirty="0">
+                <a:latin typeface="標楷體" panose="03000509000000000000" pitchFamily="65" charset="-120"/>
+                <a:ea typeface="標楷體" panose="03000509000000000000" pitchFamily="65" charset="-120"/>
+              </a:rPr>
+              <a:t>心得</a:t>
+            </a:r>
+            <a:endParaRPr lang="zh-TW" altLang="en-US" sz="3600" dirty="0"/>
           </a:p>
         </p:txBody>
       </p:sp>
     </p:spTree>
     <p:extLst>
       <p:ext uri="{BB962C8B-B14F-4D97-AF65-F5344CB8AC3E}">
-        <p14:creationId xmlns:p14="http://schemas.microsoft.com/office/powerpoint/2010/main" val="3570373588"/>
+        <p14:creationId xmlns:p14="http://schemas.microsoft.com/office/powerpoint/2010/main" val="3033647065"/>
       </p:ext>
     </p:extLst>
   </p:cSld>
@@ -7632,6 +7724,1105 @@
 </file>
 
 <file path=ppt/slides/slide20.xml><?xml version="1.0" encoding="utf-8"?>
+<p:sld xmlns:a="http://schemas.openxmlformats.org/drawingml/2006/main" xmlns:r="http://schemas.openxmlformats.org/officeDocument/2006/relationships" xmlns:p="http://schemas.openxmlformats.org/presentationml/2006/main">
+  <p:cSld>
+    <p:bg>
+      <p:bgRef idx="1001">
+        <a:schemeClr val="bg1"/>
+      </p:bgRef>
+    </p:bg>
+    <p:spTree>
+      <p:nvGrpSpPr>
+        <p:cNvPr id="1" name=""/>
+        <p:cNvGrpSpPr/>
+        <p:nvPr/>
+      </p:nvGrpSpPr>
+      <p:grpSpPr>
+        <a:xfrm>
+          <a:off x="0" y="0"/>
+          <a:ext cx="0" cy="0"/>
+          <a:chOff x="0" y="0"/>
+          <a:chExt cx="0" cy="0"/>
+        </a:xfrm>
+      </p:grpSpPr>
+      <p:sp>
+        <p:nvSpPr>
+          <p:cNvPr id="2" name="標題 1"/>
+          <p:cNvSpPr>
+            <a:spLocks noGrp="1"/>
+          </p:cNvSpPr>
+          <p:nvPr>
+            <p:ph type="title"/>
+          </p:nvPr>
+        </p:nvSpPr>
+        <p:spPr>
+          <a:xfrm>
+            <a:off x="1097280" y="708455"/>
+            <a:ext cx="10058400" cy="814722"/>
+          </a:xfrm>
+        </p:spPr>
+        <p:txBody>
+          <a:bodyPr/>
+          <a:lstStyle/>
+          <a:p>
+            <a:pPr algn="ctr"/>
+            <a:r>
+              <a:rPr lang="zh-TW" altLang="en-US" dirty="0">
+                <a:latin typeface="標楷體" pitchFamily="65" charset="-120"/>
+                <a:ea typeface="標楷體" pitchFamily="65" charset="-120"/>
+              </a:rPr>
+              <a:t>心得</a:t>
+            </a:r>
+          </a:p>
+        </p:txBody>
+      </p:sp>
+      <p:sp>
+        <p:nvSpPr>
+          <p:cNvPr id="4" name="矩形 3"/>
+          <p:cNvSpPr/>
+          <p:nvPr/>
+        </p:nvSpPr>
+        <p:spPr>
+          <a:xfrm>
+            <a:off x="979758" y="2055604"/>
+            <a:ext cx="9363649" cy="4524315"/>
+          </a:xfrm>
+          <a:prstGeom prst="rect">
+            <a:avLst/>
+          </a:prstGeom>
+        </p:spPr>
+        <p:txBody>
+          <a:bodyPr wrap="square">
+            <a:spAutoFit/>
+          </a:bodyPr>
+          <a:lstStyle/>
+          <a:p>
+            <a:r>
+              <a:rPr lang="zh-TW" altLang="en-US" sz="2400" dirty="0" smtClean="0">
+                <a:latin typeface="標楷體" pitchFamily="65" charset="-120"/>
+                <a:ea typeface="標楷體" pitchFamily="65" charset="-120"/>
+              </a:rPr>
+              <a:t>了解後</a:t>
+            </a:r>
+            <a:r>
+              <a:rPr lang="en-US" altLang="zh-TW" sz="2400" dirty="0" smtClean="0">
+                <a:latin typeface="標楷體" pitchFamily="65" charset="-120"/>
+                <a:ea typeface="標楷體" pitchFamily="65" charset="-120"/>
+              </a:rPr>
+              <a:t>……</a:t>
+            </a:r>
+          </a:p>
+          <a:p>
+            <a:endParaRPr lang="en-US" altLang="zh-TW" sz="2400" dirty="0">
+              <a:latin typeface="標楷體" pitchFamily="65" charset="-120"/>
+              <a:ea typeface="標楷體" pitchFamily="65" charset="-120"/>
+            </a:endParaRPr>
+          </a:p>
+          <a:p>
+            <a:pPr marL="285750" indent="-285750">
+              <a:buFont typeface="Wingdings" pitchFamily="2" charset="2"/>
+              <a:buChar char="Ø"/>
+            </a:pPr>
+            <a:r>
+              <a:rPr lang="zh-TW" altLang="en-US" sz="2400" dirty="0">
+                <a:latin typeface="標楷體" pitchFamily="65" charset="-120"/>
+                <a:ea typeface="標楷體" pitchFamily="65" charset="-120"/>
+              </a:rPr>
+              <a:t>修正自己寫程式的心態與思維</a:t>
+            </a:r>
+            <a:endParaRPr lang="en-US" altLang="zh-TW" sz="2400" dirty="0">
+              <a:latin typeface="標楷體" pitchFamily="65" charset="-120"/>
+              <a:ea typeface="標楷體" pitchFamily="65" charset="-120"/>
+            </a:endParaRPr>
+          </a:p>
+          <a:p>
+            <a:endParaRPr lang="en-US" altLang="zh-TW" sz="2400" dirty="0">
+              <a:latin typeface="標楷體" pitchFamily="65" charset="-120"/>
+              <a:ea typeface="標楷體" pitchFamily="65" charset="-120"/>
+            </a:endParaRPr>
+          </a:p>
+          <a:p>
+            <a:r>
+              <a:rPr lang="en-US" altLang="zh-TW" sz="2400" dirty="0" smtClean="0">
+                <a:latin typeface="標楷體" pitchFamily="65" charset="-120"/>
+                <a:ea typeface="標楷體" pitchFamily="65" charset="-120"/>
+              </a:rPr>
+              <a:t>----</a:t>
+            </a:r>
+            <a:r>
+              <a:rPr lang="zh-TW" altLang="en-US" sz="2400" dirty="0">
+                <a:latin typeface="標楷體" pitchFamily="65" charset="-120"/>
+                <a:ea typeface="標楷體" pitchFamily="65" charset="-120"/>
+              </a:rPr>
+              <a:t>掌握防禦性程式設計技巧</a:t>
+            </a:r>
+            <a:r>
+              <a:rPr lang="zh-TW" altLang="en-US" sz="2400" dirty="0" smtClean="0">
+                <a:latin typeface="標楷體" pitchFamily="65" charset="-120"/>
+                <a:ea typeface="標楷體" pitchFamily="65" charset="-120"/>
+              </a:rPr>
+              <a:t>原則</a:t>
+            </a:r>
+            <a:endParaRPr lang="en-US" altLang="zh-TW" sz="2400" dirty="0" smtClean="0">
+              <a:latin typeface="標楷體" pitchFamily="65" charset="-120"/>
+              <a:ea typeface="標楷體" pitchFamily="65" charset="-120"/>
+            </a:endParaRPr>
+          </a:p>
+          <a:p>
+            <a:r>
+              <a:rPr lang="en-US" altLang="zh-TW" sz="2400" dirty="0" smtClean="0">
+                <a:latin typeface="標楷體" pitchFamily="65" charset="-120"/>
+                <a:ea typeface="標楷體" pitchFamily="65" charset="-120"/>
+              </a:rPr>
+              <a:t>	</a:t>
+            </a:r>
+            <a:endParaRPr lang="en-US" altLang="zh-TW" sz="2400" dirty="0" smtClean="0">
+              <a:latin typeface="Times New Roman" pitchFamily="18" charset="0"/>
+              <a:ea typeface="標楷體" pitchFamily="65" charset="-120"/>
+              <a:cs typeface="Times New Roman" pitchFamily="18" charset="0"/>
+            </a:endParaRPr>
+          </a:p>
+          <a:p>
+            <a:r>
+              <a:rPr lang="en-US" altLang="zh-TW" sz="2400" dirty="0">
+                <a:latin typeface="Times New Roman" pitchFamily="18" charset="0"/>
+                <a:ea typeface="標楷體" pitchFamily="65" charset="-120"/>
+                <a:cs typeface="Times New Roman" pitchFamily="18" charset="0"/>
+              </a:rPr>
+              <a:t>	</a:t>
+            </a:r>
+            <a:r>
+              <a:rPr lang="zh-TW" altLang="en-US" sz="2400" dirty="0" smtClean="0">
+                <a:latin typeface="Times New Roman" pitchFamily="18" charset="0"/>
+                <a:ea typeface="標楷體" pitchFamily="65" charset="-120"/>
+                <a:cs typeface="Times New Roman" pitchFamily="18" charset="0"/>
+              </a:rPr>
+              <a:t>先做</a:t>
+            </a:r>
+            <a:r>
+              <a:rPr lang="en-US" altLang="zh-TW" sz="2400" dirty="0">
+                <a:latin typeface="Times New Roman" pitchFamily="18" charset="0"/>
+                <a:ea typeface="標楷體" pitchFamily="65" charset="-120"/>
+                <a:cs typeface="Times New Roman" pitchFamily="18" charset="0"/>
+              </a:rPr>
+              <a:t>Type Hint </a:t>
+            </a:r>
+            <a:r>
+              <a:rPr lang="zh-TW" altLang="en-US" sz="2400" dirty="0">
+                <a:latin typeface="Times New Roman" pitchFamily="18" charset="0"/>
+                <a:ea typeface="標楷體" pitchFamily="65" charset="-120"/>
+                <a:cs typeface="Times New Roman" pitchFamily="18" charset="0"/>
+              </a:rPr>
+              <a:t>類別</a:t>
+            </a:r>
+            <a:r>
+              <a:rPr lang="zh-TW" altLang="en-US" sz="2400" dirty="0" smtClean="0">
+                <a:latin typeface="Times New Roman" pitchFamily="18" charset="0"/>
+                <a:ea typeface="標楷體" pitchFamily="65" charset="-120"/>
+                <a:cs typeface="Times New Roman" pitchFamily="18" charset="0"/>
+              </a:rPr>
+              <a:t>檢查</a:t>
+            </a:r>
+            <a:endParaRPr lang="en-US" altLang="zh-TW" sz="2400" dirty="0" smtClean="0">
+              <a:latin typeface="Times New Roman" pitchFamily="18" charset="0"/>
+              <a:ea typeface="標楷體" pitchFamily="65" charset="-120"/>
+              <a:cs typeface="Times New Roman" pitchFamily="18" charset="0"/>
+            </a:endParaRPr>
+          </a:p>
+          <a:p>
+            <a:endParaRPr lang="en-US" altLang="zh-TW" sz="2400" dirty="0" smtClean="0">
+              <a:latin typeface="Times New Roman" pitchFamily="18" charset="0"/>
+              <a:ea typeface="標楷體" pitchFamily="65" charset="-120"/>
+              <a:cs typeface="Times New Roman" pitchFamily="18" charset="0"/>
+            </a:endParaRPr>
+          </a:p>
+          <a:p>
+            <a:r>
+              <a:rPr lang="en-US" altLang="zh-TW" sz="2400" dirty="0">
+                <a:latin typeface="Times New Roman" pitchFamily="18" charset="0"/>
+                <a:ea typeface="標楷體" pitchFamily="65" charset="-120"/>
+                <a:cs typeface="Times New Roman" pitchFamily="18" charset="0"/>
+              </a:rPr>
+              <a:t>	</a:t>
+            </a:r>
+            <a:r>
+              <a:rPr lang="zh-TW" altLang="en-US" sz="2400" dirty="0">
+                <a:latin typeface="Times New Roman" pitchFamily="18" charset="0"/>
+                <a:ea typeface="標楷體" pitchFamily="65" charset="-120"/>
+                <a:cs typeface="Times New Roman" pitchFamily="18" charset="0"/>
+              </a:rPr>
+              <a:t>內部檢查</a:t>
+            </a:r>
+          </a:p>
+          <a:p>
+            <a:endParaRPr lang="en-US" altLang="zh-TW" sz="2400" dirty="0">
+              <a:latin typeface="標楷體" pitchFamily="65" charset="-120"/>
+              <a:ea typeface="標楷體" pitchFamily="65" charset="-120"/>
+            </a:endParaRPr>
+          </a:p>
+          <a:p>
+            <a:endParaRPr lang="en-US" altLang="zh-TW" sz="2400" dirty="0" smtClean="0">
+              <a:latin typeface="標楷體" pitchFamily="65" charset="-120"/>
+              <a:ea typeface="標楷體" pitchFamily="65" charset="-120"/>
+            </a:endParaRPr>
+          </a:p>
+          <a:p>
+            <a:pPr marL="285750" indent="-285750">
+              <a:buFont typeface="Wingdings" pitchFamily="2" charset="2"/>
+              <a:buChar char="Ø"/>
+            </a:pPr>
+            <a:endParaRPr lang="en-US" altLang="zh-TW" sz="2400" dirty="0">
+              <a:latin typeface="標楷體" pitchFamily="65" charset="-120"/>
+              <a:ea typeface="標楷體" pitchFamily="65" charset="-120"/>
+            </a:endParaRPr>
+          </a:p>
+        </p:txBody>
+      </p:sp>
+    </p:spTree>
+    <p:extLst>
+      <p:ext uri="{BB962C8B-B14F-4D97-AF65-F5344CB8AC3E}">
+        <p14:creationId xmlns:p14="http://schemas.microsoft.com/office/powerpoint/2010/main" val="2938766851"/>
+      </p:ext>
+    </p:extLst>
+  </p:cSld>
+  <p:clrMapOvr>
+    <a:overrideClrMapping bg1="lt1" tx1="dk1" bg2="lt2" tx2="dk2" accent1="accent1" accent2="accent2" accent3="accent3" accent4="accent4" accent5="accent5" accent6="accent6" hlink="hlink" folHlink="folHlink"/>
+  </p:clrMapOvr>
+  <p:timing>
+    <p:tnLst>
+      <p:par>
+        <p:cTn id="1" dur="indefinite" restart="never" nodeType="tmRoot"/>
+      </p:par>
+    </p:tnLst>
+  </p:timing>
+</p:sld>
+</file>
+
+<file path=ppt/slides/slide21.xml><?xml version="1.0" encoding="utf-8"?>
+<p:sld xmlns:a="http://schemas.openxmlformats.org/drawingml/2006/main" xmlns:r="http://schemas.openxmlformats.org/officeDocument/2006/relationships" xmlns:p="http://schemas.openxmlformats.org/presentationml/2006/main">
+  <p:cSld>
+    <p:bg>
+      <p:bgRef idx="1001">
+        <a:schemeClr val="bg1"/>
+      </p:bgRef>
+    </p:bg>
+    <p:spTree>
+      <p:nvGrpSpPr>
+        <p:cNvPr id="1" name=""/>
+        <p:cNvGrpSpPr/>
+        <p:nvPr/>
+      </p:nvGrpSpPr>
+      <p:grpSpPr>
+        <a:xfrm>
+          <a:off x="0" y="0"/>
+          <a:ext cx="0" cy="0"/>
+          <a:chOff x="0" y="0"/>
+          <a:chExt cx="0" cy="0"/>
+        </a:xfrm>
+      </p:grpSpPr>
+      <p:sp>
+        <p:nvSpPr>
+          <p:cNvPr id="2" name="標題 1"/>
+          <p:cNvSpPr>
+            <a:spLocks noGrp="1"/>
+          </p:cNvSpPr>
+          <p:nvPr>
+            <p:ph type="title"/>
+          </p:nvPr>
+        </p:nvSpPr>
+        <p:spPr>
+          <a:xfrm>
+            <a:off x="1097280" y="708455"/>
+            <a:ext cx="10058400" cy="814722"/>
+          </a:xfrm>
+        </p:spPr>
+        <p:txBody>
+          <a:bodyPr/>
+          <a:lstStyle/>
+          <a:p>
+            <a:pPr algn="ctr"/>
+            <a:r>
+              <a:rPr lang="zh-TW" altLang="en-US" dirty="0">
+                <a:latin typeface="標楷體" pitchFamily="65" charset="-120"/>
+                <a:ea typeface="標楷體" pitchFamily="65" charset="-120"/>
+              </a:rPr>
+              <a:t>心得</a:t>
+            </a:r>
+          </a:p>
+        </p:txBody>
+      </p:sp>
+      <p:sp>
+        <p:nvSpPr>
+          <p:cNvPr id="4" name="矩形 3"/>
+          <p:cNvSpPr/>
+          <p:nvPr/>
+        </p:nvSpPr>
+        <p:spPr>
+          <a:xfrm>
+            <a:off x="979758" y="2055604"/>
+            <a:ext cx="9363649" cy="3046988"/>
+          </a:xfrm>
+          <a:prstGeom prst="rect">
+            <a:avLst/>
+          </a:prstGeom>
+        </p:spPr>
+        <p:txBody>
+          <a:bodyPr wrap="square">
+            <a:spAutoFit/>
+          </a:bodyPr>
+          <a:lstStyle/>
+          <a:p>
+            <a:r>
+              <a:rPr lang="zh-TW" altLang="en-US" sz="2400" dirty="0" smtClean="0">
+                <a:latin typeface="標楷體" pitchFamily="65" charset="-120"/>
+                <a:ea typeface="標楷體" pitchFamily="65" charset="-120"/>
+              </a:rPr>
+              <a:t>了解後</a:t>
+            </a:r>
+            <a:r>
+              <a:rPr lang="en-US" altLang="zh-TW" sz="2400" dirty="0" smtClean="0">
+                <a:latin typeface="標楷體" pitchFamily="65" charset="-120"/>
+                <a:ea typeface="標楷體" pitchFamily="65" charset="-120"/>
+              </a:rPr>
+              <a:t>……</a:t>
+            </a:r>
+          </a:p>
+          <a:p>
+            <a:endParaRPr lang="en-US" altLang="zh-TW" sz="2400" dirty="0">
+              <a:latin typeface="標楷體" pitchFamily="65" charset="-120"/>
+              <a:ea typeface="標楷體" pitchFamily="65" charset="-120"/>
+            </a:endParaRPr>
+          </a:p>
+          <a:p>
+            <a:pPr marL="285750" indent="-285750">
+              <a:buFont typeface="Wingdings" pitchFamily="2" charset="2"/>
+              <a:buChar char="Ø"/>
+            </a:pPr>
+            <a:r>
+              <a:rPr lang="zh-TW" altLang="en-US" sz="2400" dirty="0">
+                <a:latin typeface="標楷體" pitchFamily="65" charset="-120"/>
+                <a:ea typeface="標楷體" pitchFamily="65" charset="-120"/>
+              </a:rPr>
+              <a:t>修正自己寫程式的心態與思維</a:t>
+            </a:r>
+            <a:endParaRPr lang="en-US" altLang="zh-TW" sz="2400" dirty="0">
+              <a:latin typeface="標楷體" pitchFamily="65" charset="-120"/>
+              <a:ea typeface="標楷體" pitchFamily="65" charset="-120"/>
+            </a:endParaRPr>
+          </a:p>
+          <a:p>
+            <a:endParaRPr lang="en-US" altLang="zh-TW" sz="2400" dirty="0">
+              <a:latin typeface="標楷體" pitchFamily="65" charset="-120"/>
+              <a:ea typeface="標楷體" pitchFamily="65" charset="-120"/>
+            </a:endParaRPr>
+          </a:p>
+          <a:p>
+            <a:r>
+              <a:rPr lang="en-US" altLang="zh-TW" sz="2400" dirty="0" smtClean="0">
+                <a:latin typeface="標楷體" pitchFamily="65" charset="-120"/>
+                <a:ea typeface="標楷體" pitchFamily="65" charset="-120"/>
+              </a:rPr>
+              <a:t>----</a:t>
+            </a:r>
+            <a:r>
+              <a:rPr lang="zh-TW" altLang="en-US" sz="2400" dirty="0" smtClean="0">
+                <a:latin typeface="標楷體" pitchFamily="65" charset="-120"/>
+                <a:ea typeface="標楷體" pitchFamily="65" charset="-120"/>
+              </a:rPr>
+              <a:t>學到盡量避免使用</a:t>
+            </a:r>
+            <a:r>
+              <a:rPr lang="en-US" altLang="zh-TW" sz="2400" dirty="0" smtClean="0">
+                <a:latin typeface="標楷體" pitchFamily="65" charset="-120"/>
+                <a:ea typeface="標楷體" pitchFamily="65" charset="-120"/>
+              </a:rPr>
+              <a:t>if…else </a:t>
+            </a:r>
+            <a:r>
+              <a:rPr lang="zh-TW" altLang="en-US" sz="2400" dirty="0" smtClean="0">
+                <a:latin typeface="標楷體" pitchFamily="65" charset="-120"/>
+                <a:ea typeface="標楷體" pitchFamily="65" charset="-120"/>
+              </a:rPr>
+              <a:t>句子</a:t>
+            </a:r>
+            <a:endParaRPr lang="en-US" altLang="zh-TW" sz="2400" dirty="0" smtClean="0">
+              <a:latin typeface="標楷體" pitchFamily="65" charset="-120"/>
+              <a:ea typeface="標楷體" pitchFamily="65" charset="-120"/>
+            </a:endParaRPr>
+          </a:p>
+          <a:p>
+            <a:endParaRPr lang="en-US" altLang="zh-TW" sz="2400" dirty="0">
+              <a:latin typeface="標楷體" pitchFamily="65" charset="-120"/>
+              <a:ea typeface="標楷體" pitchFamily="65" charset="-120"/>
+            </a:endParaRPr>
+          </a:p>
+          <a:p>
+            <a:endParaRPr lang="en-US" altLang="zh-TW" sz="2400" dirty="0" smtClean="0">
+              <a:latin typeface="標楷體" pitchFamily="65" charset="-120"/>
+              <a:ea typeface="標楷體" pitchFamily="65" charset="-120"/>
+            </a:endParaRPr>
+          </a:p>
+          <a:p>
+            <a:r>
+              <a:rPr lang="en-US" altLang="zh-TW" sz="2400" dirty="0" smtClean="0">
+                <a:latin typeface="標楷體" pitchFamily="65" charset="-120"/>
+                <a:ea typeface="標楷體" pitchFamily="65" charset="-120"/>
+              </a:rPr>
+              <a:t>----</a:t>
+            </a:r>
+            <a:r>
+              <a:rPr lang="zh-TW" altLang="en-US" sz="2400" dirty="0" smtClean="0">
+                <a:latin typeface="標楷體" pitchFamily="65" charset="-120"/>
+                <a:ea typeface="標楷體" pitchFamily="65" charset="-120"/>
+              </a:rPr>
+              <a:t>善用</a:t>
+            </a:r>
+            <a:r>
+              <a:rPr lang="en-US" altLang="zh-TW" sz="2400" dirty="0" smtClean="0">
+                <a:latin typeface="標楷體" pitchFamily="65" charset="-120"/>
+                <a:ea typeface="標楷體" pitchFamily="65" charset="-120"/>
+              </a:rPr>
+              <a:t>try catch </a:t>
+            </a:r>
+            <a:r>
+              <a:rPr lang="zh-TW" altLang="en-US" sz="2400" dirty="0" smtClean="0">
+                <a:latin typeface="標楷體" pitchFamily="65" charset="-120"/>
+                <a:ea typeface="標楷體" pitchFamily="65" charset="-120"/>
+              </a:rPr>
+              <a:t>捕抓錯誤</a:t>
+            </a:r>
+            <a:endParaRPr lang="en-US" altLang="zh-TW" sz="2400" dirty="0" smtClean="0">
+              <a:latin typeface="標楷體" pitchFamily="65" charset="-120"/>
+              <a:ea typeface="標楷體" pitchFamily="65" charset="-120"/>
+            </a:endParaRPr>
+          </a:p>
+        </p:txBody>
+      </p:sp>
+    </p:spTree>
+    <p:extLst>
+      <p:ext uri="{BB962C8B-B14F-4D97-AF65-F5344CB8AC3E}">
+        <p14:creationId xmlns:p14="http://schemas.microsoft.com/office/powerpoint/2010/main" val="353860904"/>
+      </p:ext>
+    </p:extLst>
+  </p:cSld>
+  <p:clrMapOvr>
+    <a:overrideClrMapping bg1="lt1" tx1="dk1" bg2="lt2" tx2="dk2" accent1="accent1" accent2="accent2" accent3="accent3" accent4="accent4" accent5="accent5" accent6="accent6" hlink="hlink" folHlink="folHlink"/>
+  </p:clrMapOvr>
+  <p:timing>
+    <p:tnLst>
+      <p:par>
+        <p:cTn id="1" dur="indefinite" restart="never" nodeType="tmRoot"/>
+      </p:par>
+    </p:tnLst>
+  </p:timing>
+</p:sld>
+</file>
+
+<file path=ppt/slides/slide22.xml><?xml version="1.0" encoding="utf-8"?>
+<p:sld xmlns:a="http://schemas.openxmlformats.org/drawingml/2006/main" xmlns:r="http://schemas.openxmlformats.org/officeDocument/2006/relationships" xmlns:p="http://schemas.openxmlformats.org/presentationml/2006/main">
+  <p:cSld>
+    <p:bg>
+      <p:bgRef idx="1001">
+        <a:schemeClr val="bg1"/>
+      </p:bgRef>
+    </p:bg>
+    <p:spTree>
+      <p:nvGrpSpPr>
+        <p:cNvPr id="1" name=""/>
+        <p:cNvGrpSpPr/>
+        <p:nvPr/>
+      </p:nvGrpSpPr>
+      <p:grpSpPr>
+        <a:xfrm>
+          <a:off x="0" y="0"/>
+          <a:ext cx="0" cy="0"/>
+          <a:chOff x="0" y="0"/>
+          <a:chExt cx="0" cy="0"/>
+        </a:xfrm>
+      </p:grpSpPr>
+      <p:sp>
+        <p:nvSpPr>
+          <p:cNvPr id="2" name="標題 1"/>
+          <p:cNvSpPr>
+            <a:spLocks noGrp="1"/>
+          </p:cNvSpPr>
+          <p:nvPr>
+            <p:ph type="title"/>
+          </p:nvPr>
+        </p:nvSpPr>
+        <p:spPr>
+          <a:xfrm>
+            <a:off x="1097280" y="708455"/>
+            <a:ext cx="10058400" cy="814722"/>
+          </a:xfrm>
+        </p:spPr>
+        <p:txBody>
+          <a:bodyPr/>
+          <a:lstStyle/>
+          <a:p>
+            <a:pPr algn="ctr"/>
+            <a:r>
+              <a:rPr lang="zh-TW" altLang="en-US" dirty="0">
+                <a:latin typeface="標楷體" pitchFamily="65" charset="-120"/>
+                <a:ea typeface="標楷體" pitchFamily="65" charset="-120"/>
+              </a:rPr>
+              <a:t>心得</a:t>
+            </a:r>
+          </a:p>
+        </p:txBody>
+      </p:sp>
+      <p:sp>
+        <p:nvSpPr>
+          <p:cNvPr id="4" name="矩形 3"/>
+          <p:cNvSpPr/>
+          <p:nvPr/>
+        </p:nvSpPr>
+        <p:spPr>
+          <a:xfrm>
+            <a:off x="979758" y="2055603"/>
+            <a:ext cx="10444304" cy="3416320"/>
+          </a:xfrm>
+          <a:prstGeom prst="rect">
+            <a:avLst/>
+          </a:prstGeom>
+        </p:spPr>
+        <p:txBody>
+          <a:bodyPr wrap="square">
+            <a:spAutoFit/>
+          </a:bodyPr>
+          <a:lstStyle/>
+          <a:p>
+            <a:r>
+              <a:rPr lang="zh-TW" altLang="en-US" sz="2400" dirty="0" smtClean="0">
+                <a:latin typeface="標楷體" pitchFamily="65" charset="-120"/>
+                <a:ea typeface="標楷體" pitchFamily="65" charset="-120"/>
+              </a:rPr>
+              <a:t>了解後</a:t>
+            </a:r>
+            <a:r>
+              <a:rPr lang="en-US" altLang="zh-TW" sz="2400" dirty="0" smtClean="0">
+                <a:latin typeface="標楷體" pitchFamily="65" charset="-120"/>
+                <a:ea typeface="標楷體" pitchFamily="65" charset="-120"/>
+              </a:rPr>
+              <a:t>……</a:t>
+            </a:r>
+          </a:p>
+          <a:p>
+            <a:endParaRPr lang="en-US" altLang="zh-TW" sz="2400" dirty="0">
+              <a:latin typeface="標楷體" pitchFamily="65" charset="-120"/>
+              <a:ea typeface="標楷體" pitchFamily="65" charset="-120"/>
+            </a:endParaRPr>
+          </a:p>
+          <a:p>
+            <a:pPr marL="285750" indent="-285750">
+              <a:buFont typeface="Wingdings" pitchFamily="2" charset="2"/>
+              <a:buChar char="Ø"/>
+            </a:pPr>
+            <a:r>
+              <a:rPr lang="zh-TW" altLang="en-US" sz="2400" dirty="0" smtClean="0">
+                <a:latin typeface="標楷體" pitchFamily="65" charset="-120"/>
+                <a:ea typeface="標楷體" pitchFamily="65" charset="-120"/>
+              </a:rPr>
+              <a:t>總結</a:t>
+            </a:r>
+            <a:endParaRPr lang="en-US" altLang="zh-TW" sz="2400" dirty="0" smtClean="0">
+              <a:latin typeface="標楷體" pitchFamily="65" charset="-120"/>
+              <a:ea typeface="標楷體" pitchFamily="65" charset="-120"/>
+            </a:endParaRPr>
+          </a:p>
+          <a:p>
+            <a:r>
+              <a:rPr lang="en-US" altLang="zh-TW" sz="2400" dirty="0" smtClean="0">
+                <a:latin typeface="標楷體" pitchFamily="65" charset="-120"/>
+                <a:ea typeface="標楷體" pitchFamily="65" charset="-120"/>
+              </a:rPr>
+              <a:t>	</a:t>
+            </a:r>
+            <a:r>
+              <a:rPr lang="zh-TW" altLang="en-US" sz="2400" dirty="0" smtClean="0">
+                <a:latin typeface="標楷體" pitchFamily="65" charset="-120"/>
+                <a:ea typeface="標楷體" pitchFamily="65" charset="-120"/>
+              </a:rPr>
+              <a:t>支持派</a:t>
+            </a:r>
+            <a:endParaRPr lang="en-US" altLang="zh-TW" sz="2400" dirty="0" smtClean="0">
+              <a:latin typeface="標楷體" pitchFamily="65" charset="-120"/>
+              <a:ea typeface="標楷體" pitchFamily="65" charset="-120"/>
+            </a:endParaRPr>
+          </a:p>
+          <a:p>
+            <a:r>
+              <a:rPr lang="en-US" altLang="zh-TW" sz="2400" dirty="0" smtClean="0">
+                <a:latin typeface="標楷體" pitchFamily="65" charset="-120"/>
+                <a:ea typeface="標楷體" pitchFamily="65" charset="-120"/>
+              </a:rPr>
+              <a:t>----</a:t>
+            </a:r>
+            <a:r>
+              <a:rPr lang="zh-TW" altLang="en-US" sz="2400" dirty="0" smtClean="0">
+                <a:latin typeface="標楷體" pitchFamily="65" charset="-120"/>
+                <a:ea typeface="標楷體" pitchFamily="65" charset="-120"/>
+              </a:rPr>
+              <a:t>  防禦</a:t>
+            </a:r>
+            <a:r>
+              <a:rPr lang="zh-TW" altLang="en-US" sz="2400" dirty="0">
+                <a:latin typeface="標楷體" pitchFamily="65" charset="-120"/>
+                <a:ea typeface="標楷體" pitchFamily="65" charset="-120"/>
+              </a:rPr>
+              <a:t>性程式設計有助於程式的安全性，可以防範諸如此類惡意的濫用</a:t>
+            </a:r>
+            <a:r>
+              <a:rPr lang="zh-TW" altLang="en-US" sz="2400" dirty="0" smtClean="0">
+                <a:latin typeface="標楷體" pitchFamily="65" charset="-120"/>
+                <a:ea typeface="標楷體" pitchFamily="65" charset="-120"/>
+              </a:rPr>
+              <a:t>。</a:t>
+            </a:r>
+            <a:r>
+              <a:rPr lang="en-US" altLang="zh-TW" sz="2400" dirty="0" smtClean="0">
+                <a:latin typeface="標楷體" pitchFamily="65" charset="-120"/>
+                <a:ea typeface="標楷體" pitchFamily="65" charset="-120"/>
+              </a:rPr>
+              <a:t>	</a:t>
+            </a:r>
+            <a:r>
+              <a:rPr lang="zh-TW" altLang="en-US" sz="2400" dirty="0" smtClean="0">
+                <a:latin typeface="標楷體" pitchFamily="65" charset="-120"/>
+                <a:ea typeface="標楷體" pitchFamily="65" charset="-120"/>
+              </a:rPr>
+              <a:t>駭客</a:t>
+            </a:r>
+            <a:r>
+              <a:rPr lang="zh-TW" altLang="en-US" sz="2400" dirty="0">
+                <a:latin typeface="標楷體" pitchFamily="65" charset="-120"/>
+                <a:ea typeface="標楷體" pitchFamily="65" charset="-120"/>
+              </a:rPr>
+              <a:t>和病毒製造者常常會利用那些不嚴謹的代碼，以控制某個應用</a:t>
+            </a:r>
+            <a:r>
+              <a:rPr lang="zh-TW" altLang="en-US" sz="2400" dirty="0" smtClean="0">
+                <a:latin typeface="標楷體" pitchFamily="65" charset="-120"/>
+                <a:ea typeface="標楷體" pitchFamily="65" charset="-120"/>
+              </a:rPr>
+              <a:t>程</a:t>
+            </a:r>
+            <a:r>
+              <a:rPr lang="en-US" altLang="zh-TW" sz="2400" dirty="0" smtClean="0">
+                <a:latin typeface="標楷體" pitchFamily="65" charset="-120"/>
+                <a:ea typeface="標楷體" pitchFamily="65" charset="-120"/>
+              </a:rPr>
+              <a:t>	</a:t>
+            </a:r>
+            <a:r>
+              <a:rPr lang="zh-TW" altLang="en-US" sz="2400" dirty="0" smtClean="0">
+                <a:latin typeface="標楷體" pitchFamily="65" charset="-120"/>
+                <a:ea typeface="標楷體" pitchFamily="65" charset="-120"/>
+              </a:rPr>
+              <a:t>式</a:t>
+            </a:r>
+            <a:r>
+              <a:rPr lang="zh-TW" altLang="en-US" sz="2400" dirty="0">
+                <a:latin typeface="標楷體" pitchFamily="65" charset="-120"/>
+                <a:ea typeface="標楷體" pitchFamily="65" charset="-120"/>
+              </a:rPr>
+              <a:t>，然後實施他們蓄意的破壞計畫</a:t>
+            </a:r>
+            <a:r>
+              <a:rPr lang="zh-TW" altLang="en-US" sz="2400" dirty="0" smtClean="0">
+                <a:latin typeface="標楷體" pitchFamily="65" charset="-120"/>
+                <a:ea typeface="標楷體" pitchFamily="65" charset="-120"/>
+              </a:rPr>
+              <a:t>。</a:t>
+            </a:r>
+            <a:endParaRPr lang="en-US" altLang="zh-TW" sz="2400" dirty="0" smtClean="0">
+              <a:latin typeface="標楷體" pitchFamily="65" charset="-120"/>
+              <a:ea typeface="標楷體" pitchFamily="65" charset="-120"/>
+            </a:endParaRPr>
+          </a:p>
+          <a:p>
+            <a:endParaRPr lang="en-US" altLang="zh-TW" sz="2400" dirty="0" smtClean="0">
+              <a:latin typeface="標楷體" pitchFamily="65" charset="-120"/>
+              <a:ea typeface="標楷體" pitchFamily="65" charset="-120"/>
+            </a:endParaRPr>
+          </a:p>
+          <a:p>
+            <a:r>
+              <a:rPr lang="en-US" altLang="zh-TW" sz="2400" dirty="0">
+                <a:latin typeface="標楷體" pitchFamily="65" charset="-120"/>
+                <a:ea typeface="標楷體" pitchFamily="65" charset="-120"/>
+              </a:rPr>
+              <a:t>	</a:t>
+            </a:r>
+            <a:r>
+              <a:rPr lang="en-US" altLang="zh-TW" sz="2400" dirty="0" smtClean="0">
+                <a:latin typeface="標楷體" pitchFamily="65" charset="-120"/>
+                <a:ea typeface="標楷體" pitchFamily="65" charset="-120"/>
+              </a:rPr>
+              <a:t>	…………</a:t>
+            </a:r>
+            <a:r>
+              <a:rPr lang="zh-TW" altLang="en-US" sz="2400" b="1" dirty="0">
+                <a:solidFill>
+                  <a:srgbClr val="FF0000"/>
+                </a:solidFill>
+                <a:latin typeface="標楷體" pitchFamily="65" charset="-120"/>
+                <a:ea typeface="標楷體" pitchFamily="65" charset="-120"/>
+              </a:rPr>
+              <a:t>生產效率、金錢和個人隱私</a:t>
+            </a:r>
+            <a:endParaRPr lang="en-US" altLang="zh-TW" sz="2400" b="1" dirty="0" smtClean="0">
+              <a:solidFill>
+                <a:srgbClr val="FF0000"/>
+              </a:solidFill>
+              <a:latin typeface="標楷體" pitchFamily="65" charset="-120"/>
+              <a:ea typeface="標楷體" pitchFamily="65" charset="-120"/>
+            </a:endParaRPr>
+          </a:p>
+        </p:txBody>
+      </p:sp>
+    </p:spTree>
+    <p:extLst>
+      <p:ext uri="{BB962C8B-B14F-4D97-AF65-F5344CB8AC3E}">
+        <p14:creationId xmlns:p14="http://schemas.microsoft.com/office/powerpoint/2010/main" val="1214777004"/>
+      </p:ext>
+    </p:extLst>
+  </p:cSld>
+  <p:clrMapOvr>
+    <a:overrideClrMapping bg1="lt1" tx1="dk1" bg2="lt2" tx2="dk2" accent1="accent1" accent2="accent2" accent3="accent3" accent4="accent4" accent5="accent5" accent6="accent6" hlink="hlink" folHlink="folHlink"/>
+  </p:clrMapOvr>
+  <p:timing>
+    <p:tnLst>
+      <p:par>
+        <p:cTn id="1" dur="indefinite" restart="never" nodeType="tmRoot"/>
+      </p:par>
+    </p:tnLst>
+  </p:timing>
+</p:sld>
+</file>
+
+<file path=ppt/slides/slide23.xml><?xml version="1.0" encoding="utf-8"?>
+<p:sld xmlns:a="http://schemas.openxmlformats.org/drawingml/2006/main" xmlns:r="http://schemas.openxmlformats.org/officeDocument/2006/relationships" xmlns:p="http://schemas.openxmlformats.org/presentationml/2006/main">
+  <p:cSld>
+    <p:bg>
+      <p:bgRef idx="1001">
+        <a:schemeClr val="bg1"/>
+      </p:bgRef>
+    </p:bg>
+    <p:spTree>
+      <p:nvGrpSpPr>
+        <p:cNvPr id="1" name=""/>
+        <p:cNvGrpSpPr/>
+        <p:nvPr/>
+      </p:nvGrpSpPr>
+      <p:grpSpPr>
+        <a:xfrm>
+          <a:off x="0" y="0"/>
+          <a:ext cx="0" cy="0"/>
+          <a:chOff x="0" y="0"/>
+          <a:chExt cx="0" cy="0"/>
+        </a:xfrm>
+      </p:grpSpPr>
+      <p:sp>
+        <p:nvSpPr>
+          <p:cNvPr id="2" name="標題 1"/>
+          <p:cNvSpPr>
+            <a:spLocks noGrp="1"/>
+          </p:cNvSpPr>
+          <p:nvPr>
+            <p:ph type="title"/>
+          </p:nvPr>
+        </p:nvSpPr>
+        <p:spPr>
+          <a:xfrm>
+            <a:off x="1097280" y="708455"/>
+            <a:ext cx="10058400" cy="814722"/>
+          </a:xfrm>
+        </p:spPr>
+        <p:txBody>
+          <a:bodyPr/>
+          <a:lstStyle/>
+          <a:p>
+            <a:pPr algn="ctr"/>
+            <a:r>
+              <a:rPr lang="zh-TW" altLang="en-US" dirty="0">
+                <a:latin typeface="標楷體" pitchFamily="65" charset="-120"/>
+                <a:ea typeface="標楷體" pitchFamily="65" charset="-120"/>
+              </a:rPr>
+              <a:t>心得</a:t>
+            </a:r>
+          </a:p>
+        </p:txBody>
+      </p:sp>
+      <p:sp>
+        <p:nvSpPr>
+          <p:cNvPr id="4" name="矩形 3"/>
+          <p:cNvSpPr/>
+          <p:nvPr/>
+        </p:nvSpPr>
+        <p:spPr>
+          <a:xfrm>
+            <a:off x="979758" y="2055603"/>
+            <a:ext cx="10444304" cy="3416320"/>
+          </a:xfrm>
+          <a:prstGeom prst="rect">
+            <a:avLst/>
+          </a:prstGeom>
+        </p:spPr>
+        <p:txBody>
+          <a:bodyPr wrap="square">
+            <a:spAutoFit/>
+          </a:bodyPr>
+          <a:lstStyle/>
+          <a:p>
+            <a:r>
+              <a:rPr lang="zh-TW" altLang="en-US" sz="2400" dirty="0" smtClean="0">
+                <a:latin typeface="標楷體" pitchFamily="65" charset="-120"/>
+                <a:ea typeface="標楷體" pitchFamily="65" charset="-120"/>
+              </a:rPr>
+              <a:t>了解後</a:t>
+            </a:r>
+            <a:r>
+              <a:rPr lang="en-US" altLang="zh-TW" sz="2400" dirty="0" smtClean="0">
+                <a:latin typeface="標楷體" pitchFamily="65" charset="-120"/>
+                <a:ea typeface="標楷體" pitchFamily="65" charset="-120"/>
+              </a:rPr>
+              <a:t>……</a:t>
+            </a:r>
+          </a:p>
+          <a:p>
+            <a:endParaRPr lang="en-US" altLang="zh-TW" sz="2400" dirty="0">
+              <a:latin typeface="標楷體" pitchFamily="65" charset="-120"/>
+              <a:ea typeface="標楷體" pitchFamily="65" charset="-120"/>
+            </a:endParaRPr>
+          </a:p>
+          <a:p>
+            <a:pPr marL="285750" indent="-285750">
+              <a:buFont typeface="Wingdings" pitchFamily="2" charset="2"/>
+              <a:buChar char="Ø"/>
+            </a:pPr>
+            <a:r>
+              <a:rPr lang="zh-TW" altLang="en-US" sz="2400" dirty="0" smtClean="0">
+                <a:latin typeface="標楷體" pitchFamily="65" charset="-120"/>
+                <a:ea typeface="標楷體" pitchFamily="65" charset="-120"/>
+              </a:rPr>
+              <a:t>總結</a:t>
+            </a:r>
+            <a:endParaRPr lang="en-US" altLang="zh-TW" sz="2400" dirty="0" smtClean="0">
+              <a:latin typeface="標楷體" pitchFamily="65" charset="-120"/>
+              <a:ea typeface="標楷體" pitchFamily="65" charset="-120"/>
+            </a:endParaRPr>
+          </a:p>
+          <a:p>
+            <a:r>
+              <a:rPr lang="en-US" altLang="zh-TW" sz="2400" dirty="0" smtClean="0">
+                <a:latin typeface="標楷體" pitchFamily="65" charset="-120"/>
+                <a:ea typeface="標楷體" pitchFamily="65" charset="-120"/>
+              </a:rPr>
+              <a:t>	</a:t>
+            </a:r>
+            <a:r>
+              <a:rPr lang="zh-TW" altLang="en-US" sz="2400" dirty="0" smtClean="0">
+                <a:latin typeface="標楷體" pitchFamily="65" charset="-120"/>
+                <a:ea typeface="標楷體" pitchFamily="65" charset="-120"/>
+              </a:rPr>
+              <a:t>反對派</a:t>
+            </a:r>
+            <a:endParaRPr lang="en-US" altLang="zh-TW" sz="2400" dirty="0" smtClean="0">
+              <a:latin typeface="標楷體" pitchFamily="65" charset="-120"/>
+              <a:ea typeface="標楷體" pitchFamily="65" charset="-120"/>
+            </a:endParaRPr>
+          </a:p>
+          <a:p>
+            <a:r>
+              <a:rPr lang="en-US" altLang="zh-TW" sz="2400" dirty="0" smtClean="0">
+                <a:latin typeface="標楷體" pitchFamily="65" charset="-120"/>
+                <a:ea typeface="標楷體" pitchFamily="65" charset="-120"/>
+              </a:rPr>
+              <a:t>----</a:t>
+            </a:r>
+            <a:r>
+              <a:rPr lang="zh-TW" altLang="en-US" sz="2400" dirty="0">
+                <a:latin typeface="標楷體" pitchFamily="65" charset="-120"/>
+                <a:ea typeface="標楷體" pitchFamily="65" charset="-120"/>
+              </a:rPr>
+              <a:t> </a:t>
+            </a:r>
+            <a:r>
+              <a:rPr lang="zh-TW" altLang="en-US" sz="2400" dirty="0" smtClean="0">
+                <a:latin typeface="標楷體" pitchFamily="65" charset="-120"/>
+                <a:ea typeface="標楷體" pitchFamily="65" charset="-120"/>
+              </a:rPr>
+              <a:t>消耗</a:t>
+            </a:r>
+            <a:r>
+              <a:rPr lang="zh-TW" altLang="en-US" sz="2400" dirty="0">
+                <a:latin typeface="標楷體" pitchFamily="65" charset="-120"/>
+                <a:ea typeface="標楷體" pitchFamily="65" charset="-120"/>
+              </a:rPr>
+              <a:t>了程式師和電腦的資源。</a:t>
+            </a:r>
+            <a:endParaRPr lang="en-US" altLang="zh-TW" sz="2400" dirty="0" smtClean="0">
+              <a:latin typeface="標楷體" pitchFamily="65" charset="-120"/>
+              <a:ea typeface="標楷體" pitchFamily="65" charset="-120"/>
+            </a:endParaRPr>
+          </a:p>
+          <a:p>
+            <a:r>
+              <a:rPr lang="en-US" altLang="zh-TW" sz="2400" dirty="0">
+                <a:latin typeface="標楷體" pitchFamily="65" charset="-120"/>
+                <a:ea typeface="標楷體" pitchFamily="65" charset="-120"/>
+              </a:rPr>
+              <a:t>	</a:t>
+            </a:r>
+            <a:r>
+              <a:rPr lang="en-US" altLang="zh-TW" sz="2400" dirty="0" smtClean="0">
+                <a:latin typeface="標楷體" pitchFamily="65" charset="-120"/>
+                <a:ea typeface="標楷體" pitchFamily="65" charset="-120"/>
+              </a:rPr>
+              <a:t>	</a:t>
+            </a:r>
+          </a:p>
+          <a:p>
+            <a:r>
+              <a:rPr lang="zh-TW" altLang="en-US" sz="2400" b="1" dirty="0">
+                <a:solidFill>
+                  <a:srgbClr val="FF0000"/>
+                </a:solidFill>
+                <a:latin typeface="標楷體" pitchFamily="65" charset="-120"/>
+                <a:ea typeface="標楷體" pitchFamily="65" charset="-120"/>
+              </a:rPr>
+              <a:t>個人</a:t>
+            </a:r>
+            <a:r>
+              <a:rPr lang="zh-TW" altLang="en-US" sz="2400" b="1" dirty="0" smtClean="0">
+                <a:solidFill>
+                  <a:srgbClr val="FF0000"/>
+                </a:solidFill>
+                <a:latin typeface="標楷體" pitchFamily="65" charset="-120"/>
+                <a:ea typeface="標楷體" pitchFamily="65" charset="-120"/>
+              </a:rPr>
+              <a:t>觀點</a:t>
+            </a:r>
+            <a:endParaRPr lang="en-US" altLang="zh-TW" sz="2400" b="1" dirty="0" smtClean="0">
+              <a:solidFill>
+                <a:srgbClr val="FF0000"/>
+              </a:solidFill>
+              <a:latin typeface="標楷體" pitchFamily="65" charset="-120"/>
+              <a:ea typeface="標楷體" pitchFamily="65" charset="-120"/>
+            </a:endParaRPr>
+          </a:p>
+          <a:p>
+            <a:r>
+              <a:rPr lang="en-US" altLang="zh-TW" sz="2400" b="1" dirty="0" smtClean="0">
+                <a:solidFill>
+                  <a:srgbClr val="FF0000"/>
+                </a:solidFill>
+                <a:latin typeface="標楷體" pitchFamily="65" charset="-120"/>
+                <a:ea typeface="標楷體" pitchFamily="65" charset="-120"/>
+              </a:rPr>
+              <a:t>----</a:t>
+            </a:r>
+            <a:r>
+              <a:rPr lang="zh-TW" altLang="en-US" sz="2400" b="1" dirty="0" smtClean="0">
+                <a:solidFill>
+                  <a:srgbClr val="FF0000"/>
+                </a:solidFill>
+                <a:latin typeface="標楷體" pitchFamily="65" charset="-120"/>
+                <a:ea typeface="標楷體" pitchFamily="65" charset="-120"/>
+              </a:rPr>
+              <a:t>  </a:t>
+            </a:r>
+            <a:r>
+              <a:rPr lang="zh-TW" altLang="en-US" sz="2400" dirty="0">
+                <a:latin typeface="標楷體" pitchFamily="65" charset="-120"/>
+                <a:ea typeface="標楷體" pitchFamily="65" charset="-120"/>
+              </a:rPr>
+              <a:t>防禦</a:t>
+            </a:r>
+            <a:r>
+              <a:rPr lang="zh-TW" altLang="en-US" sz="2400" dirty="0">
+                <a:latin typeface="標楷體" pitchFamily="65" charset="-120"/>
+                <a:ea typeface="標楷體" pitchFamily="65" charset="-120"/>
+              </a:rPr>
+              <a:t>性</a:t>
+            </a:r>
+            <a:r>
+              <a:rPr lang="zh-TW" altLang="en-US" sz="2400" dirty="0">
+                <a:latin typeface="標楷體" pitchFamily="65" charset="-120"/>
+                <a:ea typeface="標楷體" pitchFamily="65" charset="-120"/>
+              </a:rPr>
+              <a:t>程式設計是有存在的必要</a:t>
+            </a:r>
+            <a:r>
+              <a:rPr lang="zh-TW" altLang="en-US" sz="2400" dirty="0" smtClean="0">
+                <a:latin typeface="標楷體" pitchFamily="65" charset="-120"/>
+                <a:ea typeface="標楷體" pitchFamily="65" charset="-120"/>
+              </a:rPr>
+              <a:t>，防禦性的撰寫是</a:t>
+            </a:r>
+            <a:r>
+              <a:rPr lang="zh-TW" altLang="en-US" sz="2400" dirty="0">
+                <a:latin typeface="標楷體" pitchFamily="65" charset="-120"/>
+                <a:ea typeface="標楷體" pitchFamily="65" charset="-120"/>
+              </a:rPr>
+              <a:t>需要經驗的累積</a:t>
+            </a:r>
+            <a:r>
+              <a:rPr lang="zh-TW" altLang="en-US" sz="2400" dirty="0" smtClean="0">
+                <a:latin typeface="標楷體" pitchFamily="65" charset="-120"/>
+                <a:ea typeface="標楷體" pitchFamily="65" charset="-120"/>
+              </a:rPr>
+              <a:t>。</a:t>
+            </a:r>
+            <a:endParaRPr lang="en-US" altLang="zh-TW" sz="2400" dirty="0" smtClean="0">
+              <a:latin typeface="標楷體" pitchFamily="65" charset="-120"/>
+              <a:ea typeface="標楷體" pitchFamily="65" charset="-120"/>
+            </a:endParaRPr>
+          </a:p>
+          <a:p>
+            <a:r>
+              <a:rPr lang="en-US" altLang="zh-TW" sz="2400" dirty="0">
+                <a:latin typeface="標楷體" pitchFamily="65" charset="-120"/>
+                <a:ea typeface="標楷體" pitchFamily="65" charset="-120"/>
+              </a:rPr>
+              <a:t>	</a:t>
+            </a:r>
+            <a:r>
+              <a:rPr lang="zh-TW" altLang="en-US" sz="2400" dirty="0" smtClean="0">
+                <a:latin typeface="標楷體" pitchFamily="65" charset="-120"/>
+                <a:ea typeface="標楷體" pitchFamily="65" charset="-120"/>
+              </a:rPr>
+              <a:t>對於我現階段的理解是只要跟個資、金流要更重性該部分。</a:t>
+            </a:r>
+            <a:endParaRPr lang="en-US" altLang="zh-TW" sz="2400" dirty="0">
+              <a:latin typeface="標楷體" pitchFamily="65" charset="-120"/>
+              <a:ea typeface="標楷體" pitchFamily="65" charset="-120"/>
+            </a:endParaRPr>
+          </a:p>
+        </p:txBody>
+      </p:sp>
+    </p:spTree>
+    <p:extLst>
+      <p:ext uri="{BB962C8B-B14F-4D97-AF65-F5344CB8AC3E}">
+        <p14:creationId xmlns:p14="http://schemas.microsoft.com/office/powerpoint/2010/main" val="2709967316"/>
+      </p:ext>
+    </p:extLst>
+  </p:cSld>
+  <p:clrMapOvr>
+    <a:overrideClrMapping bg1="lt1" tx1="dk1" bg2="lt2" tx2="dk2" accent1="accent1" accent2="accent2" accent3="accent3" accent4="accent4" accent5="accent5" accent6="accent6" hlink="hlink" folHlink="folHlink"/>
+  </p:clrMapOvr>
+  <p:timing>
+    <p:tnLst>
+      <p:par>
+        <p:cTn id="1" dur="indefinite" restart="never" nodeType="tmRoot"/>
+      </p:par>
+    </p:tnLst>
+  </p:timing>
+</p:sld>
+</file>
+
+<file path=ppt/slides/slide24.xml><?xml version="1.0" encoding="utf-8"?>
 <p:sld xmlns:a="http://schemas.openxmlformats.org/drawingml/2006/main" xmlns:r="http://schemas.openxmlformats.org/officeDocument/2006/relationships" xmlns:p="http://schemas.openxmlformats.org/presentationml/2006/main">
   <p:cSld>
     <p:spTree>
@@ -7758,133 +8949,29 @@
             <p:ph type="title"/>
           </p:nvPr>
         </p:nvSpPr>
-        <p:spPr/>
+        <p:spPr>
+          <a:xfrm>
+            <a:off x="931026" y="696579"/>
+            <a:ext cx="10058400" cy="814722"/>
+          </a:xfrm>
+        </p:spPr>
         <p:txBody>
           <a:bodyPr>
             <a:normAutofit/>
           </a:bodyPr>
           <a:lstStyle/>
           <a:p>
+            <a:pPr algn="ctr"/>
             <a:r>
               <a:rPr lang="zh-TW" altLang="en-US" dirty="0">
                 <a:latin typeface="標楷體" panose="03000509000000000000" pitchFamily="65" charset="-120"/>
                 <a:ea typeface="標楷體" panose="03000509000000000000" pitchFamily="65" charset="-120"/>
               </a:rPr>
-              <a:t>防禦性程式寫法</a:t>
-            </a:r>
-          </a:p>
-        </p:txBody>
-      </p:sp>
-      <p:sp>
-        <p:nvSpPr>
-          <p:cNvPr id="3" name="內容版面配置區 2"/>
-          <p:cNvSpPr>
-            <a:spLocks noGrp="1"/>
-          </p:cNvSpPr>
-          <p:nvPr>
-            <p:ph idx="1"/>
-          </p:nvPr>
-        </p:nvSpPr>
-        <p:spPr/>
-        <p:txBody>
-          <a:bodyPr>
-            <a:normAutofit/>
-          </a:bodyPr>
-          <a:lstStyle/>
-          <a:p>
-            <a:pPr>
-              <a:buFont typeface="Wingdings" pitchFamily="2" charset="2"/>
-              <a:buChar char="Ø"/>
-            </a:pPr>
-            <a:r>
-              <a:rPr lang="zh-TW" altLang="en-US" sz="3600" dirty="0" smtClean="0">
-                <a:latin typeface="標楷體" pitchFamily="65" charset="-120"/>
-                <a:ea typeface="標楷體" pitchFamily="65" charset="-120"/>
-              </a:rPr>
-              <a:t>大原則</a:t>
-            </a:r>
-            <a:endParaRPr lang="en-US" altLang="zh-TW" sz="3600" dirty="0" smtClean="0">
-              <a:latin typeface="標楷體" pitchFamily="65" charset="-120"/>
-              <a:ea typeface="標楷體" pitchFamily="65" charset="-120"/>
-            </a:endParaRPr>
-          </a:p>
-          <a:p>
-            <a:pPr marL="0" indent="0" algn="ctr">
-              <a:buNone/>
-            </a:pPr>
-            <a:r>
-              <a:rPr lang="zh-TW" altLang="en-US" sz="4000" b="1" dirty="0" smtClean="0">
-                <a:solidFill>
-                  <a:srgbClr val="FF0000"/>
-                </a:solidFill>
-                <a:latin typeface="標楷體" pitchFamily="65" charset="-120"/>
-                <a:ea typeface="標楷體" pitchFamily="65" charset="-120"/>
-              </a:rPr>
-              <a:t>絕對不要相信使用者送進來的參數值</a:t>
-            </a:r>
-            <a:endParaRPr lang="en-US" altLang="zh-TW" sz="4000" b="1" dirty="0" smtClean="0">
-              <a:solidFill>
-                <a:srgbClr val="FF0000"/>
-              </a:solidFill>
-              <a:latin typeface="標楷體" pitchFamily="65" charset="-120"/>
-              <a:ea typeface="標楷體" pitchFamily="65" charset="-120"/>
-            </a:endParaRPr>
-          </a:p>
-          <a:p>
-            <a:pPr marL="0" indent="0" algn="ctr">
-              <a:buNone/>
-            </a:pPr>
-            <a:endParaRPr lang="en-US" altLang="zh-TW" sz="4000" b="1" dirty="0" smtClean="0">
-              <a:solidFill>
-                <a:srgbClr val="FF0000"/>
-              </a:solidFill>
-              <a:latin typeface="標楷體" pitchFamily="65" charset="-120"/>
-              <a:ea typeface="標楷體" pitchFamily="65" charset="-120"/>
-            </a:endParaRPr>
-          </a:p>
-          <a:p>
-            <a:pPr marL="0" indent="0">
-              <a:buNone/>
-            </a:pPr>
-            <a:r>
-              <a:rPr lang="en-US" altLang="zh-TW" sz="4000" b="1" dirty="0" smtClean="0">
-                <a:solidFill>
-                  <a:srgbClr val="FF0000"/>
-                </a:solidFill>
-                <a:latin typeface="標楷體" pitchFamily="65" charset="-120"/>
-                <a:ea typeface="標楷體" pitchFamily="65" charset="-120"/>
-              </a:rPr>
-              <a:t>	</a:t>
-            </a:r>
-            <a:r>
-              <a:rPr lang="zh-TW" altLang="en-US" sz="4000" b="1" dirty="0" smtClean="0">
-                <a:solidFill>
-                  <a:srgbClr val="FF0000"/>
-                </a:solidFill>
-                <a:latin typeface="標楷體" pitchFamily="65" charset="-120"/>
-                <a:ea typeface="標楷體" pitchFamily="65" charset="-120"/>
-              </a:rPr>
-              <a:t>保護程式在無效輸入資料的破壞</a:t>
-            </a:r>
-            <a:r>
-              <a:rPr lang="zh-TW" altLang="en-US" sz="3600" dirty="0" smtClean="0">
-                <a:latin typeface="標楷體" pitchFamily="65" charset="-120"/>
-                <a:ea typeface="標楷體" pitchFamily="65" charset="-120"/>
-              </a:rPr>
-              <a:t/>
-            </a:r>
-            <a:br>
-              <a:rPr lang="zh-TW" altLang="en-US" sz="3600" dirty="0" smtClean="0">
-                <a:latin typeface="標楷體" pitchFamily="65" charset="-120"/>
-                <a:ea typeface="標楷體" pitchFamily="65" charset="-120"/>
-              </a:rPr>
-            </a:br>
-            <a:endParaRPr lang="zh-TW" altLang="en-US" sz="4000" b="1" dirty="0">
-              <a:solidFill>
-                <a:srgbClr val="FF0000"/>
-              </a:solidFill>
-              <a:latin typeface="標楷體" pitchFamily="65" charset="-120"/>
-              <a:ea typeface="標楷體" pitchFamily="65" charset="-120"/>
+              <a:t>防禦性程式設計的重點與核心</a:t>
+            </a:r>
+            <a:endParaRPr lang="en-US" altLang="zh-TW" dirty="0">
+              <a:latin typeface="標楷體" panose="03000509000000000000" pitchFamily="65" charset="-120"/>
+              <a:ea typeface="標楷體" panose="03000509000000000000" pitchFamily="65" charset="-120"/>
             </a:endParaRPr>
           </a:p>
         </p:txBody>
@@ -7892,13 +8979,20 @@
     </p:spTree>
     <p:extLst>
       <p:ext uri="{BB962C8B-B14F-4D97-AF65-F5344CB8AC3E}">
-        <p14:creationId xmlns:p14="http://schemas.microsoft.com/office/powerpoint/2010/main" val="1045870514"/>
+        <p14:creationId xmlns:p14="http://schemas.microsoft.com/office/powerpoint/2010/main" val="1255776899"/>
       </p:ext>
     </p:extLst>
   </p:cSld>
   <p:clrMapOvr>
     <a:overrideClrMapping bg1="lt1" tx1="dk1" bg2="lt2" tx2="dk2" accent1="accent1" accent2="accent2" accent3="accent3" accent4="accent4" accent5="accent5" accent6="accent6" hlink="hlink" folHlink="folHlink"/>
   </p:clrMapOvr>
+  <p:timing>
+    <p:tnLst>
+      <p:par>
+        <p:cTn id="1" dur="indefinite" restart="never" nodeType="tmRoot"/>
+      </p:par>
+    </p:tnLst>
+  </p:timing>
 </p:sld>
 </file>
 
@@ -7929,11 +9023,14 @@
             <p:ph type="title"/>
           </p:nvPr>
         </p:nvSpPr>
-        <p:spPr/>
-        <p:txBody>
-          <a:bodyPr>
-            <a:normAutofit/>
-          </a:bodyPr>
+        <p:spPr>
+          <a:xfrm>
+            <a:off x="1121031" y="0"/>
+            <a:ext cx="10058400" cy="1450757"/>
+          </a:xfrm>
+        </p:spPr>
+        <p:txBody>
+          <a:bodyPr/>
           <a:lstStyle/>
           <a:p>
             <a:r>
@@ -7941,18 +9038,9 @@
                 <a:latin typeface="標楷體" panose="03000509000000000000" pitchFamily="65" charset="-120"/>
                 <a:ea typeface="標楷體" panose="03000509000000000000" pitchFamily="65" charset="-120"/>
               </a:rPr>
-              <a:t>防禦性程式設計技巧</a:t>
-            </a:r>
-            <a:br>
-              <a:rPr lang="zh-TW" altLang="en-US" dirty="0">
-                <a:latin typeface="標楷體" panose="03000509000000000000" pitchFamily="65" charset="-120"/>
-                <a:ea typeface="標楷體" panose="03000509000000000000" pitchFamily="65" charset="-120"/>
-              </a:rPr>
-            </a:br>
-            <a:endParaRPr lang="zh-TW" altLang="en-US" dirty="0">
-              <a:latin typeface="標楷體" panose="03000509000000000000" pitchFamily="65" charset="-120"/>
-              <a:ea typeface="標楷體" panose="03000509000000000000" pitchFamily="65" charset="-120"/>
-            </a:endParaRPr>
+              <a:t>關於健壯性</a:t>
+            </a:r>
+            <a:endParaRPr lang="zh-TW" altLang="en-US" dirty="0"/>
           </a:p>
         </p:txBody>
       </p:sp>
@@ -7978,20 +9066,29 @@
               <a:buChar char="Ø"/>
             </a:pPr>
             <a:r>
-              <a:rPr lang="zh-TW" altLang="en-US" sz="3200" dirty="0">
-                <a:latin typeface="標楷體" pitchFamily="65" charset="-120"/>
-                <a:ea typeface="標楷體" pitchFamily="65" charset="-120"/>
-              </a:rPr>
-              <a:t>使用好的風格和合理的設計 － 一定要先</a:t>
-            </a:r>
-            <a:r>
-              <a:rPr lang="zh-TW" altLang="en-US" sz="3200" dirty="0" smtClean="0">
-                <a:latin typeface="標楷體" pitchFamily="65" charset="-120"/>
-                <a:ea typeface="標楷體" pitchFamily="65" charset="-120"/>
-              </a:rPr>
-              <a:t>規劃</a:t>
-            </a:r>
-            <a:endParaRPr lang="en-US" altLang="zh-TW" sz="3200" dirty="0" smtClean="0">
+              <a:rPr lang="zh-TW" altLang="en-US" sz="3600" dirty="0">
+                <a:latin typeface="標楷體" pitchFamily="65" charset="-120"/>
+                <a:ea typeface="標楷體" pitchFamily="65" charset="-120"/>
+              </a:rPr>
+              <a:t>軟體本身的周密</a:t>
+            </a:r>
+            <a:r>
+              <a:rPr lang="zh-TW" altLang="en-US" sz="3600" dirty="0" smtClean="0">
+                <a:latin typeface="標楷體" pitchFamily="65" charset="-120"/>
+                <a:ea typeface="標楷體" pitchFamily="65" charset="-120"/>
+              </a:rPr>
+              <a:t>程度</a:t>
+            </a:r>
+            <a:endParaRPr lang="en-US" altLang="zh-TW" sz="3600" dirty="0" smtClean="0">
+              <a:latin typeface="標楷體" pitchFamily="65" charset="-120"/>
+              <a:ea typeface="標楷體" pitchFamily="65" charset="-120"/>
+            </a:endParaRPr>
+          </a:p>
+          <a:p>
+            <a:pPr marL="0" indent="0">
+              <a:buNone/>
+            </a:pPr>
+            <a:endParaRPr lang="en-US" altLang="zh-TW" sz="3600" dirty="0">
               <a:latin typeface="標楷體" pitchFamily="65" charset="-120"/>
               <a:ea typeface="標楷體" pitchFamily="65" charset="-120"/>
             </a:endParaRPr>
@@ -8002,116 +9099,85 @@
               <a:buChar char="Ø"/>
             </a:pPr>
             <a:r>
-              <a:rPr lang="zh-TW" altLang="en-US" sz="3200" dirty="0" smtClean="0">
-                <a:latin typeface="標楷體" pitchFamily="65" charset="-120"/>
-                <a:ea typeface="標楷體" pitchFamily="65" charset="-120"/>
-              </a:rPr>
-              <a:t>不要</a:t>
-            </a:r>
-            <a:r>
-              <a:rPr lang="zh-TW" altLang="en-US" sz="3200" dirty="0">
-                <a:latin typeface="標楷體" pitchFamily="65" charset="-120"/>
-                <a:ea typeface="標楷體" pitchFamily="65" charset="-120"/>
-              </a:rPr>
-              <a:t>倉促地寫</a:t>
-            </a:r>
-            <a:r>
-              <a:rPr lang="zh-TW" altLang="en-US" sz="3200" dirty="0" smtClean="0">
-                <a:latin typeface="標楷體" pitchFamily="65" charset="-120"/>
-                <a:ea typeface="標楷體" pitchFamily="65" charset="-120"/>
-              </a:rPr>
-              <a:t>程式</a:t>
-            </a:r>
-            <a:endParaRPr lang="en-US" altLang="zh-TW" sz="3200" dirty="0" smtClean="0">
+              <a:rPr lang="zh-TW" altLang="en-US" sz="3600" dirty="0" smtClean="0">
+                <a:latin typeface="標楷體" pitchFamily="65" charset="-120"/>
+                <a:ea typeface="標楷體" pitchFamily="65" charset="-120"/>
+              </a:rPr>
+              <a:t>撰寫</a:t>
+            </a:r>
+            <a:r>
+              <a:rPr lang="zh-TW" altLang="en-US" sz="3600" dirty="0">
+                <a:latin typeface="標楷體" pitchFamily="65" charset="-120"/>
+                <a:ea typeface="標楷體" pitchFamily="65" charset="-120"/>
+              </a:rPr>
+              <a:t>程式時考慮到各種不同的使用情況，並</a:t>
+            </a:r>
+            <a:r>
+              <a:rPr lang="zh-TW" altLang="en-US" sz="3600" dirty="0" smtClean="0">
+                <a:latin typeface="標楷體" pitchFamily="65" charset="-120"/>
+                <a:ea typeface="標楷體" pitchFamily="65" charset="-120"/>
+              </a:rPr>
+              <a:t>事先   加以</a:t>
+            </a:r>
+            <a:r>
+              <a:rPr lang="zh-TW" altLang="en-US" sz="3600" dirty="0">
+                <a:latin typeface="標楷體" pitchFamily="65" charset="-120"/>
+                <a:ea typeface="標楷體" pitchFamily="65" charset="-120"/>
+              </a:rPr>
+              <a:t>定義處理，避免使用時產生錯誤</a:t>
+            </a:r>
+            <a:r>
+              <a:rPr lang="zh-TW" altLang="en-US" sz="3600" dirty="0" smtClean="0">
+                <a:latin typeface="標楷體" pitchFamily="65" charset="-120"/>
+                <a:ea typeface="標楷體" pitchFamily="65" charset="-120"/>
+              </a:rPr>
+              <a:t>。</a:t>
+            </a:r>
+            <a:endParaRPr lang="en-US" altLang="zh-TW" sz="3600" dirty="0" smtClean="0">
               <a:latin typeface="標楷體" pitchFamily="65" charset="-120"/>
               <a:ea typeface="標楷體" pitchFamily="65" charset="-120"/>
             </a:endParaRPr>
           </a:p>
           <a:p>
-            <a:pPr>
-              <a:buFont typeface="Wingdings" pitchFamily="2" charset="2"/>
-              <a:buChar char="Ø"/>
+            <a:pPr marL="0" indent="0">
+              <a:buNone/>
             </a:pPr>
-            <a:r>
-              <a:rPr lang="zh-TW" altLang="en-US" sz="3200" dirty="0" smtClean="0">
-                <a:latin typeface="標楷體" pitchFamily="65" charset="-120"/>
-                <a:ea typeface="標楷體" pitchFamily="65" charset="-120"/>
-              </a:rPr>
-              <a:t>不要</a:t>
-            </a:r>
-            <a:r>
-              <a:rPr lang="zh-TW" altLang="en-US" sz="3200" dirty="0">
-                <a:latin typeface="標楷體" pitchFamily="65" charset="-120"/>
-                <a:ea typeface="標楷體" pitchFamily="65" charset="-120"/>
-              </a:rPr>
-              <a:t>相信任何</a:t>
-            </a:r>
-            <a:r>
-              <a:rPr lang="zh-TW" altLang="en-US" sz="3200" dirty="0" smtClean="0">
-                <a:latin typeface="標楷體" pitchFamily="65" charset="-120"/>
-                <a:ea typeface="標楷體" pitchFamily="65" charset="-120"/>
-              </a:rPr>
-              <a:t>人，始終</a:t>
-            </a:r>
-            <a:r>
-              <a:rPr lang="zh-TW" altLang="en-US" sz="3200" dirty="0">
-                <a:latin typeface="標楷體" pitchFamily="65" charset="-120"/>
-                <a:ea typeface="標楷體" pitchFamily="65" charset="-120"/>
-              </a:rPr>
-              <a:t>保持懷疑，包括懷疑</a:t>
-            </a:r>
-            <a:r>
-              <a:rPr lang="zh-TW" altLang="en-US" sz="3200" dirty="0" smtClean="0">
-                <a:latin typeface="標楷體" pitchFamily="65" charset="-120"/>
-                <a:ea typeface="標楷體" pitchFamily="65" charset="-120"/>
-              </a:rPr>
-              <a:t>自己</a:t>
-            </a:r>
-            <a:endParaRPr lang="en-US" altLang="zh-TW" sz="3200" dirty="0" smtClean="0">
+            <a:endParaRPr lang="en-US" altLang="zh-TW" sz="3600" dirty="0" smtClean="0">
               <a:latin typeface="標楷體" pitchFamily="65" charset="-120"/>
               <a:ea typeface="標楷體" pitchFamily="65" charset="-120"/>
             </a:endParaRPr>
           </a:p>
           <a:p>
-            <a:pPr>
-              <a:buFont typeface="Wingdings" pitchFamily="2" charset="2"/>
-              <a:buChar char="Ø"/>
-            </a:pPr>
-            <a:r>
-              <a:rPr lang="zh-TW" altLang="en-US" sz="3200" dirty="0" smtClean="0">
-                <a:latin typeface="標楷體" pitchFamily="65" charset="-120"/>
-                <a:ea typeface="標楷體" pitchFamily="65" charset="-120"/>
-              </a:rPr>
-              <a:t>要</a:t>
-            </a:r>
-            <a:r>
-              <a:rPr lang="zh-TW" altLang="en-US" sz="3200" dirty="0">
-                <a:latin typeface="標楷體" pitchFamily="65" charset="-120"/>
-                <a:ea typeface="標楷體" pitchFamily="65" charset="-120"/>
-              </a:rPr>
-              <a:t>清晰易於</a:t>
-            </a:r>
-            <a:r>
-              <a:rPr lang="zh-TW" altLang="en-US" sz="3200" dirty="0" smtClean="0">
-                <a:latin typeface="標楷體" pitchFamily="65" charset="-120"/>
-                <a:ea typeface="標楷體" pitchFamily="65" charset="-120"/>
-              </a:rPr>
-              <a:t>維護</a:t>
-            </a:r>
-            <a:endParaRPr lang="zh-TW" altLang="en-US" sz="2800" dirty="0"/>
+            <a:endParaRPr lang="en-US" altLang="zh-TW" sz="3600" dirty="0" smtClean="0">
+              <a:latin typeface="標楷體" pitchFamily="65" charset="-120"/>
+              <a:ea typeface="標楷體" pitchFamily="65" charset="-120"/>
+            </a:endParaRPr>
+          </a:p>
+          <a:p>
+            <a:endParaRPr lang="zh-TW" altLang="en-US" sz="3600" dirty="0">
+              <a:latin typeface="標楷體" pitchFamily="65" charset="-120"/>
+              <a:ea typeface="標楷體" pitchFamily="65" charset="-120"/>
+            </a:endParaRPr>
           </a:p>
         </p:txBody>
       </p:sp>
     </p:spTree>
     <p:extLst>
       <p:ext uri="{BB962C8B-B14F-4D97-AF65-F5344CB8AC3E}">
-        <p14:creationId xmlns:p14="http://schemas.microsoft.com/office/powerpoint/2010/main" val="2727068509"/>
+        <p14:creationId xmlns:p14="http://schemas.microsoft.com/office/powerpoint/2010/main" val="3570373588"/>
       </p:ext>
     </p:extLst>
   </p:cSld>
   <p:clrMapOvr>
     <a:masterClrMapping/>
   </p:clrMapOvr>
+  <p:timing>
+    <p:tnLst>
+      <p:par>
+        <p:cTn id="1" dur="indefinite" restart="never" nodeType="tmRoot"/>
+      </p:par>
+    </p:tnLst>
+  </p:timing>
 </p:sld>
 </file>
 
@@ -8149,26 +9215,18 @@
         </p:nvSpPr>
         <p:spPr/>
         <p:txBody>
-          <a:bodyPr/>
+          <a:bodyPr>
+            <a:normAutofit/>
+          </a:bodyPr>
           <a:lstStyle/>
           <a:p>
             <a:r>
               <a:rPr lang="zh-TW" altLang="en-US" dirty="0">
-                <a:latin typeface="標楷體" pitchFamily="65" charset="-120"/>
-                <a:ea typeface="標楷體" pitchFamily="65" charset="-120"/>
-              </a:rPr>
-              <a:t>防禦性程式設計技巧</a:t>
-            </a:r>
-            <a:br>
-              <a:rPr lang="zh-TW" altLang="en-US" dirty="0">
-                <a:latin typeface="標楷體" pitchFamily="65" charset="-120"/>
-                <a:ea typeface="標楷體" pitchFamily="65" charset="-120"/>
-              </a:rPr>
-            </a:br>
-            <a:endParaRPr lang="zh-TW" altLang="en-US" dirty="0">
-              <a:latin typeface="標楷體" pitchFamily="65" charset="-120"/>
-              <a:ea typeface="標楷體" pitchFamily="65" charset="-120"/>
-            </a:endParaRPr>
+                <a:latin typeface="標楷體" panose="03000509000000000000" pitchFamily="65" charset="-120"/>
+                <a:ea typeface="標楷體" panose="03000509000000000000" pitchFamily="65" charset="-120"/>
+              </a:rPr>
+              <a:t>防禦性程式寫法</a:t>
+            </a:r>
           </a:p>
         </p:txBody>
       </p:sp>
@@ -8194,197 +9252,339 @@
               <a:buChar char="Ø"/>
             </a:pPr>
             <a:r>
-              <a:rPr lang="zh-TW" altLang="en-US" sz="3200" dirty="0">
-                <a:latin typeface="標楷體" pitchFamily="65" charset="-120"/>
-                <a:ea typeface="標楷體" pitchFamily="65" charset="-120"/>
-              </a:rPr>
-              <a:t>不要讓別人做他們不該做的</a:t>
-            </a:r>
-            <a:r>
-              <a:rPr lang="zh-TW" altLang="en-US" sz="3200" dirty="0">
-                <a:latin typeface="標楷體" pitchFamily="65" charset="-120"/>
-                <a:ea typeface="標楷體" pitchFamily="65" charset="-120"/>
-              </a:rPr>
-              <a:t>修補</a:t>
-            </a:r>
-            <a:endParaRPr lang="en-US" altLang="zh-TW" sz="3200" dirty="0">
+              <a:rPr lang="zh-TW" altLang="en-US" sz="3600" dirty="0" smtClean="0">
+                <a:latin typeface="標楷體" pitchFamily="65" charset="-120"/>
+                <a:ea typeface="標楷體" pitchFamily="65" charset="-120"/>
+              </a:rPr>
+              <a:t>大原則</a:t>
+            </a:r>
+            <a:endParaRPr lang="en-US" altLang="zh-TW" sz="3600" dirty="0" smtClean="0">
               <a:latin typeface="標楷體" pitchFamily="65" charset="-120"/>
               <a:ea typeface="標楷體" pitchFamily="65" charset="-120"/>
             </a:endParaRPr>
           </a:p>
           <a:p>
-            <a:pPr>
-              <a:buFont typeface="Wingdings" pitchFamily="2" charset="2"/>
-              <a:buChar char="Ø"/>
+            <a:pPr marL="0" indent="0" algn="ctr">
+              <a:buNone/>
             </a:pPr>
             <a:r>
-              <a:rPr lang="zh-TW" altLang="en-US" sz="3200" dirty="0">
-                <a:latin typeface="標楷體" pitchFamily="65" charset="-120"/>
-                <a:ea typeface="標楷體" pitchFamily="65" charset="-120"/>
-              </a:rPr>
-              <a:t>不要</a:t>
-            </a:r>
-            <a:r>
-              <a:rPr lang="zh-TW" altLang="en-US" sz="3200" dirty="0">
-                <a:latin typeface="標楷體" pitchFamily="65" charset="-120"/>
-                <a:ea typeface="標楷體" pitchFamily="65" charset="-120"/>
-              </a:rPr>
-              <a:t>忽略</a:t>
-            </a:r>
-            <a:r>
-              <a:rPr lang="en-US" altLang="zh-TW" sz="3200" dirty="0">
-                <a:latin typeface="標楷體" pitchFamily="65" charset="-120"/>
-                <a:ea typeface="標楷體" pitchFamily="65" charset="-120"/>
-              </a:rPr>
-              <a:t>compiler</a:t>
-            </a:r>
-            <a:r>
-              <a:rPr lang="zh-TW" altLang="en-US" sz="3200" dirty="0">
-                <a:latin typeface="標楷體" pitchFamily="65" charset="-120"/>
-                <a:ea typeface="標楷體" pitchFamily="65" charset="-120"/>
-              </a:rPr>
-              <a:t>的</a:t>
-            </a:r>
-            <a:r>
-              <a:rPr lang="zh-TW" altLang="en-US" sz="3200" dirty="0">
-                <a:latin typeface="標楷體" pitchFamily="65" charset="-120"/>
-                <a:ea typeface="標楷體" pitchFamily="65" charset="-120"/>
-              </a:rPr>
-              <a:t>警告</a:t>
-            </a:r>
-            <a:endParaRPr lang="en-US" altLang="zh-TW" sz="3200" dirty="0">
+              <a:rPr lang="zh-TW" altLang="en-US" sz="4000" b="1" dirty="0" smtClean="0">
+                <a:solidFill>
+                  <a:srgbClr val="FF0000"/>
+                </a:solidFill>
+                <a:latin typeface="標楷體" pitchFamily="65" charset="-120"/>
+                <a:ea typeface="標楷體" pitchFamily="65" charset="-120"/>
+              </a:rPr>
+              <a:t>絕對不要相信使用者送進來的參數值</a:t>
+            </a:r>
+            <a:endParaRPr lang="en-US" altLang="zh-TW" sz="4000" b="1" dirty="0" smtClean="0">
+              <a:solidFill>
+                <a:srgbClr val="FF0000"/>
+              </a:solidFill>
               <a:latin typeface="標楷體" pitchFamily="65" charset="-120"/>
               <a:ea typeface="標楷體" pitchFamily="65" charset="-120"/>
             </a:endParaRPr>
           </a:p>
           <a:p>
-            <a:pPr>
-              <a:buFont typeface="Wingdings" pitchFamily="2" charset="2"/>
-              <a:buChar char="Ø"/>
+            <a:pPr marL="0" indent="0" algn="ctr">
+              <a:buNone/>
             </a:pPr>
-            <a:r>
-              <a:rPr lang="zh-TW" altLang="en-US" sz="3200" dirty="0">
-                <a:latin typeface="標楷體" pitchFamily="65" charset="-120"/>
-                <a:ea typeface="標楷體" pitchFamily="65" charset="-120"/>
-              </a:rPr>
-              <a:t>檢查</a:t>
-            </a:r>
-            <a:r>
-              <a:rPr lang="zh-TW" altLang="en-US" sz="3200" dirty="0">
-                <a:latin typeface="標楷體" pitchFamily="65" charset="-120"/>
-                <a:ea typeface="標楷體" pitchFamily="65" charset="-120"/>
-              </a:rPr>
-              <a:t>所有的</a:t>
-            </a:r>
-            <a:r>
-              <a:rPr lang="en-US" altLang="zh-TW" sz="3200" dirty="0">
-                <a:latin typeface="標楷體" pitchFamily="65" charset="-120"/>
-                <a:ea typeface="標楷體" pitchFamily="65" charset="-120"/>
-              </a:rPr>
-              <a:t>return</a:t>
-            </a:r>
-          </a:p>
-          <a:p>
-            <a:pPr>
-              <a:buFont typeface="Wingdings" pitchFamily="2" charset="2"/>
-              <a:buChar char="Ø"/>
-            </a:pPr>
-            <a:r>
-              <a:rPr lang="zh-TW" altLang="en-US" sz="3200" dirty="0">
-                <a:latin typeface="標楷體" pitchFamily="65" charset="-120"/>
-                <a:ea typeface="標楷體" pitchFamily="65" charset="-120"/>
-              </a:rPr>
-              <a:t>審慎</a:t>
-            </a:r>
-            <a:r>
-              <a:rPr lang="zh-TW" altLang="en-US" sz="3200" dirty="0">
-                <a:latin typeface="標楷體" pitchFamily="65" charset="-120"/>
-                <a:ea typeface="標楷體" pitchFamily="65" charset="-120"/>
-              </a:rPr>
-              <a:t>強制轉換型</a:t>
-            </a:r>
-            <a:r>
-              <a:rPr lang="zh-TW" altLang="en-US" sz="3200" dirty="0">
-                <a:latin typeface="標楷體" pitchFamily="65" charset="-120"/>
-                <a:ea typeface="標楷體" pitchFamily="65" charset="-120"/>
-              </a:rPr>
-              <a:t>別</a:t>
-            </a:r>
-            <a:endParaRPr lang="en-US" altLang="zh-TW" sz="3200" dirty="0">
+            <a:endParaRPr lang="en-US" altLang="zh-TW" sz="4000" b="1" dirty="0" smtClean="0">
+              <a:solidFill>
+                <a:srgbClr val="FF0000"/>
+              </a:solidFill>
               <a:latin typeface="標楷體" pitchFamily="65" charset="-120"/>
               <a:ea typeface="標楷體" pitchFamily="65" charset="-120"/>
             </a:endParaRPr>
           </a:p>
           <a:p>
-            <a:pPr>
-              <a:buFont typeface="Wingdings" pitchFamily="2" charset="2"/>
-              <a:buChar char="Ø"/>
+            <a:pPr marL="0" indent="0">
+              <a:buNone/>
             </a:pPr>
             <a:r>
-              <a:rPr lang="zh-TW" altLang="en-US" sz="3200" dirty="0">
-                <a:latin typeface="標楷體" pitchFamily="65" charset="-120"/>
-                <a:ea typeface="標楷體" pitchFamily="65" charset="-120"/>
-              </a:rPr>
-              <a:t>善用</a:t>
-            </a:r>
-            <a:r>
-              <a:rPr lang="en-US" altLang="zh-TW" sz="3200" dirty="0" smtClean="0">
-                <a:latin typeface="標楷體" pitchFamily="65" charset="-120"/>
-                <a:ea typeface="標楷體" pitchFamily="65" charset="-120"/>
-              </a:rPr>
-              <a:t>Assert</a:t>
-            </a:r>
-            <a:endParaRPr lang="en-US" altLang="zh-TW" sz="3200" dirty="0">
+              <a:rPr lang="en-US" altLang="zh-TW" sz="4000" b="1" dirty="0" smtClean="0">
+                <a:solidFill>
+                  <a:srgbClr val="FF0000"/>
+                </a:solidFill>
+                <a:latin typeface="標楷體" pitchFamily="65" charset="-120"/>
+                <a:ea typeface="標楷體" pitchFamily="65" charset="-120"/>
+              </a:rPr>
+              <a:t>	</a:t>
+            </a:r>
+            <a:r>
+              <a:rPr lang="zh-TW" altLang="en-US" sz="4000" b="1" dirty="0" smtClean="0">
+                <a:solidFill>
+                  <a:srgbClr val="FF0000"/>
+                </a:solidFill>
+                <a:latin typeface="標楷體" pitchFamily="65" charset="-120"/>
+                <a:ea typeface="標楷體" pitchFamily="65" charset="-120"/>
+              </a:rPr>
+              <a:t>保護程式在無效輸入資料的破壞</a:t>
+            </a:r>
+            <a:r>
+              <a:rPr lang="zh-TW" altLang="en-US" sz="3600" dirty="0" smtClean="0">
+                <a:latin typeface="標楷體" pitchFamily="65" charset="-120"/>
+                <a:ea typeface="標楷體" pitchFamily="65" charset="-120"/>
+              </a:rPr>
+              <a:t/>
+            </a:r>
+            <a:br>
+              <a:rPr lang="zh-TW" altLang="en-US" sz="3600" dirty="0" smtClean="0">
+                <a:latin typeface="標楷體" pitchFamily="65" charset="-120"/>
+                <a:ea typeface="標楷體" pitchFamily="65" charset="-120"/>
+              </a:rPr>
+            </a:br>
+            <a:endParaRPr lang="zh-TW" altLang="en-US" sz="4000" b="1" dirty="0">
+              <a:solidFill>
+                <a:srgbClr val="FF0000"/>
+              </a:solidFill>
               <a:latin typeface="標楷體" pitchFamily="65" charset="-120"/>
               <a:ea typeface="標楷體" pitchFamily="65" charset="-120"/>
             </a:endParaRPr>
           </a:p>
-          <a:p>
-            <a:pPr>
-              <a:buFont typeface="Wingdings" pitchFamily="2" charset="2"/>
-              <a:buChar char="Ø"/>
-            </a:pPr>
-            <a:r>
-              <a:rPr lang="zh-TW" altLang="en-US" sz="3200" dirty="0" smtClean="0">
-                <a:latin typeface="標楷體" pitchFamily="65" charset="-120"/>
-                <a:ea typeface="標楷體" pitchFamily="65" charset="-120"/>
-              </a:rPr>
-              <a:t>錯誤</a:t>
-            </a:r>
-            <a:r>
-              <a:rPr lang="zh-TW" altLang="en-US" sz="3200" dirty="0">
-                <a:latin typeface="標楷體" pitchFamily="65" charset="-120"/>
-                <a:ea typeface="標楷體" pitchFamily="65" charset="-120"/>
-              </a:rPr>
-              <a:t>處理技巧</a:t>
-            </a:r>
-          </a:p>
-          <a:p>
-            <a:pPr>
-              <a:buFont typeface="Wingdings" pitchFamily="2" charset="2"/>
-              <a:buChar char="Ø"/>
-            </a:pPr>
-            <a:endParaRPr lang="zh-TW" altLang="en-US" sz="3200" dirty="0">
-              <a:latin typeface="標楷體" pitchFamily="65" charset="-120"/>
-              <a:ea typeface="標楷體" pitchFamily="65" charset="-120"/>
-            </a:endParaRPr>
-          </a:p>
         </p:txBody>
       </p:sp>
     </p:spTree>
     <p:extLst>
       <p:ext uri="{BB962C8B-B14F-4D97-AF65-F5344CB8AC3E}">
-        <p14:creationId xmlns:p14="http://schemas.microsoft.com/office/powerpoint/2010/main" val="2968355043"/>
+        <p14:creationId xmlns:p14="http://schemas.microsoft.com/office/powerpoint/2010/main" val="1045870514"/>
       </p:ext>
     </p:extLst>
   </p:cSld>
   <p:clrMapOvr>
     <a:overrideClrMapping bg1="lt1" tx1="dk1" bg2="lt2" tx2="dk2" accent1="accent1" accent2="accent2" accent3="accent3" accent4="accent4" accent5="accent5" accent6="accent6" hlink="hlink" folHlink="folHlink"/>
   </p:clrMapOvr>
+  <p:timing>
+    <p:tnLst>
+      <p:par>
+        <p:cTn id="1" dur="indefinite" restart="never" nodeType="tmRoot"/>
+      </p:par>
+    </p:tnLst>
+  </p:timing>
 </p:sld>
 </file>
 
 <file path=ppt/slides/slide6.xml><?xml version="1.0" encoding="utf-8"?>
+<p:sld xmlns:a="http://schemas.openxmlformats.org/drawingml/2006/main" xmlns:r="http://schemas.openxmlformats.org/officeDocument/2006/relationships" xmlns:p="http://schemas.openxmlformats.org/presentationml/2006/main">
+  <p:cSld>
+    <p:spTree>
+      <p:nvGrpSpPr>
+        <p:cNvPr id="1" name=""/>
+        <p:cNvGrpSpPr/>
+        <p:nvPr/>
+      </p:nvGrpSpPr>
+      <p:grpSpPr>
+        <a:xfrm>
+          <a:off x="0" y="0"/>
+          <a:ext cx="0" cy="0"/>
+          <a:chOff x="0" y="0"/>
+          <a:chExt cx="0" cy="0"/>
+        </a:xfrm>
+      </p:grpSpPr>
+      <p:sp>
+        <p:nvSpPr>
+          <p:cNvPr id="2" name="標題 1"/>
+          <p:cNvSpPr>
+            <a:spLocks noGrp="1"/>
+          </p:cNvSpPr>
+          <p:nvPr>
+            <p:ph type="title"/>
+          </p:nvPr>
+        </p:nvSpPr>
+        <p:spPr/>
+        <p:txBody>
+          <a:bodyPr>
+            <a:normAutofit/>
+          </a:bodyPr>
+          <a:lstStyle/>
+          <a:p>
+            <a:r>
+              <a:rPr lang="zh-TW" altLang="en-US" dirty="0">
+                <a:latin typeface="標楷體" panose="03000509000000000000" pitchFamily="65" charset="-120"/>
+                <a:ea typeface="標楷體" panose="03000509000000000000" pitchFamily="65" charset="-120"/>
+              </a:rPr>
+              <a:t>防禦性程式設計技巧</a:t>
+            </a:r>
+            <a:br>
+              <a:rPr lang="zh-TW" altLang="en-US" dirty="0">
+                <a:latin typeface="標楷體" panose="03000509000000000000" pitchFamily="65" charset="-120"/>
+                <a:ea typeface="標楷體" panose="03000509000000000000" pitchFamily="65" charset="-120"/>
+              </a:rPr>
+            </a:br>
+            <a:endParaRPr lang="zh-TW" altLang="en-US" dirty="0">
+              <a:latin typeface="標楷體" panose="03000509000000000000" pitchFamily="65" charset="-120"/>
+              <a:ea typeface="標楷體" panose="03000509000000000000" pitchFamily="65" charset="-120"/>
+            </a:endParaRPr>
+          </a:p>
+        </p:txBody>
+      </p:sp>
+      <p:sp>
+        <p:nvSpPr>
+          <p:cNvPr id="3" name="內容版面配置區 2"/>
+          <p:cNvSpPr>
+            <a:spLocks noGrp="1"/>
+          </p:cNvSpPr>
+          <p:nvPr>
+            <p:ph idx="1"/>
+          </p:nvPr>
+        </p:nvSpPr>
+        <p:spPr/>
+        <p:txBody>
+          <a:bodyPr>
+            <a:normAutofit/>
+          </a:bodyPr>
+          <a:lstStyle/>
+          <a:p>
+            <a:pPr>
+              <a:buFont typeface="Wingdings" pitchFamily="2" charset="2"/>
+              <a:buChar char="Ø"/>
+            </a:pPr>
+            <a:r>
+              <a:rPr lang="zh-TW" altLang="en-US" sz="3200" dirty="0">
+                <a:latin typeface="標楷體" pitchFamily="65" charset="-120"/>
+                <a:ea typeface="標楷體" pitchFamily="65" charset="-120"/>
+              </a:rPr>
+              <a:t>使用好的風格和合理的設計 － 一定要先</a:t>
+            </a:r>
+            <a:r>
+              <a:rPr lang="zh-TW" altLang="en-US" sz="3200" dirty="0" smtClean="0">
+                <a:latin typeface="標楷體" pitchFamily="65" charset="-120"/>
+                <a:ea typeface="標楷體" pitchFamily="65" charset="-120"/>
+              </a:rPr>
+              <a:t>規劃</a:t>
+            </a:r>
+            <a:endParaRPr lang="en-US" altLang="zh-TW" sz="3200" dirty="0" smtClean="0">
+              <a:latin typeface="標楷體" pitchFamily="65" charset="-120"/>
+              <a:ea typeface="標楷體" pitchFamily="65" charset="-120"/>
+            </a:endParaRPr>
+          </a:p>
+          <a:p>
+            <a:pPr>
+              <a:buFont typeface="Wingdings" pitchFamily="2" charset="2"/>
+              <a:buChar char="Ø"/>
+            </a:pPr>
+            <a:r>
+              <a:rPr lang="zh-TW" altLang="en-US" sz="3200" dirty="0" smtClean="0">
+                <a:latin typeface="標楷體" pitchFamily="65" charset="-120"/>
+                <a:ea typeface="標楷體" pitchFamily="65" charset="-120"/>
+              </a:rPr>
+              <a:t>不要</a:t>
+            </a:r>
+            <a:r>
+              <a:rPr lang="zh-TW" altLang="en-US" sz="3200" dirty="0">
+                <a:latin typeface="標楷體" pitchFamily="65" charset="-120"/>
+                <a:ea typeface="標楷體" pitchFamily="65" charset="-120"/>
+              </a:rPr>
+              <a:t>倉促地寫</a:t>
+            </a:r>
+            <a:r>
+              <a:rPr lang="zh-TW" altLang="en-US" sz="3200" dirty="0" smtClean="0">
+                <a:latin typeface="標楷體" pitchFamily="65" charset="-120"/>
+                <a:ea typeface="標楷體" pitchFamily="65" charset="-120"/>
+              </a:rPr>
+              <a:t>程式</a:t>
+            </a:r>
+            <a:endParaRPr lang="en-US" altLang="zh-TW" sz="3200" dirty="0" smtClean="0">
+              <a:latin typeface="標楷體" pitchFamily="65" charset="-120"/>
+              <a:ea typeface="標楷體" pitchFamily="65" charset="-120"/>
+            </a:endParaRPr>
+          </a:p>
+          <a:p>
+            <a:pPr>
+              <a:buFont typeface="Wingdings" pitchFamily="2" charset="2"/>
+              <a:buChar char="Ø"/>
+            </a:pPr>
+            <a:r>
+              <a:rPr lang="zh-TW" altLang="en-US" sz="3200" dirty="0" smtClean="0">
+                <a:latin typeface="標楷體" pitchFamily="65" charset="-120"/>
+                <a:ea typeface="標楷體" pitchFamily="65" charset="-120"/>
+              </a:rPr>
+              <a:t>不要</a:t>
+            </a:r>
+            <a:r>
+              <a:rPr lang="zh-TW" altLang="en-US" sz="3200" dirty="0">
+                <a:latin typeface="標楷體" pitchFamily="65" charset="-120"/>
+                <a:ea typeface="標楷體" pitchFamily="65" charset="-120"/>
+              </a:rPr>
+              <a:t>相信任何</a:t>
+            </a:r>
+            <a:r>
+              <a:rPr lang="zh-TW" altLang="en-US" sz="3200" dirty="0" smtClean="0">
+                <a:latin typeface="標楷體" pitchFamily="65" charset="-120"/>
+                <a:ea typeface="標楷體" pitchFamily="65" charset="-120"/>
+              </a:rPr>
+              <a:t>人，始終</a:t>
+            </a:r>
+            <a:r>
+              <a:rPr lang="zh-TW" altLang="en-US" sz="3200" dirty="0">
+                <a:latin typeface="標楷體" pitchFamily="65" charset="-120"/>
+                <a:ea typeface="標楷體" pitchFamily="65" charset="-120"/>
+              </a:rPr>
+              <a:t>保持懷疑，包括懷疑</a:t>
+            </a:r>
+            <a:r>
+              <a:rPr lang="zh-TW" altLang="en-US" sz="3200" dirty="0" smtClean="0">
+                <a:latin typeface="標楷體" pitchFamily="65" charset="-120"/>
+                <a:ea typeface="標楷體" pitchFamily="65" charset="-120"/>
+              </a:rPr>
+              <a:t>自己</a:t>
+            </a:r>
+            <a:endParaRPr lang="en-US" altLang="zh-TW" sz="3200" dirty="0" smtClean="0">
+              <a:latin typeface="標楷體" pitchFamily="65" charset="-120"/>
+              <a:ea typeface="標楷體" pitchFamily="65" charset="-120"/>
+            </a:endParaRPr>
+          </a:p>
+          <a:p>
+            <a:pPr>
+              <a:buFont typeface="Wingdings" pitchFamily="2" charset="2"/>
+              <a:buChar char="Ø"/>
+            </a:pPr>
+            <a:r>
+              <a:rPr lang="zh-TW" altLang="en-US" sz="3200" dirty="0" smtClean="0">
+                <a:latin typeface="標楷體" pitchFamily="65" charset="-120"/>
+                <a:ea typeface="標楷體" pitchFamily="65" charset="-120"/>
+              </a:rPr>
+              <a:t>要</a:t>
+            </a:r>
+            <a:r>
+              <a:rPr lang="zh-TW" altLang="en-US" sz="3200" dirty="0">
+                <a:latin typeface="標楷體" pitchFamily="65" charset="-120"/>
+                <a:ea typeface="標楷體" pitchFamily="65" charset="-120"/>
+              </a:rPr>
+              <a:t>清晰易於</a:t>
+            </a:r>
+            <a:r>
+              <a:rPr lang="zh-TW" altLang="en-US" sz="3200" dirty="0" smtClean="0">
+                <a:latin typeface="標楷體" pitchFamily="65" charset="-120"/>
+                <a:ea typeface="標楷體" pitchFamily="65" charset="-120"/>
+              </a:rPr>
+              <a:t>維護</a:t>
+            </a:r>
+            <a:endParaRPr lang="zh-TW" altLang="en-US" sz="2800" dirty="0"/>
+          </a:p>
+        </p:txBody>
+      </p:sp>
+    </p:spTree>
+    <p:extLst>
+      <p:ext uri="{BB962C8B-B14F-4D97-AF65-F5344CB8AC3E}">
+        <p14:creationId xmlns:p14="http://schemas.microsoft.com/office/powerpoint/2010/main" val="2727068509"/>
+      </p:ext>
+    </p:extLst>
+  </p:cSld>
+  <p:clrMapOvr>
+    <a:masterClrMapping/>
+  </p:clrMapOvr>
+  <p:timing>
+    <p:tnLst>
+      <p:par>
+        <p:cTn id="1" dur="indefinite" restart="never" nodeType="tmRoot"/>
+      </p:par>
+    </p:tnLst>
+  </p:timing>
+</p:sld>
+</file>
+
+<file path=ppt/slides/slide7.xml><?xml version="1.0" encoding="utf-8"?>
 <p:sld xmlns:a="http://schemas.openxmlformats.org/drawingml/2006/main" xmlns:r="http://schemas.openxmlformats.org/officeDocument/2006/relationships" xmlns:p="http://schemas.openxmlformats.org/presentationml/2006/main">
   <p:cSld>
     <p:bg>
@@ -8416,6 +9616,233 @@
             <p:ph type="title"/>
           </p:nvPr>
         </p:nvSpPr>
+        <p:spPr/>
+        <p:txBody>
+          <a:bodyPr/>
+          <a:lstStyle/>
+          <a:p>
+            <a:r>
+              <a:rPr lang="zh-TW" altLang="en-US" dirty="0">
+                <a:latin typeface="標楷體" pitchFamily="65" charset="-120"/>
+                <a:ea typeface="標楷體" pitchFamily="65" charset="-120"/>
+              </a:rPr>
+              <a:t>防禦性程式設計技巧</a:t>
+            </a:r>
+            <a:br>
+              <a:rPr lang="zh-TW" altLang="en-US" dirty="0">
+                <a:latin typeface="標楷體" pitchFamily="65" charset="-120"/>
+                <a:ea typeface="標楷體" pitchFamily="65" charset="-120"/>
+              </a:rPr>
+            </a:br>
+            <a:endParaRPr lang="zh-TW" altLang="en-US" dirty="0">
+              <a:latin typeface="標楷體" pitchFamily="65" charset="-120"/>
+              <a:ea typeface="標楷體" pitchFamily="65" charset="-120"/>
+            </a:endParaRPr>
+          </a:p>
+        </p:txBody>
+      </p:sp>
+      <p:sp>
+        <p:nvSpPr>
+          <p:cNvPr id="3" name="內容版面配置區 2"/>
+          <p:cNvSpPr>
+            <a:spLocks noGrp="1"/>
+          </p:cNvSpPr>
+          <p:nvPr>
+            <p:ph idx="1"/>
+          </p:nvPr>
+        </p:nvSpPr>
+        <p:spPr/>
+        <p:txBody>
+          <a:bodyPr>
+            <a:normAutofit/>
+          </a:bodyPr>
+          <a:lstStyle/>
+          <a:p>
+            <a:pPr>
+              <a:buFont typeface="Wingdings" pitchFamily="2" charset="2"/>
+              <a:buChar char="Ø"/>
+            </a:pPr>
+            <a:r>
+              <a:rPr lang="zh-TW" altLang="en-US" sz="3200" dirty="0">
+                <a:latin typeface="標楷體" pitchFamily="65" charset="-120"/>
+                <a:ea typeface="標楷體" pitchFamily="65" charset="-120"/>
+              </a:rPr>
+              <a:t>不要讓別人做他們不該做的修補</a:t>
+            </a:r>
+            <a:endParaRPr lang="en-US" altLang="zh-TW" sz="3200" dirty="0">
+              <a:latin typeface="標楷體" pitchFamily="65" charset="-120"/>
+              <a:ea typeface="標楷體" pitchFamily="65" charset="-120"/>
+            </a:endParaRPr>
+          </a:p>
+          <a:p>
+            <a:pPr>
+              <a:buFont typeface="Wingdings" pitchFamily="2" charset="2"/>
+              <a:buChar char="Ø"/>
+            </a:pPr>
+            <a:r>
+              <a:rPr lang="zh-TW" altLang="en-US" sz="3200" dirty="0">
+                <a:latin typeface="標楷體" pitchFamily="65" charset="-120"/>
+                <a:ea typeface="標楷體" pitchFamily="65" charset="-120"/>
+              </a:rPr>
+              <a:t>不要忽略</a:t>
+            </a:r>
+            <a:r>
+              <a:rPr lang="en-US" altLang="zh-TW" sz="3200" dirty="0">
+                <a:latin typeface="標楷體" pitchFamily="65" charset="-120"/>
+                <a:ea typeface="標楷體" pitchFamily="65" charset="-120"/>
+              </a:rPr>
+              <a:t>compiler</a:t>
+            </a:r>
+            <a:r>
+              <a:rPr lang="zh-TW" altLang="en-US" sz="3200" dirty="0">
+                <a:latin typeface="標楷體" pitchFamily="65" charset="-120"/>
+                <a:ea typeface="標楷體" pitchFamily="65" charset="-120"/>
+              </a:rPr>
+              <a:t>的警告</a:t>
+            </a:r>
+            <a:endParaRPr lang="en-US" altLang="zh-TW" sz="3200" dirty="0">
+              <a:latin typeface="標楷體" pitchFamily="65" charset="-120"/>
+              <a:ea typeface="標楷體" pitchFamily="65" charset="-120"/>
+            </a:endParaRPr>
+          </a:p>
+          <a:p>
+            <a:pPr>
+              <a:buFont typeface="Wingdings" pitchFamily="2" charset="2"/>
+              <a:buChar char="Ø"/>
+            </a:pPr>
+            <a:r>
+              <a:rPr lang="zh-TW" altLang="en-US" sz="3200" dirty="0">
+                <a:latin typeface="標楷體" pitchFamily="65" charset="-120"/>
+                <a:ea typeface="標楷體" pitchFamily="65" charset="-120"/>
+              </a:rPr>
+              <a:t>檢查所有的</a:t>
+            </a:r>
+            <a:r>
+              <a:rPr lang="en-US" altLang="zh-TW" sz="3200" dirty="0">
+                <a:latin typeface="標楷體" pitchFamily="65" charset="-120"/>
+                <a:ea typeface="標楷體" pitchFamily="65" charset="-120"/>
+              </a:rPr>
+              <a:t>return</a:t>
+            </a:r>
+          </a:p>
+          <a:p>
+            <a:pPr>
+              <a:buFont typeface="Wingdings" pitchFamily="2" charset="2"/>
+              <a:buChar char="Ø"/>
+            </a:pPr>
+            <a:r>
+              <a:rPr lang="zh-TW" altLang="en-US" sz="3200" dirty="0">
+                <a:latin typeface="標楷體" pitchFamily="65" charset="-120"/>
+                <a:ea typeface="標楷體" pitchFamily="65" charset="-120"/>
+              </a:rPr>
+              <a:t>審慎強制轉換型別</a:t>
+            </a:r>
+            <a:endParaRPr lang="en-US" altLang="zh-TW" sz="3200" dirty="0">
+              <a:latin typeface="標楷體" pitchFamily="65" charset="-120"/>
+              <a:ea typeface="標楷體" pitchFamily="65" charset="-120"/>
+            </a:endParaRPr>
+          </a:p>
+          <a:p>
+            <a:pPr>
+              <a:buFont typeface="Wingdings" pitchFamily="2" charset="2"/>
+              <a:buChar char="Ø"/>
+            </a:pPr>
+            <a:r>
+              <a:rPr lang="zh-TW" altLang="en-US" sz="3200" dirty="0">
+                <a:latin typeface="標楷體" pitchFamily="65" charset="-120"/>
+                <a:ea typeface="標楷體" pitchFamily="65" charset="-120"/>
+              </a:rPr>
+              <a:t>善用</a:t>
+            </a:r>
+            <a:r>
+              <a:rPr lang="en-US" altLang="zh-TW" sz="3200" dirty="0" smtClean="0">
+                <a:latin typeface="標楷體" pitchFamily="65" charset="-120"/>
+                <a:ea typeface="標楷體" pitchFamily="65" charset="-120"/>
+              </a:rPr>
+              <a:t>Assert</a:t>
+            </a:r>
+            <a:endParaRPr lang="en-US" altLang="zh-TW" sz="3200" dirty="0">
+              <a:latin typeface="標楷體" pitchFamily="65" charset="-120"/>
+              <a:ea typeface="標楷體" pitchFamily="65" charset="-120"/>
+            </a:endParaRPr>
+          </a:p>
+          <a:p>
+            <a:pPr>
+              <a:buFont typeface="Wingdings" pitchFamily="2" charset="2"/>
+              <a:buChar char="Ø"/>
+            </a:pPr>
+            <a:r>
+              <a:rPr lang="zh-TW" altLang="en-US" sz="3200" dirty="0" smtClean="0">
+                <a:latin typeface="標楷體" pitchFamily="65" charset="-120"/>
+                <a:ea typeface="標楷體" pitchFamily="65" charset="-120"/>
+              </a:rPr>
+              <a:t>錯誤</a:t>
+            </a:r>
+            <a:r>
+              <a:rPr lang="zh-TW" altLang="en-US" sz="3200" dirty="0">
+                <a:latin typeface="標楷體" pitchFamily="65" charset="-120"/>
+                <a:ea typeface="標楷體" pitchFamily="65" charset="-120"/>
+              </a:rPr>
+              <a:t>處理技巧</a:t>
+            </a:r>
+          </a:p>
+          <a:p>
+            <a:pPr>
+              <a:buFont typeface="Wingdings" pitchFamily="2" charset="2"/>
+              <a:buChar char="Ø"/>
+            </a:pPr>
+            <a:endParaRPr lang="zh-TW" altLang="en-US" sz="3200" dirty="0">
+              <a:latin typeface="標楷體" pitchFamily="65" charset="-120"/>
+              <a:ea typeface="標楷體" pitchFamily="65" charset="-120"/>
+            </a:endParaRPr>
+          </a:p>
+        </p:txBody>
+      </p:sp>
+    </p:spTree>
+    <p:extLst>
+      <p:ext uri="{BB962C8B-B14F-4D97-AF65-F5344CB8AC3E}">
+        <p14:creationId xmlns:p14="http://schemas.microsoft.com/office/powerpoint/2010/main" val="2968355043"/>
+      </p:ext>
+    </p:extLst>
+  </p:cSld>
+  <p:clrMapOvr>
+    <a:overrideClrMapping bg1="lt1" tx1="dk1" bg2="lt2" tx2="dk2" accent1="accent1" accent2="accent2" accent3="accent3" accent4="accent4" accent5="accent5" accent6="accent6" hlink="hlink" folHlink="folHlink"/>
+  </p:clrMapOvr>
+</p:sld>
+</file>
+
+<file path=ppt/slides/slide8.xml><?xml version="1.0" encoding="utf-8"?>
+<p:sld xmlns:a="http://schemas.openxmlformats.org/drawingml/2006/main" xmlns:r="http://schemas.openxmlformats.org/officeDocument/2006/relationships" xmlns:p="http://schemas.openxmlformats.org/presentationml/2006/main">
+  <p:cSld>
+    <p:bg>
+      <p:bgRef idx="1001">
+        <a:schemeClr val="bg1"/>
+      </p:bgRef>
+    </p:bg>
+    <p:spTree>
+      <p:nvGrpSpPr>
+        <p:cNvPr id="1" name=""/>
+        <p:cNvGrpSpPr/>
+        <p:nvPr/>
+      </p:nvGrpSpPr>
+      <p:grpSpPr>
+        <a:xfrm>
+          <a:off x="0" y="0"/>
+          <a:ext cx="0" cy="0"/>
+          <a:chOff x="0" y="0"/>
+          <a:chExt cx="0" cy="0"/>
+        </a:xfrm>
+      </p:grpSpPr>
+      <p:sp>
+        <p:nvSpPr>
+          <p:cNvPr id="2" name="標題 1"/>
+          <p:cNvSpPr>
+            <a:spLocks noGrp="1"/>
+          </p:cNvSpPr>
+          <p:nvPr>
+            <p:ph type="title"/>
+          </p:nvPr>
+        </p:nvSpPr>
         <p:spPr>
           <a:xfrm>
             <a:off x="1097280" y="708455"/>
@@ -8442,7 +9869,7 @@
     </p:spTree>
     <p:extLst>
       <p:ext uri="{BB962C8B-B14F-4D97-AF65-F5344CB8AC3E}">
-        <p14:creationId xmlns:p14="http://schemas.microsoft.com/office/powerpoint/2010/main" val="1255776899"/>
+        <p14:creationId xmlns:p14="http://schemas.microsoft.com/office/powerpoint/2010/main" val="3174387218"/>
       </p:ext>
     </p:extLst>
   </p:cSld>
@@ -8459,7 +9886,7 @@
 </p:sld>
 </file>
 
-<file path=ppt/slides/slide7.xml><?xml version="1.0" encoding="utf-8"?>
+<file path=ppt/slides/slide9.xml><?xml version="1.0" encoding="utf-8"?>
 <p:sld xmlns:a="http://schemas.openxmlformats.org/drawingml/2006/main" xmlns:r="http://schemas.openxmlformats.org/officeDocument/2006/relationships" xmlns:p="http://schemas.openxmlformats.org/presentationml/2006/main">
   <p:cSld>
     <p:spTree>
@@ -8578,347 +10005,74 @@
           </a:extLst>
         </p:spPr>
       </p:pic>
+      <p:sp>
+        <p:nvSpPr>
+          <p:cNvPr id="5" name="矩形 4"/>
+          <p:cNvSpPr/>
+          <p:nvPr/>
+        </p:nvSpPr>
+        <p:spPr>
+          <a:xfrm>
+            <a:off x="8076908" y="107866"/>
+            <a:ext cx="3396343" cy="639801"/>
+          </a:xfrm>
+          <a:prstGeom prst="rect">
+            <a:avLst/>
+          </a:prstGeom>
+        </p:spPr>
+        <p:style>
+          <a:lnRef idx="2">
+            <a:schemeClr val="accent6"/>
+          </a:lnRef>
+          <a:fillRef idx="1">
+            <a:schemeClr val="lt1"/>
+          </a:fillRef>
+          <a:effectRef idx="0">
+            <a:schemeClr val="accent6"/>
+          </a:effectRef>
+          <a:fontRef idx="minor">
+            <a:schemeClr val="dk1"/>
+          </a:fontRef>
+        </p:style>
+        <p:txBody>
+          <a:bodyPr rtlCol="0" anchor="ctr"/>
+          <a:lstStyle/>
+          <a:p>
+            <a:pPr algn="ctr"/>
+            <a:r>
+              <a:rPr lang="zh-TW" altLang="en-US" sz="2800" b="1" dirty="0">
+                <a:solidFill>
+                  <a:srgbClr val="0000FF"/>
+                </a:solidFill>
+                <a:latin typeface="標楷體" pitchFamily="65" charset="-120"/>
+                <a:ea typeface="標楷體" pitchFamily="65" charset="-120"/>
+              </a:rPr>
+              <a:t>修改前</a:t>
+            </a:r>
+            <a:r>
+              <a:rPr lang="en-US" altLang="zh-TW" sz="2800" b="1" dirty="0" err="1" smtClean="0">
+                <a:solidFill>
+                  <a:srgbClr val="0000FF"/>
+                </a:solidFill>
+                <a:latin typeface="標楷體" pitchFamily="65" charset="-120"/>
+                <a:ea typeface="標楷體" pitchFamily="65" charset="-120"/>
+              </a:rPr>
+              <a:t>Check.php</a:t>
+            </a:r>
+            <a:endParaRPr lang="zh-TW" altLang="en-US" sz="2800" b="1" dirty="0">
+              <a:solidFill>
+                <a:srgbClr val="0000FF"/>
+              </a:solidFill>
+              <a:latin typeface="標楷體" pitchFamily="65" charset="-120"/>
+              <a:ea typeface="標楷體" pitchFamily="65" charset="-120"/>
+            </a:endParaRPr>
+          </a:p>
+        </p:txBody>
+      </p:sp>
     </p:spTree>
     <p:extLst>
       <p:ext uri="{BB962C8B-B14F-4D97-AF65-F5344CB8AC3E}">
         <p14:creationId xmlns:p14="http://schemas.microsoft.com/office/powerpoint/2010/main" val="318379291"/>
-      </p:ext>
-    </p:extLst>
-  </p:cSld>
-  <p:clrMapOvr>
-    <a:masterClrMapping/>
-  </p:clrMapOvr>
-</p:sld>
-</file>
-
-<file path=ppt/slides/slide8.xml><?xml version="1.0" encoding="utf-8"?>
-<p:sld xmlns:a="http://schemas.openxmlformats.org/drawingml/2006/main" xmlns:r="http://schemas.openxmlformats.org/officeDocument/2006/relationships" xmlns:p="http://schemas.openxmlformats.org/presentationml/2006/main">
-  <p:cSld>
-    <p:bg>
-      <p:bgRef idx="1001">
-        <a:schemeClr val="bg1"/>
-      </p:bgRef>
-    </p:bg>
-    <p:spTree>
-      <p:nvGrpSpPr>
-        <p:cNvPr id="1" name=""/>
-        <p:cNvGrpSpPr/>
-        <p:nvPr/>
-      </p:nvGrpSpPr>
-      <p:grpSpPr>
-        <a:xfrm>
-          <a:off x="0" y="0"/>
-          <a:ext cx="0" cy="0"/>
-          <a:chOff x="0" y="0"/>
-          <a:chExt cx="0" cy="0"/>
-        </a:xfrm>
-      </p:grpSpPr>
-      <p:sp>
-        <p:nvSpPr>
-          <p:cNvPr id="2" name="標題 1"/>
-          <p:cNvSpPr>
-            <a:spLocks noGrp="1"/>
-          </p:cNvSpPr>
-          <p:nvPr>
-            <p:ph type="title"/>
-          </p:nvPr>
-        </p:nvSpPr>
-        <p:spPr/>
-        <p:txBody>
-          <a:bodyPr>
-            <a:normAutofit/>
-          </a:bodyPr>
-          <a:lstStyle/>
-          <a:p>
-            <a:pPr algn="ctr"/>
-            <a:r>
-              <a:rPr lang="zh-TW" altLang="en-US" dirty="0">
-                <a:latin typeface="標楷體" pitchFamily="65" charset="-120"/>
-                <a:ea typeface="標楷體" pitchFamily="65" charset="-120"/>
-              </a:rPr>
-              <a:t>可能會遭受</a:t>
-            </a:r>
-          </a:p>
-        </p:txBody>
-      </p:sp>
-      <p:sp>
-        <p:nvSpPr>
-          <p:cNvPr id="3" name="內容版面配置區 2"/>
-          <p:cNvSpPr>
-            <a:spLocks noGrp="1"/>
-          </p:cNvSpPr>
-          <p:nvPr>
-            <p:ph idx="1"/>
-          </p:nvPr>
-        </p:nvSpPr>
-        <p:spPr/>
-        <p:txBody>
-          <a:bodyPr>
-            <a:normAutofit/>
-          </a:bodyPr>
-          <a:lstStyle/>
-          <a:p>
-            <a:pPr>
-              <a:buFont typeface="Wingdings" pitchFamily="2" charset="2"/>
-              <a:buChar char="Ø"/>
-            </a:pPr>
-            <a:r>
-              <a:rPr lang="en-US" altLang="zh-TW" sz="3200" dirty="0">
-                <a:latin typeface="標楷體" pitchFamily="65" charset="-120"/>
-                <a:ea typeface="標楷體" pitchFamily="65" charset="-120"/>
-              </a:rPr>
-              <a:t>SQL</a:t>
-            </a:r>
-            <a:r>
-              <a:rPr lang="zh-TW" altLang="en-US" sz="3200" dirty="0">
-                <a:latin typeface="標楷體" pitchFamily="65" charset="-120"/>
-                <a:ea typeface="標楷體" pitchFamily="65" charset="-120"/>
-              </a:rPr>
-              <a:t>注入攻擊</a:t>
-            </a:r>
-            <a:r>
-              <a:rPr lang="en-US" altLang="zh-TW" sz="3200" dirty="0">
-                <a:latin typeface="標楷體" pitchFamily="65" charset="-120"/>
-                <a:ea typeface="標楷體" pitchFamily="65" charset="-120"/>
-              </a:rPr>
-              <a:t>(SQL injection attack</a:t>
-            </a:r>
-            <a:r>
-              <a:rPr lang="en-US" altLang="zh-TW" sz="3200" dirty="0" smtClean="0">
-                <a:latin typeface="標楷體" pitchFamily="65" charset="-120"/>
-                <a:ea typeface="標楷體" pitchFamily="65" charset="-120"/>
-              </a:rPr>
-              <a:t>)</a:t>
-            </a:r>
-          </a:p>
-          <a:p>
-            <a:pPr marL="0" indent="0">
-              <a:buNone/>
-            </a:pPr>
-            <a:endParaRPr lang="en-US" altLang="zh-TW" sz="3200" dirty="0" smtClean="0">
-              <a:latin typeface="標楷體" pitchFamily="65" charset="-120"/>
-              <a:ea typeface="標楷體" pitchFamily="65" charset="-120"/>
-            </a:endParaRPr>
-          </a:p>
-          <a:p>
-            <a:pPr>
-              <a:buFont typeface="Wingdings" pitchFamily="2" charset="2"/>
-              <a:buChar char="Ø"/>
-            </a:pPr>
-            <a:r>
-              <a:rPr lang="zh-TW" altLang="en-US" sz="3200" dirty="0" smtClean="0">
-                <a:latin typeface="標楷體" pitchFamily="65" charset="-120"/>
-                <a:ea typeface="標楷體" pitchFamily="65" charset="-120"/>
-              </a:rPr>
-              <a:t>跨</a:t>
-            </a:r>
-            <a:r>
-              <a:rPr lang="zh-TW" altLang="en-US" sz="3200" dirty="0">
-                <a:latin typeface="標楷體" pitchFamily="65" charset="-120"/>
-                <a:ea typeface="標楷體" pitchFamily="65" charset="-120"/>
-              </a:rPr>
-              <a:t>站腳本攻擊</a:t>
-            </a:r>
-            <a:r>
-              <a:rPr lang="en-US" altLang="zh-TW" sz="3200" dirty="0">
-                <a:latin typeface="標楷體" pitchFamily="65" charset="-120"/>
-                <a:ea typeface="標楷體" pitchFamily="65" charset="-120"/>
-              </a:rPr>
-              <a:t>(cross-site scripting</a:t>
-            </a:r>
-            <a:r>
-              <a:rPr lang="en-US" altLang="zh-TW" sz="3200" dirty="0" smtClean="0">
-                <a:latin typeface="標楷體" pitchFamily="65" charset="-120"/>
-                <a:ea typeface="標楷體" pitchFamily="65" charset="-120"/>
-              </a:rPr>
-              <a:t>)</a:t>
-            </a:r>
-          </a:p>
-          <a:p>
-            <a:pPr marL="0" indent="0">
-              <a:buNone/>
-            </a:pPr>
-            <a:endParaRPr lang="en-US" altLang="zh-TW" sz="3200" dirty="0" smtClean="0">
-              <a:latin typeface="標楷體" pitchFamily="65" charset="-120"/>
-              <a:ea typeface="標楷體" pitchFamily="65" charset="-120"/>
-            </a:endParaRPr>
-          </a:p>
-          <a:p>
-            <a:pPr>
-              <a:buFont typeface="Wingdings" pitchFamily="2" charset="2"/>
-              <a:buChar char="Ø"/>
-            </a:pPr>
-            <a:r>
-              <a:rPr lang="zh-TW" altLang="en-US" sz="3200" dirty="0" smtClean="0">
-                <a:latin typeface="標楷體" pitchFamily="65" charset="-120"/>
-                <a:ea typeface="標楷體" pitchFamily="65" charset="-120"/>
-              </a:rPr>
-              <a:t>緩衝器</a:t>
-            </a:r>
-            <a:r>
-              <a:rPr lang="zh-TW" altLang="en-US" sz="3200" dirty="0">
-                <a:latin typeface="標楷體" pitchFamily="65" charset="-120"/>
-                <a:ea typeface="標楷體" pitchFamily="65" charset="-120"/>
-              </a:rPr>
-              <a:t>溢位攻擊</a:t>
-            </a:r>
-            <a:r>
-              <a:rPr lang="en-US" altLang="zh-TW" sz="3200" dirty="0">
-                <a:latin typeface="標楷體" pitchFamily="65" charset="-120"/>
-                <a:ea typeface="標楷體" pitchFamily="65" charset="-120"/>
-              </a:rPr>
-              <a:t>(buffer overflow attack</a:t>
-            </a:r>
-            <a:r>
-              <a:rPr lang="en-US" altLang="zh-TW" sz="3200" dirty="0" smtClean="0">
-                <a:latin typeface="標楷體" pitchFamily="65" charset="-120"/>
-                <a:ea typeface="標楷體" pitchFamily="65" charset="-120"/>
-              </a:rPr>
-              <a:t>)……</a:t>
-            </a:r>
-            <a:endParaRPr lang="zh-TW" altLang="en-US" sz="3200" dirty="0">
-              <a:latin typeface="標楷體" pitchFamily="65" charset="-120"/>
-              <a:ea typeface="標楷體" pitchFamily="65" charset="-120"/>
-            </a:endParaRPr>
-          </a:p>
-        </p:txBody>
-      </p:sp>
-    </p:spTree>
-    <p:extLst>
-      <p:ext uri="{BB962C8B-B14F-4D97-AF65-F5344CB8AC3E}">
-        <p14:creationId xmlns:p14="http://schemas.microsoft.com/office/powerpoint/2010/main" val="1212920055"/>
-      </p:ext>
-    </p:extLst>
-  </p:cSld>
-  <p:clrMapOvr>
-    <a:overrideClrMapping bg1="lt1" tx1="dk1" bg2="lt2" tx2="dk2" accent1="accent1" accent2="accent2" accent3="accent3" accent4="accent4" accent5="accent5" accent6="accent6" hlink="hlink" folHlink="folHlink"/>
-  </p:clrMapOvr>
-</p:sld>
-</file>
-
-<file path=ppt/slides/slide9.xml><?xml version="1.0" encoding="utf-8"?>
-<p:sld xmlns:a="http://schemas.openxmlformats.org/drawingml/2006/main" xmlns:r="http://schemas.openxmlformats.org/officeDocument/2006/relationships" xmlns:p="http://schemas.openxmlformats.org/presentationml/2006/main">
-  <p:cSld>
-    <p:spTree>
-      <p:nvGrpSpPr>
-        <p:cNvPr id="1" name=""/>
-        <p:cNvGrpSpPr/>
-        <p:nvPr/>
-      </p:nvGrpSpPr>
-      <p:grpSpPr>
-        <a:xfrm>
-          <a:off x="0" y="0"/>
-          <a:ext cx="0" cy="0"/>
-          <a:chOff x="0" y="0"/>
-          <a:chExt cx="0" cy="0"/>
-        </a:xfrm>
-      </p:grpSpPr>
-      <p:sp>
-        <p:nvSpPr>
-          <p:cNvPr id="2" name="標題 1"/>
-          <p:cNvSpPr>
-            <a:spLocks noGrp="1"/>
-          </p:cNvSpPr>
-          <p:nvPr>
-            <p:ph type="title"/>
-          </p:nvPr>
-        </p:nvSpPr>
-        <p:spPr/>
-        <p:txBody>
-          <a:bodyPr/>
-          <a:lstStyle/>
-          <a:p>
-            <a:endParaRPr lang="zh-TW" altLang="en-US"/>
-          </a:p>
-        </p:txBody>
-      </p:sp>
-      <p:sp>
-        <p:nvSpPr>
-          <p:cNvPr id="3" name="內容版面配置區 2"/>
-          <p:cNvSpPr>
-            <a:spLocks noGrp="1"/>
-          </p:cNvSpPr>
-          <p:nvPr>
-            <p:ph idx="1"/>
-          </p:nvPr>
-        </p:nvSpPr>
-        <p:spPr/>
-        <p:txBody>
-          <a:bodyPr/>
-          <a:lstStyle/>
-          <a:p>
-            <a:endParaRPr lang="zh-TW" altLang="en-US"/>
-          </a:p>
-        </p:txBody>
-      </p:sp>
-      <p:pic>
-        <p:nvPicPr>
-          <p:cNvPr id="4098" name="Picture 2"/>
-          <p:cNvPicPr>
-            <a:picLocks noChangeAspect="1" noChangeArrowheads="1"/>
-          </p:cNvPicPr>
-          <p:nvPr/>
-        </p:nvPicPr>
-        <p:blipFill>
-          <a:blip r:embed="rId2">
-            <a:extLst>
-              <a:ext uri="{28A0092B-C50C-407E-A947-70E740481C1C}">
-                <a14:useLocalDpi xmlns:a14="http://schemas.microsoft.com/office/drawing/2010/main" val="0"/>
-              </a:ext>
-            </a:extLst>
-          </a:blip>
-          <a:srcRect/>
-          <a:stretch>
-            <a:fillRect/>
-          </a:stretch>
-        </p:blipFill>
-        <p:spPr bwMode="auto">
-          <a:xfrm>
-            <a:off x="373145" y="478909"/>
-            <a:ext cx="11588349" cy="5363750"/>
-          </a:xfrm>
-          <a:prstGeom prst="rect">
-            <a:avLst/>
-          </a:prstGeom>
-          <a:noFill/>
-          <a:ln>
-            <a:noFill/>
-          </a:ln>
-          <a:effectLst/>
-          <a:extLst>
-            <a:ext uri="{909E8E84-426E-40DD-AFC4-6F175D3DCCD1}">
-              <a14:hiddenFill xmlns:a14="http://schemas.microsoft.com/office/drawing/2010/main">
-                <a:solidFill>
-                  <a:schemeClr val="accent1"/>
-                </a:solidFill>
-              </a14:hiddenFill>
-            </a:ext>
-            <a:ext uri="{91240B29-F687-4F45-9708-019B960494DF}">
-              <a14:hiddenLine xmlns:a14="http://schemas.microsoft.com/office/drawing/2010/main" w="9525">
-                <a:solidFill>
-                  <a:schemeClr val="tx1"/>
-                </a:solidFill>
-                <a:miter lim="800000"/>
-                <a:headEnd/>
-                <a:tailEnd/>
-              </a14:hiddenLine>
-            </a:ext>
-            <a:ext uri="{AF507438-7753-43E0-B8FC-AC1667EBCBE1}">
-              <a14:hiddenEffects xmlns:a14="http://schemas.microsoft.com/office/drawing/2010/main">
-                <a:effectLst>
-                  <a:outerShdw dist="35921" dir="2700000" algn="ctr" rotWithShape="0">
-                    <a:schemeClr val="bg2"/>
-                  </a:outerShdw>
-                </a:effectLst>
-              </a14:hiddenEffects>
-            </a:ext>
-          </a:extLst>
-        </p:spPr>
-      </p:pic>
-    </p:spTree>
-    <p:extLst>
-      <p:ext uri="{BB962C8B-B14F-4D97-AF65-F5344CB8AC3E}">
-        <p14:creationId xmlns:p14="http://schemas.microsoft.com/office/powerpoint/2010/main" val="971320103"/>
       </p:ext>
     </p:extLst>
   </p:cSld>
@@ -9205,7 +10359,7 @@
   <a:extraClrSchemeLst/>
   <a:extLst>
     <a:ext uri="{05A4C25C-085E-4340-85A3-A5531E510DB2}">
-      <thm15:themeFamily xmlns="" xmlns:thm15="http://schemas.microsoft.com/office/thememl/2012/main" name="Retrospect" id="{5F128B03-DCCA-4EEB-AB3B-CF2899314A46}" vid="{3F1AAB62-24C6-49D2-8E01-B56FAC9A3DCD}"/>
+      <thm15:themeFamily xmlns:thm15="http://schemas.microsoft.com/office/thememl/2012/main" xmlns="" name="Retrospect" id="{5F128B03-DCCA-4EEB-AB3B-CF2899314A46}" vid="{3F1AAB62-24C6-49D2-8E01-B56FAC9A3DCD}"/>
     </a:ext>
   </a:extLst>
 </a:theme>
@@ -9466,7 +10620,7 @@
   <a:extraClrSchemeLst/>
   <a:extLst>
     <a:ext uri="{05A4C25C-085E-4340-85A3-A5531E510DB2}">
-      <thm15:themeFamily xmlns="" xmlns:thm15="http://schemas.microsoft.com/office/thememl/2012/main" name="Office Theme" id="{62F939B6-93AF-4DB8-9C6B-D6C7DFDC589F}" vid="{4A3C46E8-61CC-4603-A589-7422A47A8E4A}"/>
+      <thm15:themeFamily xmlns:thm15="http://schemas.microsoft.com/office/thememl/2012/main" xmlns="" name="Office Theme" id="{62F939B6-93AF-4DB8-9C6B-D6C7DFDC589F}" vid="{4A3C46E8-61CC-4603-A589-7422A47A8E4A}"/>
     </a:ext>
   </a:extLst>
 </a:theme>
@@ -9559,6 +10713,135 @@
 </file>
 
 <file path=ppt/theme/themeOverride11.xml><?xml version="1.0" encoding="utf-8"?>
+<a:themeOverride xmlns:a="http://schemas.openxmlformats.org/drawingml/2006/main">
+  <a:clrScheme name="回顧">
+    <a:dk1>
+      <a:srgbClr val="000000"/>
+    </a:dk1>
+    <a:lt1>
+      <a:sysClr val="window" lastClr="FFFFFF"/>
+    </a:lt1>
+    <a:dk2>
+      <a:srgbClr val="637052"/>
+    </a:dk2>
+    <a:lt2>
+      <a:srgbClr val="CCDDEA"/>
+    </a:lt2>
+    <a:accent1>
+      <a:srgbClr val="E48312"/>
+    </a:accent1>
+    <a:accent2>
+      <a:srgbClr val="BD582C"/>
+    </a:accent2>
+    <a:accent3>
+      <a:srgbClr val="865640"/>
+    </a:accent3>
+    <a:accent4>
+      <a:srgbClr val="9B8357"/>
+    </a:accent4>
+    <a:accent5>
+      <a:srgbClr val="C2BC80"/>
+    </a:accent5>
+    <a:accent6>
+      <a:srgbClr val="94A088"/>
+    </a:accent6>
+    <a:hlink>
+      <a:srgbClr val="2998E3"/>
+    </a:hlink>
+    <a:folHlink>
+      <a:srgbClr val="8C8C8C"/>
+    </a:folHlink>
+  </a:clrScheme>
+</a:themeOverride>
+</file>
+
+<file path=ppt/theme/themeOverride12.xml><?xml version="1.0" encoding="utf-8"?>
+<a:themeOverride xmlns:a="http://schemas.openxmlformats.org/drawingml/2006/main">
+  <a:clrScheme name="回顧">
+    <a:dk1>
+      <a:srgbClr val="000000"/>
+    </a:dk1>
+    <a:lt1>
+      <a:sysClr val="window" lastClr="FFFFFF"/>
+    </a:lt1>
+    <a:dk2>
+      <a:srgbClr val="637052"/>
+    </a:dk2>
+    <a:lt2>
+      <a:srgbClr val="CCDDEA"/>
+    </a:lt2>
+    <a:accent1>
+      <a:srgbClr val="E48312"/>
+    </a:accent1>
+    <a:accent2>
+      <a:srgbClr val="BD582C"/>
+    </a:accent2>
+    <a:accent3>
+      <a:srgbClr val="865640"/>
+    </a:accent3>
+    <a:accent4>
+      <a:srgbClr val="9B8357"/>
+    </a:accent4>
+    <a:accent5>
+      <a:srgbClr val="C2BC80"/>
+    </a:accent5>
+    <a:accent6>
+      <a:srgbClr val="94A088"/>
+    </a:accent6>
+    <a:hlink>
+      <a:srgbClr val="2998E3"/>
+    </a:hlink>
+    <a:folHlink>
+      <a:srgbClr val="8C8C8C"/>
+    </a:folHlink>
+  </a:clrScheme>
+</a:themeOverride>
+</file>
+
+<file path=ppt/theme/themeOverride13.xml><?xml version="1.0" encoding="utf-8"?>
+<a:themeOverride xmlns:a="http://schemas.openxmlformats.org/drawingml/2006/main">
+  <a:clrScheme name="回顧">
+    <a:dk1>
+      <a:srgbClr val="000000"/>
+    </a:dk1>
+    <a:lt1>
+      <a:sysClr val="window" lastClr="FFFFFF"/>
+    </a:lt1>
+    <a:dk2>
+      <a:srgbClr val="637052"/>
+    </a:dk2>
+    <a:lt2>
+      <a:srgbClr val="CCDDEA"/>
+    </a:lt2>
+    <a:accent1>
+      <a:srgbClr val="E48312"/>
+    </a:accent1>
+    <a:accent2>
+      <a:srgbClr val="BD582C"/>
+    </a:accent2>
+    <a:accent3>
+      <a:srgbClr val="865640"/>
+    </a:accent3>
+    <a:accent4>
+      <a:srgbClr val="9B8357"/>
+    </a:accent4>
+    <a:accent5>
+      <a:srgbClr val="C2BC80"/>
+    </a:accent5>
+    <a:accent6>
+      <a:srgbClr val="94A088"/>
+    </a:accent6>
+    <a:hlink>
+      <a:srgbClr val="2998E3"/>
+    </a:hlink>
+    <a:folHlink>
+      <a:srgbClr val="8C8C8C"/>
+    </a:folHlink>
+  </a:clrScheme>
+</a:themeOverride>
+</file>
+
+<file path=ppt/theme/themeOverride14.xml><?xml version="1.0" encoding="utf-8"?>
 <a:themeOverride xmlns:a="http://schemas.openxmlformats.org/drawingml/2006/main">
   <a:clrScheme name="回顧">
     <a:dk1>

--- a/Learning-Defensive-programming.pptx
+++ b/Learning-Defensive-programming.pptx
@@ -132,7 +132,7 @@
   </p:defaultTextStyle>
   <p:extLst>
     <p:ext uri="{EFAFB233-063F-42B5-8137-9DF3F51BA10A}">
-      <p15:sldGuideLst xmlns:p15="http://schemas.microsoft.com/office/powerpoint/2012/main" xmlns=""/>
+      <p15:sldGuideLst xmlns="" xmlns:p15="http://schemas.microsoft.com/office/powerpoint/2012/main"/>
     </p:ext>
   </p:extLst>
 </p:presentation>
@@ -6498,10 +6498,6 @@
               </a:rPr>
               <a:t>心得</a:t>
             </a:r>
-            <a:endParaRPr lang="zh-TW" altLang="en-US" dirty="0">
-              <a:latin typeface="標楷體" pitchFamily="65" charset="-120"/>
-              <a:ea typeface="標楷體" pitchFamily="65" charset="-120"/>
-            </a:endParaRPr>
           </a:p>
         </p:txBody>
       </p:sp>
@@ -8280,7 +8276,7 @@
         <p:spPr>
           <a:xfrm>
             <a:off x="979758" y="2055603"/>
-            <a:ext cx="10444304" cy="3416320"/>
+            <a:ext cx="10444304" cy="3046988"/>
           </a:xfrm>
           <a:prstGeom prst="rect">
             <a:avLst/>
@@ -8370,21 +8366,55 @@
                 <a:latin typeface="標楷體" pitchFamily="65" charset="-120"/>
                 <a:ea typeface="標楷體" pitchFamily="65" charset="-120"/>
               </a:rPr>
-              <a:t>性程式設計有助於程式的安全性，可以防範諸如此類惡意的濫用</a:t>
+              <a:t>性程式設計有助於程式的安全性</a:t>
             </a:r>
             <a:r>
               <a:rPr lang="zh-TW" altLang="en-US" sz="2400" dirty="0" smtClean="0">
                 <a:latin typeface="標楷體" pitchFamily="65" charset="-120"/>
                 <a:ea typeface="標楷體" pitchFamily="65" charset="-120"/>
               </a:rPr>
-              <a:t>。</a:t>
+              <a:t>，防範惡意</a:t>
+            </a:r>
+            <a:r>
+              <a:rPr lang="zh-TW" altLang="en-US" sz="2400" dirty="0">
+                <a:latin typeface="標楷體" pitchFamily="65" charset="-120"/>
+                <a:ea typeface="標楷體" pitchFamily="65" charset="-120"/>
+              </a:rPr>
+              <a:t>的</a:t>
+            </a:r>
+            <a:r>
+              <a:rPr lang="zh-TW" altLang="en-US" sz="2400" dirty="0" smtClean="0">
+                <a:latin typeface="標楷體" pitchFamily="65" charset="-120"/>
+                <a:ea typeface="標楷體" pitchFamily="65" charset="-120"/>
+              </a:rPr>
+              <a:t>濫用。</a:t>
+            </a:r>
+            <a:endParaRPr lang="en-US" altLang="zh-TW" sz="2400" dirty="0" smtClean="0">
+              <a:latin typeface="標楷體" pitchFamily="65" charset="-120"/>
+              <a:ea typeface="標楷體" pitchFamily="65" charset="-120"/>
+            </a:endParaRPr>
+          </a:p>
+          <a:p>
+            <a:r>
+              <a:rPr lang="en-US" altLang="zh-TW" sz="2400" dirty="0">
+                <a:latin typeface="標楷體" pitchFamily="65" charset="-120"/>
+                <a:ea typeface="標楷體" pitchFamily="65" charset="-120"/>
+              </a:rPr>
+              <a:t>	</a:t>
+            </a:r>
+            <a:r>
+              <a:rPr lang="zh-TW" altLang="en-US" sz="2400" dirty="0" smtClean="0">
+                <a:latin typeface="標楷體" pitchFamily="65" charset="-120"/>
+                <a:ea typeface="標楷體" pitchFamily="65" charset="-120"/>
+              </a:rPr>
+              <a:t>例如</a:t>
             </a:r>
             <a:r>
               <a:rPr lang="en-US" altLang="zh-TW" sz="2400" dirty="0" smtClean="0">
                 <a:latin typeface="標楷體" pitchFamily="65" charset="-120"/>
                 <a:ea typeface="標楷體" pitchFamily="65" charset="-120"/>
               </a:rPr>
-              <a:t>	</a:t>
+              <a:t>:</a:t>
             </a:r>
             <a:r>
               <a:rPr lang="zh-TW" altLang="en-US" sz="2400" dirty="0" smtClean="0">
@@ -8398,42 +8428,42 @@
                 <a:latin typeface="標楷體" pitchFamily="65" charset="-120"/>
                 <a:ea typeface="標楷體" pitchFamily="65" charset="-120"/>
               </a:rPr>
-              <a:t>和病毒製造者常常會利用那些不嚴謹的代碼，以控制某個應用</a:t>
+              <a:t>和病毒製造</a:t>
             </a:r>
             <a:r>
               <a:rPr lang="zh-TW" altLang="en-US" sz="2400" dirty="0" smtClean="0">
                 <a:latin typeface="標楷體" pitchFamily="65" charset="-120"/>
                 <a:ea typeface="標楷體" pitchFamily="65" charset="-120"/>
               </a:rPr>
-              <a:t>程</a:t>
-            </a:r>
-            <a:r>
-              <a:rPr lang="en-US" altLang="zh-TW" sz="2400" dirty="0" smtClean="0">
-                <a:latin typeface="標楷體" pitchFamily="65" charset="-120"/>
-                <a:ea typeface="標楷體" pitchFamily="65" charset="-120"/>
-              </a:rPr>
-              <a:t>	</a:t>
+              <a:t>者利用這些不</a:t>
+            </a:r>
+            <a:r>
+              <a:rPr lang="zh-TW" altLang="en-US" sz="2400" dirty="0">
+                <a:latin typeface="標楷體" pitchFamily="65" charset="-120"/>
+                <a:ea typeface="標楷體" pitchFamily="65" charset="-120"/>
+              </a:rPr>
+              <a:t>嚴謹的</a:t>
             </a:r>
             <a:r>
               <a:rPr lang="zh-TW" altLang="en-US" sz="2400" dirty="0" smtClean="0">
                 <a:latin typeface="標楷體" pitchFamily="65" charset="-120"/>
                 <a:ea typeface="標楷體" pitchFamily="65" charset="-120"/>
               </a:rPr>
-              <a:t>式</a:t>
+              <a:t>代碼，蓄意</a:t>
             </a:r>
             <a:r>
               <a:rPr lang="zh-TW" altLang="en-US" sz="2400" dirty="0">
                 <a:latin typeface="標楷體" pitchFamily="65" charset="-120"/>
                 <a:ea typeface="標楷體" pitchFamily="65" charset="-120"/>
               </a:rPr>
-              <a:t>，然後實施他們蓄意的破壞計畫</a:t>
+              <a:t>的</a:t>
             </a:r>
             <a:r>
               <a:rPr lang="zh-TW" altLang="en-US" sz="2400" dirty="0" smtClean="0">
                 <a:latin typeface="標楷體" pitchFamily="65" charset="-120"/>
                 <a:ea typeface="標楷體" pitchFamily="65" charset="-120"/>
               </a:rPr>
-              <a:t>。</a:t>
+              <a:t>破壞。</a:t>
             </a:r>
             <a:endParaRPr lang="en-US" altLang="zh-TW" sz="2400" dirty="0" smtClean="0">
               <a:latin typeface="標楷體" pitchFamily="65" charset="-120"/>
@@ -8738,21 +8768,7 @@
                 <a:latin typeface="標楷體" pitchFamily="65" charset="-120"/>
                 <a:ea typeface="標楷體" pitchFamily="65" charset="-120"/>
               </a:rPr>
-              <a:t>防禦</a:t>
-            </a:r>
-            <a:r>
-              <a:rPr lang="zh-TW" altLang="en-US" sz="2400" dirty="0">
-                <a:latin typeface="標楷體" pitchFamily="65" charset="-120"/>
-                <a:ea typeface="標楷體" pitchFamily="65" charset="-120"/>
-              </a:rPr>
-              <a:t>性</a:t>
-            </a:r>
-            <a:r>
-              <a:rPr lang="zh-TW" altLang="en-US" sz="2400" dirty="0">
-                <a:latin typeface="標楷體" pitchFamily="65" charset="-120"/>
-                <a:ea typeface="標楷體" pitchFamily="65" charset="-120"/>
-              </a:rPr>
-              <a:t>程式設計是有存在的必要</a:t>
+              <a:t>防禦性程式設計是有存在的必要</a:t>
             </a:r>
             <a:r>
               <a:rPr lang="zh-TW" altLang="en-US" sz="2400" dirty="0" smtClean="0">
@@ -9133,6 +9149,15 @@
               </a:rPr>
               <a:t>。</a:t>
             </a:r>
+            <a:endParaRPr lang="en-US" altLang="zh-TW" sz="3600" dirty="0" smtClean="0">
+              <a:latin typeface="標楷體" pitchFamily="65" charset="-120"/>
+              <a:ea typeface="標楷體" pitchFamily="65" charset="-120"/>
+            </a:endParaRPr>
+          </a:p>
+          <a:p>
+            <a:pPr marL="0" indent="0">
+              <a:buNone/>
+            </a:pPr>
             <a:endParaRPr lang="en-US" altLang="zh-TW" sz="3600" dirty="0" smtClean="0">
               <a:latin typeface="標楷體" pitchFamily="65" charset="-120"/>
               <a:ea typeface="標楷體" pitchFamily="65" charset="-120"/>
@@ -9225,8 +9250,61 @@
                 <a:latin typeface="標楷體" panose="03000509000000000000" pitchFamily="65" charset="-120"/>
                 <a:ea typeface="標楷體" panose="03000509000000000000" pitchFamily="65" charset="-120"/>
               </a:rPr>
-              <a:t>防禦性程式寫法</a:t>
-            </a:r>
+              <a:t>防禦性程式</a:t>
+            </a:r>
+            <a:r>
+              <a:rPr lang="zh-TW" altLang="en-US" dirty="0" smtClean="0">
+                <a:latin typeface="標楷體" panose="03000509000000000000" pitchFamily="65" charset="-120"/>
+                <a:ea typeface="標楷體" panose="03000509000000000000" pitchFamily="65" charset="-120"/>
+              </a:rPr>
+              <a:t>寫法</a:t>
+            </a:r>
+            <a:r>
+              <a:rPr lang="en-US" altLang="zh-TW" dirty="0" smtClean="0">
+                <a:latin typeface="標楷體" panose="03000509000000000000" pitchFamily="65" charset="-120"/>
+                <a:ea typeface="標楷體" panose="03000509000000000000" pitchFamily="65" charset="-120"/>
+              </a:rPr>
+              <a:t>(</a:t>
+            </a:r>
+            <a:r>
+              <a:rPr lang="zh-TW" altLang="en-US" sz="3600" dirty="0">
+                <a:latin typeface="標楷體" panose="03000509000000000000" pitchFamily="65" charset="-120"/>
+                <a:ea typeface="標楷體" panose="03000509000000000000" pitchFamily="65" charset="-120"/>
+              </a:rPr>
+              <a:t>觀念</a:t>
+            </a:r>
+            <a:r>
+              <a:rPr lang="en-US" altLang="zh-TW" sz="3600" dirty="0">
+                <a:latin typeface="標楷體" panose="03000509000000000000" pitchFamily="65" charset="-120"/>
+                <a:ea typeface="標楷體" panose="03000509000000000000" pitchFamily="65" charset="-120"/>
+              </a:rPr>
+              <a:t>-----</a:t>
+            </a:r>
+            <a:r>
+              <a:rPr lang="zh-TW" altLang="en-US" sz="3600" dirty="0">
+                <a:latin typeface="標楷體" panose="03000509000000000000" pitchFamily="65" charset="-120"/>
+                <a:ea typeface="標楷體" panose="03000509000000000000" pitchFamily="65" charset="-120"/>
+              </a:rPr>
+              <a:t>消除墨</a:t>
+            </a:r>
+            <a:r>
+              <a:rPr lang="zh-TW" altLang="en-US" sz="3600" dirty="0" smtClean="0">
+                <a:latin typeface="標楷體" panose="03000509000000000000" pitchFamily="65" charset="-120"/>
+                <a:ea typeface="標楷體" panose="03000509000000000000" pitchFamily="65" charset="-120"/>
+              </a:rPr>
+              <a:t>菲定律</a:t>
+            </a:r>
+            <a:r>
+              <a:rPr lang="en-US" altLang="zh-TW" sz="3600" dirty="0" smtClean="0">
+                <a:latin typeface="標楷體" panose="03000509000000000000" pitchFamily="65" charset="-120"/>
+                <a:ea typeface="標楷體" panose="03000509000000000000" pitchFamily="65" charset="-120"/>
+              </a:rPr>
+              <a:t>)</a:t>
+            </a:r>
+            <a:endParaRPr lang="zh-TW" altLang="en-US" dirty="0">
+              <a:latin typeface="標楷體" panose="03000509000000000000" pitchFamily="65" charset="-120"/>
+              <a:ea typeface="標楷體" panose="03000509000000000000" pitchFamily="65" charset="-120"/>
+            </a:endParaRPr>
           </a:p>
         </p:txBody>
       </p:sp>
@@ -9256,28 +9334,65 @@
                 <a:latin typeface="標楷體" pitchFamily="65" charset="-120"/>
                 <a:ea typeface="標楷體" pitchFamily="65" charset="-120"/>
               </a:rPr>
-              <a:t>大原則</a:t>
-            </a:r>
-            <a:endParaRPr lang="en-US" altLang="zh-TW" sz="3600" dirty="0" smtClean="0">
+              <a:t>大</a:t>
+            </a:r>
+            <a:r>
+              <a:rPr lang="zh-TW" altLang="en-US" sz="3600" dirty="0" smtClean="0">
+                <a:latin typeface="標楷體" pitchFamily="65" charset="-120"/>
+                <a:ea typeface="標楷體" pitchFamily="65" charset="-120"/>
+              </a:rPr>
+              <a:t>原則</a:t>
+            </a:r>
+            <a:endParaRPr lang="en-US" altLang="zh-TW" sz="3600" dirty="0">
               <a:latin typeface="標楷體" pitchFamily="65" charset="-120"/>
               <a:ea typeface="標楷體" pitchFamily="65" charset="-120"/>
             </a:endParaRPr>
           </a:p>
           <a:p>
-            <a:pPr marL="0" indent="0" algn="ctr">
+            <a:pPr marL="201168" lvl="1" indent="0">
               <a:buNone/>
             </a:pPr>
             <a:r>
-              <a:rPr lang="zh-TW" altLang="en-US" sz="4000" b="1" dirty="0" smtClean="0">
+              <a:rPr lang="en-US" altLang="zh-TW" sz="3800" b="1" dirty="0" smtClean="0">
                 <a:solidFill>
                   <a:srgbClr val="FF0000"/>
                 </a:solidFill>
                 <a:latin typeface="標楷體" pitchFamily="65" charset="-120"/>
                 <a:ea typeface="標楷體" pitchFamily="65" charset="-120"/>
               </a:rPr>
-              <a:t>絕對不要相信使用者送進來的參數值</a:t>
-            </a:r>
-            <a:endParaRPr lang="en-US" altLang="zh-TW" sz="4000" b="1" dirty="0" smtClean="0">
+              <a:t>	</a:t>
+            </a:r>
+            <a:r>
+              <a:rPr lang="zh-TW" altLang="en-US" sz="3800" b="1" dirty="0" smtClean="0">
+                <a:solidFill>
+                  <a:srgbClr val="FF0000"/>
+                </a:solidFill>
+                <a:latin typeface="標楷體" pitchFamily="65" charset="-120"/>
+                <a:ea typeface="標楷體" pitchFamily="65" charset="-120"/>
+              </a:rPr>
+              <a:t>絕對</a:t>
+            </a:r>
+            <a:r>
+              <a:rPr lang="zh-TW" altLang="en-US" sz="3800" b="1" dirty="0" smtClean="0">
+                <a:solidFill>
+                  <a:srgbClr val="FF0000"/>
+                </a:solidFill>
+                <a:latin typeface="標楷體" pitchFamily="65" charset="-120"/>
+                <a:ea typeface="標楷體" pitchFamily="65" charset="-120"/>
+              </a:rPr>
+              <a:t>不要相信使用者送進來的參</a:t>
+            </a:r>
+            <a:r>
+              <a:rPr lang="zh-TW" altLang="en-US" sz="3800" b="1" dirty="0" smtClean="0">
+                <a:solidFill>
+                  <a:srgbClr val="FF0000"/>
+                </a:solidFill>
+                <a:latin typeface="標楷體" pitchFamily="65" charset="-120"/>
+                <a:ea typeface="標楷體" pitchFamily="65" charset="-120"/>
+              </a:rPr>
+              <a:t>數值</a:t>
+            </a:r>
+            <a:endParaRPr lang="en-US" altLang="zh-TW" sz="3800" b="1" dirty="0" smtClean="0">
               <a:solidFill>
                 <a:srgbClr val="FF0000"/>
               </a:solidFill>
@@ -9286,7 +9401,7 @@
             </a:endParaRPr>
           </a:p>
           <a:p>
-            <a:pPr marL="0" indent="0" algn="ctr">
+            <a:pPr marL="201168" lvl="1" indent="0">
               <a:buNone/>
             </a:pPr>
             <a:endParaRPr lang="en-US" altLang="zh-TW" sz="4000" b="1" dirty="0" smtClean="0">
@@ -9319,21 +9434,40 @@
                 <a:latin typeface="標楷體" pitchFamily="65" charset="-120"/>
                 <a:ea typeface="標楷體" pitchFamily="65" charset="-120"/>
               </a:rPr>
-              <a:t>保護程式在無效輸入資料的破壞</a:t>
-            </a:r>
-            <a:r>
-              <a:rPr lang="zh-TW" altLang="en-US" sz="3600" dirty="0" smtClean="0">
-                <a:latin typeface="標楷體" pitchFamily="65" charset="-120"/>
-                <a:ea typeface="標楷體" pitchFamily="65" charset="-120"/>
-              </a:rPr>
-              <a:t/>
-            </a:r>
-            <a:br>
-              <a:rPr lang="zh-TW" altLang="en-US" sz="3600" dirty="0" smtClean="0">
-                <a:latin typeface="標楷體" pitchFamily="65" charset="-120"/>
-                <a:ea typeface="標楷體" pitchFamily="65" charset="-120"/>
-              </a:rPr>
-            </a:br>
+              <a:t>保護程式在無效輸入資料的</a:t>
+            </a:r>
+            <a:r>
+              <a:rPr lang="zh-TW" altLang="en-US" sz="4000" b="1" dirty="0" smtClean="0">
+                <a:solidFill>
+                  <a:srgbClr val="FF0000"/>
+                </a:solidFill>
+                <a:latin typeface="標楷體" pitchFamily="65" charset="-120"/>
+                <a:ea typeface="標楷體" pitchFamily="65" charset="-120"/>
+              </a:rPr>
+              <a:t>破壞</a:t>
+            </a:r>
+            <a:endParaRPr lang="en-US" altLang="zh-TW" sz="4000" b="1" dirty="0">
+              <a:solidFill>
+                <a:srgbClr val="FF0000"/>
+              </a:solidFill>
+              <a:latin typeface="標楷體" pitchFamily="65" charset="-120"/>
+              <a:ea typeface="標楷體" pitchFamily="65" charset="-120"/>
+            </a:endParaRPr>
+          </a:p>
+          <a:p>
+            <a:pPr marL="0" indent="0">
+              <a:buNone/>
+            </a:pPr>
+            <a:r>
+              <a:rPr lang="en-US" altLang="zh-TW" sz="4000" b="1" dirty="0" smtClean="0">
+                <a:solidFill>
+                  <a:srgbClr val="FF0000"/>
+                </a:solidFill>
+                <a:latin typeface="標楷體" pitchFamily="65" charset="-120"/>
+                <a:ea typeface="標楷體" pitchFamily="65" charset="-120"/>
+              </a:rPr>
+              <a:t>	</a:t>
+            </a:r>
             <a:endParaRPr lang="zh-TW" altLang="en-US" sz="4000" b="1" dirty="0">
               <a:solidFill>
                 <a:srgbClr val="FF0000"/>
@@ -10359,7 +10493,7 @@
   <a:extraClrSchemeLst/>
   <a:extLst>
     <a:ext uri="{05A4C25C-085E-4340-85A3-A5531E510DB2}">
-      <thm15:themeFamily xmlns:thm15="http://schemas.microsoft.com/office/thememl/2012/main" xmlns="" name="Retrospect" id="{5F128B03-DCCA-4EEB-AB3B-CF2899314A46}" vid="{3F1AAB62-24C6-49D2-8E01-B56FAC9A3DCD}"/>
+      <thm15:themeFamily xmlns="" xmlns:thm15="http://schemas.microsoft.com/office/thememl/2012/main" name="Retrospect" id="{5F128B03-DCCA-4EEB-AB3B-CF2899314A46}" vid="{3F1AAB62-24C6-49D2-8E01-B56FAC9A3DCD}"/>
     </a:ext>
   </a:extLst>
 </a:theme>
@@ -10620,7 +10754,7 @@
   <a:extraClrSchemeLst/>
   <a:extLst>
     <a:ext uri="{05A4C25C-085E-4340-85A3-A5531E510DB2}">
-      <thm15:themeFamily xmlns:thm15="http://schemas.microsoft.com/office/thememl/2012/main" xmlns="" name="Office Theme" id="{62F939B6-93AF-4DB8-9C6B-D6C7DFDC589F}" vid="{4A3C46E8-61CC-4603-A589-7422A47A8E4A}"/>
+      <thm15:themeFamily xmlns="" xmlns:thm15="http://schemas.microsoft.com/office/thememl/2012/main" name="Office Theme" id="{62F939B6-93AF-4DB8-9C6B-D6C7DFDC589F}" vid="{4A3C46E8-61CC-4603-A589-7422A47A8E4A}"/>
     </a:ext>
   </a:extLst>
 </a:theme>

--- a/Learning-Defensive-programming.pptx
+++ b/Learning-Defensive-programming.pptx
@@ -4386,6 +4386,13 @@
   <p:clrMapOvr>
     <a:overrideClrMapping bg1="lt1" tx1="dk1" bg2="lt2" tx2="dk2" accent1="accent1" accent2="accent2" accent3="accent3" accent4="accent4" accent5="accent5" accent6="accent6" hlink="hlink" folHlink="folHlink"/>
   </p:clrMapOvr>
+  <p:timing>
+    <p:tnLst>
+      <p:par>
+        <p:cTn id="1" dur="indefinite" restart="never" nodeType="tmRoot"/>
+      </p:par>
+    </p:tnLst>
+  </p:timing>
 </p:sld>
 </file>
 
@@ -6480,7 +6487,7 @@
         </p:nvSpPr>
         <p:spPr>
           <a:xfrm>
-            <a:off x="1097280" y="708455"/>
+            <a:off x="1073529" y="3249774"/>
             <a:ext cx="10058400" cy="814722"/>
           </a:xfrm>
         </p:spPr>
@@ -7716,6 +7723,13 @@
   <p:clrMapOvr>
     <a:masterClrMapping/>
   </p:clrMapOvr>
+  <p:timing>
+    <p:tnLst>
+      <p:par>
+        <p:cTn id="1" dur="indefinite" restart="never" nodeType="tmRoot"/>
+      </p:par>
+    </p:tnLst>
+  </p:timing>
 </p:sld>
 </file>
 
@@ -8809,7 +8823,35 @@
                 <a:latin typeface="標楷體" pitchFamily="65" charset="-120"/>
                 <a:ea typeface="標楷體" pitchFamily="65" charset="-120"/>
               </a:rPr>
-              <a:t>對於我現階段的理解是只要跟個資、金流要更重性該部分。</a:t>
+              <a:t>對於我現階段的理解是只要跟個資、金流要</a:t>
+            </a:r>
+            <a:r>
+              <a:rPr lang="zh-TW" altLang="en-US" sz="2400" smtClean="0">
+                <a:latin typeface="標楷體" pitchFamily="65" charset="-120"/>
+                <a:ea typeface="標楷體" pitchFamily="65" charset="-120"/>
+              </a:rPr>
+              <a:t>更重</a:t>
+            </a:r>
+            <a:r>
+              <a:rPr lang="zh-TW" altLang="en-US" sz="2400">
+                <a:latin typeface="標楷體" pitchFamily="65" charset="-120"/>
+                <a:ea typeface="標楷體" pitchFamily="65" charset="-120"/>
+              </a:rPr>
+              <a:t>視</a:t>
+            </a:r>
+            <a:r>
+              <a:rPr lang="zh-TW" altLang="en-US" sz="2400" smtClean="0">
+                <a:latin typeface="標楷體" pitchFamily="65" charset="-120"/>
+                <a:ea typeface="標楷體" pitchFamily="65" charset="-120"/>
+              </a:rPr>
+              <a:t>該</a:t>
+            </a:r>
+            <a:r>
+              <a:rPr lang="zh-TW" altLang="en-US" sz="2400" dirty="0" smtClean="0">
+                <a:latin typeface="標楷體" pitchFamily="65" charset="-120"/>
+                <a:ea typeface="標楷體" pitchFamily="65" charset="-120"/>
+              </a:rPr>
+              <a:t>部分。</a:t>
             </a:r>
             <a:endParaRPr lang="en-US" altLang="zh-TW" sz="2400" dirty="0">
               <a:latin typeface="標楷體" pitchFamily="65" charset="-120"/>
@@ -8930,6 +8972,13 @@
   <p:clrMapOvr>
     <a:masterClrMapping/>
   </p:clrMapOvr>
+  <p:timing>
+    <p:tnLst>
+      <p:par>
+        <p:cTn id="1" dur="indefinite" restart="never" nodeType="tmRoot"/>
+      </p:par>
+    </p:tnLst>
+  </p:timing>
 </p:sld>
 </file>
 
@@ -8967,7 +9016,7 @@
         </p:nvSpPr>
         <p:spPr>
           <a:xfrm>
-            <a:off x="931026" y="696579"/>
+            <a:off x="1121032" y="3024143"/>
             <a:ext cx="10058400" cy="814722"/>
           </a:xfrm>
         </p:spPr>
@@ -9250,58 +9299,58 @@
                 <a:latin typeface="標楷體" panose="03000509000000000000" pitchFamily="65" charset="-120"/>
                 <a:ea typeface="標楷體" panose="03000509000000000000" pitchFamily="65" charset="-120"/>
               </a:rPr>
-              <a:t>防禦性程式</a:t>
+              <a:t>防禦性</a:t>
             </a:r>
             <a:r>
               <a:rPr lang="zh-TW" altLang="en-US" dirty="0" smtClean="0">
                 <a:latin typeface="標楷體" panose="03000509000000000000" pitchFamily="65" charset="-120"/>
                 <a:ea typeface="標楷體" panose="03000509000000000000" pitchFamily="65" charset="-120"/>
               </a:rPr>
-              <a:t>寫法</a:t>
-            </a:r>
-            <a:r>
-              <a:rPr lang="en-US" altLang="zh-TW" dirty="0" smtClean="0">
+              <a:t>程式</a:t>
+            </a:r>
+            <a:r>
+              <a:rPr lang="zh-TW" altLang="en-US" dirty="0">
                 <a:latin typeface="標楷體" panose="03000509000000000000" pitchFamily="65" charset="-120"/>
                 <a:ea typeface="標楷體" panose="03000509000000000000" pitchFamily="65" charset="-120"/>
               </a:rPr>
-              <a:t>(</a:t>
-            </a:r>
-            <a:r>
-              <a:rPr lang="zh-TW" altLang="en-US" sz="3600" dirty="0">
+              <a:t>核心</a:t>
+            </a:r>
+            <a:r>
+              <a:rPr lang="zh-TW" altLang="en-US" dirty="0" smtClean="0">
                 <a:latin typeface="標楷體" panose="03000509000000000000" pitchFamily="65" charset="-120"/>
                 <a:ea typeface="標楷體" panose="03000509000000000000" pitchFamily="65" charset="-120"/>
               </a:rPr>
-              <a:t>觀念</a:t>
-            </a:r>
-            <a:r>
-              <a:rPr lang="en-US" altLang="zh-TW" sz="3600" dirty="0">
+              <a:t>    </a:t>
+            </a:r>
+            <a:r>
+              <a:rPr lang="zh-TW" altLang="en-US" sz="2800" dirty="0" smtClean="0">
                 <a:latin typeface="標楷體" panose="03000509000000000000" pitchFamily="65" charset="-120"/>
                 <a:ea typeface="標楷體" panose="03000509000000000000" pitchFamily="65" charset="-120"/>
               </a:rPr>
-              <a:t>-----</a:t>
-            </a:r>
-            <a:r>
-              <a:rPr lang="zh-TW" altLang="en-US" sz="3600" dirty="0">
+              <a:t>觀念</a:t>
+            </a:r>
+            <a:r>
+              <a:rPr lang="en-US" altLang="zh-TW" sz="2800" dirty="0">
                 <a:latin typeface="標楷體" panose="03000509000000000000" pitchFamily="65" charset="-120"/>
                 <a:ea typeface="標楷體" panose="03000509000000000000" pitchFamily="65" charset="-120"/>
               </a:rPr>
-              <a:t>消除墨</a:t>
-            </a:r>
-            <a:r>
-              <a:rPr lang="zh-TW" altLang="en-US" sz="3600" dirty="0" smtClean="0">
+              <a:t>-----</a:t>
+            </a:r>
+            <a:r>
+              <a:rPr lang="zh-TW" altLang="en-US" sz="2800" dirty="0">
                 <a:latin typeface="標楷體" panose="03000509000000000000" pitchFamily="65" charset="-120"/>
                 <a:ea typeface="標楷體" panose="03000509000000000000" pitchFamily="65" charset="-120"/>
               </a:rPr>
-              <a:t>菲定律</a:t>
-            </a:r>
-            <a:r>
-              <a:rPr lang="en-US" altLang="zh-TW" sz="3600" dirty="0" smtClean="0">
+              <a:t>消除墨</a:t>
+            </a:r>
+            <a:r>
+              <a:rPr lang="zh-TW" altLang="en-US" sz="2800" dirty="0" smtClean="0">
                 <a:latin typeface="標楷體" panose="03000509000000000000" pitchFamily="65" charset="-120"/>
                 <a:ea typeface="標楷體" panose="03000509000000000000" pitchFamily="65" charset="-120"/>
               </a:rPr>
-              <a:t>)</a:t>
-            </a:r>
-            <a:endParaRPr lang="zh-TW" altLang="en-US" dirty="0">
+              <a:t>菲定律</a:t>
+            </a:r>
+            <a:endParaRPr lang="zh-TW" altLang="en-US" sz="4000" dirty="0">
               <a:latin typeface="標楷體" panose="03000509000000000000" pitchFamily="65" charset="-120"/>
               <a:ea typeface="標楷體" panose="03000509000000000000" pitchFamily="65" charset="-120"/>
             </a:endParaRPr>
@@ -9334,14 +9383,7 @@
                 <a:latin typeface="標楷體" pitchFamily="65" charset="-120"/>
                 <a:ea typeface="標楷體" pitchFamily="65" charset="-120"/>
               </a:rPr>
-              <a:t>大</a:t>
-            </a:r>
-            <a:r>
-              <a:rPr lang="zh-TW" altLang="en-US" sz="3600" dirty="0" smtClean="0">
-                <a:latin typeface="標楷體" pitchFamily="65" charset="-120"/>
-                <a:ea typeface="標楷體" pitchFamily="65" charset="-120"/>
-              </a:rPr>
-              <a:t>原則</a:t>
+              <a:t>大原則</a:t>
             </a:r>
             <a:endParaRPr lang="en-US" altLang="zh-TW" sz="3600" dirty="0">
               <a:latin typeface="標楷體" pitchFamily="65" charset="-120"/>
@@ -9370,27 +9412,7 @@
                 <a:latin typeface="標楷體" pitchFamily="65" charset="-120"/>
                 <a:ea typeface="標楷體" pitchFamily="65" charset="-120"/>
               </a:rPr>
-              <a:t>絕對</a:t>
-            </a:r>
-            <a:r>
-              <a:rPr lang="zh-TW" altLang="en-US" sz="3800" b="1" dirty="0" smtClean="0">
-                <a:solidFill>
-                  <a:srgbClr val="FF0000"/>
-                </a:solidFill>
-                <a:latin typeface="標楷體" pitchFamily="65" charset="-120"/>
-                <a:ea typeface="標楷體" pitchFamily="65" charset="-120"/>
-              </a:rPr>
-              <a:t>不要相信使用者送進來的參</a:t>
-            </a:r>
-            <a:r>
-              <a:rPr lang="zh-TW" altLang="en-US" sz="3800" b="1" dirty="0" smtClean="0">
-                <a:solidFill>
-                  <a:srgbClr val="FF0000"/>
-                </a:solidFill>
-                <a:latin typeface="標楷體" pitchFamily="65" charset="-120"/>
-                <a:ea typeface="標楷體" pitchFamily="65" charset="-120"/>
-              </a:rPr>
-              <a:t>數值</a:t>
+              <a:t>絕對不要相信使用者送進來的參數值</a:t>
             </a:r>
             <a:endParaRPr lang="en-US" altLang="zh-TW" sz="3800" b="1" dirty="0" smtClean="0">
               <a:solidFill>
@@ -9434,17 +9456,7 @@
                 <a:latin typeface="標楷體" pitchFamily="65" charset="-120"/>
                 <a:ea typeface="標楷體" pitchFamily="65" charset="-120"/>
               </a:rPr>
-              <a:t>保護程式在無效輸入資料的</a:t>
-            </a:r>
-            <a:r>
-              <a:rPr lang="zh-TW" altLang="en-US" sz="4000" b="1" dirty="0" smtClean="0">
-                <a:solidFill>
-                  <a:srgbClr val="FF0000"/>
-                </a:solidFill>
-                <a:latin typeface="標楷體" pitchFamily="65" charset="-120"/>
-                <a:ea typeface="標楷體" pitchFamily="65" charset="-120"/>
-              </a:rPr>
-              <a:t>破壞</a:t>
+              <a:t>保護程式在無效輸入資料的破壞</a:t>
             </a:r>
             <a:endParaRPr lang="en-US" altLang="zh-TW" sz="4000" b="1" dirty="0">
               <a:solidFill>
@@ -9942,6 +9954,13 @@
   <p:clrMapOvr>
     <a:overrideClrMapping bg1="lt1" tx1="dk1" bg2="lt2" tx2="dk2" accent1="accent1" accent2="accent2" accent3="accent3" accent4="accent4" accent5="accent5" accent6="accent6" hlink="hlink" folHlink="folHlink"/>
   </p:clrMapOvr>
+  <p:timing>
+    <p:tnLst>
+      <p:par>
+        <p:cTn id="1" dur="indefinite" restart="never" nodeType="tmRoot"/>
+      </p:par>
+    </p:tnLst>
+  </p:timing>
 </p:sld>
 </file>
 
@@ -9979,7 +9998,7 @@
         </p:nvSpPr>
         <p:spPr>
           <a:xfrm>
-            <a:off x="1097280" y="708455"/>
+            <a:off x="1192282" y="3142896"/>
             <a:ext cx="10058400" cy="814722"/>
           </a:xfrm>
         </p:spPr>
@@ -10213,6 +10232,13 @@
   <p:clrMapOvr>
     <a:masterClrMapping/>
   </p:clrMapOvr>
+  <p:timing>
+    <p:tnLst>
+      <p:par>
+        <p:cTn id="1" dur="indefinite" restart="never" nodeType="tmRoot"/>
+      </p:par>
+    </p:tnLst>
+  </p:timing>
 </p:sld>
 </file>
 
